--- a/Kim/Nhom9.PP.pptx
+++ b/Kim/Nhom9.PP.pptx
@@ -5,7 +5,7 @@
     <p:sldMasterId id="2147483648" r:id="rId1"/>
   </p:sldMasterIdLst>
   <p:notesMasterIdLst>
-    <p:notesMasterId r:id="rId34"/>
+    <p:notesMasterId r:id="rId35"/>
   </p:notesMasterIdLst>
   <p:sldIdLst>
     <p:sldId id="256" r:id="rId2"/>
@@ -15,54 +15,55 @@
     <p:sldId id="260" r:id="rId6"/>
     <p:sldId id="289" r:id="rId7"/>
     <p:sldId id="262" r:id="rId8"/>
-    <p:sldId id="264" r:id="rId9"/>
-    <p:sldId id="265" r:id="rId10"/>
-    <p:sldId id="266" r:id="rId11"/>
-    <p:sldId id="267" r:id="rId12"/>
-    <p:sldId id="268" r:id="rId13"/>
-    <p:sldId id="269" r:id="rId14"/>
-    <p:sldId id="270" r:id="rId15"/>
-    <p:sldId id="271" r:id="rId16"/>
-    <p:sldId id="272" r:id="rId17"/>
-    <p:sldId id="273" r:id="rId18"/>
-    <p:sldId id="274" r:id="rId19"/>
-    <p:sldId id="275" r:id="rId20"/>
-    <p:sldId id="276" r:id="rId21"/>
-    <p:sldId id="277" r:id="rId22"/>
-    <p:sldId id="291" r:id="rId23"/>
-    <p:sldId id="278" r:id="rId24"/>
-    <p:sldId id="279" r:id="rId25"/>
-    <p:sldId id="280" r:id="rId26"/>
-    <p:sldId id="281" r:id="rId27"/>
-    <p:sldId id="282" r:id="rId28"/>
-    <p:sldId id="283" r:id="rId29"/>
-    <p:sldId id="284" r:id="rId30"/>
-    <p:sldId id="285" r:id="rId31"/>
-    <p:sldId id="286" r:id="rId32"/>
-    <p:sldId id="287" r:id="rId33"/>
+    <p:sldId id="293" r:id="rId9"/>
+    <p:sldId id="264" r:id="rId10"/>
+    <p:sldId id="265" r:id="rId11"/>
+    <p:sldId id="266" r:id="rId12"/>
+    <p:sldId id="267" r:id="rId13"/>
+    <p:sldId id="268" r:id="rId14"/>
+    <p:sldId id="269" r:id="rId15"/>
+    <p:sldId id="270" r:id="rId16"/>
+    <p:sldId id="271" r:id="rId17"/>
+    <p:sldId id="272" r:id="rId18"/>
+    <p:sldId id="273" r:id="rId19"/>
+    <p:sldId id="274" r:id="rId20"/>
+    <p:sldId id="275" r:id="rId21"/>
+    <p:sldId id="276" r:id="rId22"/>
+    <p:sldId id="277" r:id="rId23"/>
+    <p:sldId id="291" r:id="rId24"/>
+    <p:sldId id="278" r:id="rId25"/>
+    <p:sldId id="279" r:id="rId26"/>
+    <p:sldId id="280" r:id="rId27"/>
+    <p:sldId id="281" r:id="rId28"/>
+    <p:sldId id="282" r:id="rId29"/>
+    <p:sldId id="283" r:id="rId30"/>
+    <p:sldId id="284" r:id="rId31"/>
+    <p:sldId id="285" r:id="rId32"/>
+    <p:sldId id="286" r:id="rId33"/>
+    <p:sldId id="287" r:id="rId34"/>
   </p:sldIdLst>
   <p:sldSz cx="9144000" cy="5143500" type="screen16x9"/>
   <p:notesSz cx="6858000" cy="9144000"/>
   <p:embeddedFontLst>
     <p:embeddedFont>
       <p:font typeface="Lato Black" panose="020B0604020202020204" charset="0"/>
-      <p:bold r:id="rId35"/>
-      <p:boldItalic r:id="rId36"/>
+      <p:bold r:id="rId36"/>
+      <p:boldItalic r:id="rId37"/>
     </p:embeddedFont>
     <p:embeddedFont>
       <p:font typeface="Lato" panose="020B0604020202020204" charset="0"/>
-      <p:regular r:id="rId37"/>
-      <p:bold r:id="rId38"/>
-      <p:italic r:id="rId39"/>
-      <p:boldItalic r:id="rId40"/>
+      <p:regular r:id="rId38"/>
+      <p:bold r:id="rId39"/>
+      <p:italic r:id="rId40"/>
+      <p:boldItalic r:id="rId41"/>
     </p:embeddedFont>
     <p:embeddedFont>
       <p:font typeface="Abel" panose="020B0604020202020204" charset="0"/>
-      <p:regular r:id="rId41"/>
+      <p:regular r:id="rId42"/>
     </p:embeddedFont>
     <p:embeddedFont>
       <p:font typeface="Alata" panose="020B0604020202020204" charset="0"/>
-      <p:regular r:id="rId42"/>
+      <p:regular r:id="rId43"/>
     </p:embeddedFont>
   </p:embeddedFontLst>
   <p:defaultTextStyle>
@@ -1033,6 +1034,110 @@
   <p:cSld>
     <p:spTree>
       <p:nvGrpSpPr>
+        <p:cNvPr id="1" name="Shape 311"/>
+        <p:cNvGrpSpPr/>
+        <p:nvPr/>
+      </p:nvGrpSpPr>
+      <p:grpSpPr>
+        <a:xfrm>
+          <a:off x="0" y="0"/>
+          <a:ext cx="0" cy="0"/>
+          <a:chOff x="0" y="0"/>
+          <a:chExt cx="0" cy="0"/>
+        </a:xfrm>
+      </p:grpSpPr>
+      <p:sp>
+        <p:nvSpPr>
+          <p:cNvPr id="312" name="Google Shape;312;p11:notes"/>
+          <p:cNvSpPr txBox="1">
+            <a:spLocks noGrp="1"/>
+          </p:cNvSpPr>
+          <p:nvPr>
+            <p:ph type="body" idx="1"/>
+          </p:nvPr>
+        </p:nvSpPr>
+        <p:spPr>
+          <a:xfrm>
+            <a:off x="685800" y="4343400"/>
+            <a:ext cx="5486400" cy="4114800"/>
+          </a:xfrm>
+          <a:prstGeom prst="rect">
+            <a:avLst/>
+          </a:prstGeom>
+        </p:spPr>
+        <p:txBody>
+          <a:bodyPr spcFirstLastPara="1" wrap="square" lIns="91425" tIns="91425" rIns="91425" bIns="91425" anchor="t" anchorCtr="0">
+            <a:noAutofit/>
+          </a:bodyPr>
+          <a:lstStyle/>
+          <a:p>
+            <a:pPr marL="0" lvl="0" indent="0" algn="l" rtl="0">
+              <a:spcBef>
+                <a:spcPts val="0"/>
+              </a:spcBef>
+              <a:spcAft>
+                <a:spcPts val="0"/>
+              </a:spcAft>
+              <a:buNone/>
+            </a:pPr>
+            <a:endParaRPr/>
+          </a:p>
+        </p:txBody>
+      </p:sp>
+      <p:sp>
+        <p:nvSpPr>
+          <p:cNvPr id="313" name="Google Shape;313;p11:notes"/>
+          <p:cNvSpPr>
+            <a:spLocks noGrp="1" noRot="1" noChangeAspect="1"/>
+          </p:cNvSpPr>
+          <p:nvPr>
+            <p:ph type="sldImg" idx="2"/>
+          </p:nvPr>
+        </p:nvSpPr>
+        <p:spPr>
+          <a:xfrm>
+            <a:off x="381300" y="685800"/>
+            <a:ext cx="6096075" cy="3429000"/>
+          </a:xfrm>
+          <a:custGeom>
+            <a:avLst/>
+            <a:gdLst/>
+            <a:ahLst/>
+            <a:cxnLst/>
+            <a:rect l="l" t="t" r="r" b="b"/>
+            <a:pathLst>
+              <a:path w="120000" h="120000" extrusionOk="0">
+                <a:moveTo>
+                  <a:pt x="0" y="0"/>
+                </a:moveTo>
+                <a:lnTo>
+                  <a:pt x="120000" y="0"/>
+                </a:lnTo>
+                <a:lnTo>
+                  <a:pt x="120000" y="120000"/>
+                </a:lnTo>
+                <a:lnTo>
+                  <a:pt x="0" y="120000"/>
+                </a:lnTo>
+                <a:close/>
+              </a:path>
+            </a:pathLst>
+          </a:custGeom>
+        </p:spPr>
+      </p:sp>
+    </p:spTree>
+  </p:cSld>
+  <p:clrMapOvr>
+    <a:masterClrMapping/>
+  </p:clrMapOvr>
+</p:notes>
+</file>
+
+<file path=ppt/notesSlides/notesSlide11.xml><?xml version="1.0" encoding="utf-8"?>
+<p:notes xmlns:a="http://schemas.openxmlformats.org/drawingml/2006/main" xmlns:r="http://schemas.openxmlformats.org/officeDocument/2006/relationships" xmlns:p="http://schemas.openxmlformats.org/presentationml/2006/main" showMasterSp="0" showMasterPhAnim="0">
+  <p:cSld>
+    <p:spTree>
+      <p:nvGrpSpPr>
         <p:cNvPr id="1" name="Shape 318"/>
         <p:cNvGrpSpPr/>
         <p:nvPr/>
@@ -1132,7 +1237,7 @@
 </p:notes>
 </file>
 
-<file path=ppt/notesSlides/notesSlide11.xml><?xml version="1.0" encoding="utf-8"?>
+<file path=ppt/notesSlides/notesSlide12.xml><?xml version="1.0" encoding="utf-8"?>
 <p:notes xmlns:a="http://schemas.openxmlformats.org/drawingml/2006/main" xmlns:r="http://schemas.openxmlformats.org/officeDocument/2006/relationships" xmlns:p="http://schemas.openxmlformats.org/presentationml/2006/main" showMasterSp="0" showMasterPhAnim="0">
   <p:cSld>
     <p:spTree>
@@ -1236,7 +1341,7 @@
 </p:notes>
 </file>
 
-<file path=ppt/notesSlides/notesSlide12.xml><?xml version="1.0" encoding="utf-8"?>
+<file path=ppt/notesSlides/notesSlide13.xml><?xml version="1.0" encoding="utf-8"?>
 <p:notes xmlns:a="http://schemas.openxmlformats.org/drawingml/2006/main" xmlns:r="http://schemas.openxmlformats.org/officeDocument/2006/relationships" xmlns:p="http://schemas.openxmlformats.org/presentationml/2006/main" showMasterSp="0" showMasterPhAnim="0">
   <p:cSld>
     <p:spTree>
@@ -1340,7 +1445,7 @@
 </p:notes>
 </file>
 
-<file path=ppt/notesSlides/notesSlide13.xml><?xml version="1.0" encoding="utf-8"?>
+<file path=ppt/notesSlides/notesSlide14.xml><?xml version="1.0" encoding="utf-8"?>
 <p:notes xmlns:a="http://schemas.openxmlformats.org/drawingml/2006/main" xmlns:r="http://schemas.openxmlformats.org/officeDocument/2006/relationships" xmlns:p="http://schemas.openxmlformats.org/presentationml/2006/main" showMasterSp="0" showMasterPhAnim="0">
   <p:cSld>
     <p:spTree>
@@ -1444,7 +1549,7 @@
 </p:notes>
 </file>
 
-<file path=ppt/notesSlides/notesSlide14.xml><?xml version="1.0" encoding="utf-8"?>
+<file path=ppt/notesSlides/notesSlide15.xml><?xml version="1.0" encoding="utf-8"?>
 <p:notes xmlns:a="http://schemas.openxmlformats.org/drawingml/2006/main" xmlns:r="http://schemas.openxmlformats.org/officeDocument/2006/relationships" xmlns:p="http://schemas.openxmlformats.org/presentationml/2006/main" showMasterSp="0" showMasterPhAnim="0">
   <p:cSld>
     <p:spTree>
@@ -1548,7 +1653,7 @@
 </p:notes>
 </file>
 
-<file path=ppt/notesSlides/notesSlide15.xml><?xml version="1.0" encoding="utf-8"?>
+<file path=ppt/notesSlides/notesSlide16.xml><?xml version="1.0" encoding="utf-8"?>
 <p:notes xmlns:a="http://schemas.openxmlformats.org/drawingml/2006/main" xmlns:r="http://schemas.openxmlformats.org/officeDocument/2006/relationships" xmlns:p="http://schemas.openxmlformats.org/presentationml/2006/main" showMasterSp="0" showMasterPhAnim="0">
   <p:cSld>
     <p:spTree>
@@ -1652,7 +1757,7 @@
 </p:notes>
 </file>
 
-<file path=ppt/notesSlides/notesSlide16.xml><?xml version="1.0" encoding="utf-8"?>
+<file path=ppt/notesSlides/notesSlide17.xml><?xml version="1.0" encoding="utf-8"?>
 <p:notes xmlns:a="http://schemas.openxmlformats.org/drawingml/2006/main" xmlns:r="http://schemas.openxmlformats.org/officeDocument/2006/relationships" xmlns:p="http://schemas.openxmlformats.org/presentationml/2006/main" showMasterSp="0" showMasterPhAnim="0">
   <p:cSld>
     <p:spTree>
@@ -1774,7 +1879,7 @@
 </p:notes>
 </file>
 
-<file path=ppt/notesSlides/notesSlide17.xml><?xml version="1.0" encoding="utf-8"?>
+<file path=ppt/notesSlides/notesSlide18.xml><?xml version="1.0" encoding="utf-8"?>
 <p:notes xmlns:a="http://schemas.openxmlformats.org/drawingml/2006/main" xmlns:r="http://schemas.openxmlformats.org/officeDocument/2006/relationships" xmlns:p="http://schemas.openxmlformats.org/presentationml/2006/main" showMasterSp="0" showMasterPhAnim="0">
   <p:cSld>
     <p:spTree>
@@ -1896,7 +2001,7 @@
 </p:notes>
 </file>
 
-<file path=ppt/notesSlides/notesSlide18.xml><?xml version="1.0" encoding="utf-8"?>
+<file path=ppt/notesSlides/notesSlide19.xml><?xml version="1.0" encoding="utf-8"?>
 <p:notes xmlns:a="http://schemas.openxmlformats.org/drawingml/2006/main" xmlns:r="http://schemas.openxmlformats.org/officeDocument/2006/relationships" xmlns:p="http://schemas.openxmlformats.org/presentationml/2006/main" showMasterSp="0" showMasterPhAnim="0">
   <p:cSld>
     <p:spTree>
@@ -1967,128 +2072,6 @@
       <p:sp>
         <p:nvSpPr>
           <p:cNvPr id="386" name="Google Shape;386;p20:notes"/>
-          <p:cNvSpPr txBox="1">
-            <a:spLocks noGrp="1"/>
-          </p:cNvSpPr>
-          <p:nvPr>
-            <p:ph type="body" idx="1"/>
-          </p:nvPr>
-        </p:nvSpPr>
-        <p:spPr>
-          <a:xfrm>
-            <a:off x="685800" y="4343400"/>
-            <a:ext cx="5486400" cy="4114800"/>
-          </a:xfrm>
-          <a:prstGeom prst="rect">
-            <a:avLst/>
-          </a:prstGeom>
-          <a:noFill/>
-          <a:ln>
-            <a:noFill/>
-          </a:ln>
-        </p:spPr>
-        <p:txBody>
-          <a:bodyPr spcFirstLastPara="1" wrap="square" lIns="91425" tIns="91425" rIns="91425" bIns="91425" anchor="t" anchorCtr="0">
-            <a:noAutofit/>
-          </a:bodyPr>
-          <a:lstStyle/>
-          <a:p>
-            <a:pPr marL="0" lvl="0" indent="0" algn="l" rtl="0">
-              <a:lnSpc>
-                <a:spcPct val="100000"/>
-              </a:lnSpc>
-              <a:spcBef>
-                <a:spcPts val="0"/>
-              </a:spcBef>
-              <a:spcAft>
-                <a:spcPts val="0"/>
-              </a:spcAft>
-              <a:buSzPts val="1100"/>
-              <a:buNone/>
-            </a:pPr>
-            <a:endParaRPr/>
-          </a:p>
-        </p:txBody>
-      </p:sp>
-    </p:spTree>
-  </p:cSld>
-  <p:clrMapOvr>
-    <a:masterClrMapping/>
-  </p:clrMapOvr>
-</p:notes>
-</file>
-
-<file path=ppt/notesSlides/notesSlide19.xml><?xml version="1.0" encoding="utf-8"?>
-<p:notes xmlns:a="http://schemas.openxmlformats.org/drawingml/2006/main" xmlns:r="http://schemas.openxmlformats.org/officeDocument/2006/relationships" xmlns:p="http://schemas.openxmlformats.org/presentationml/2006/main" showMasterSp="0" showMasterPhAnim="0">
-  <p:cSld>
-    <p:spTree>
-      <p:nvGrpSpPr>
-        <p:cNvPr id="1" name="Shape 396"/>
-        <p:cNvGrpSpPr/>
-        <p:nvPr/>
-      </p:nvGrpSpPr>
-      <p:grpSpPr>
-        <a:xfrm>
-          <a:off x="0" y="0"/>
-          <a:ext cx="0" cy="0"/>
-          <a:chOff x="0" y="0"/>
-          <a:chExt cx="0" cy="0"/>
-        </a:xfrm>
-      </p:grpSpPr>
-      <p:sp>
-        <p:nvSpPr>
-          <p:cNvPr id="397" name="Google Shape;397;p21:notes"/>
-          <p:cNvSpPr>
-            <a:spLocks noGrp="1" noRot="1" noChangeAspect="1"/>
-          </p:cNvSpPr>
-          <p:nvPr>
-            <p:ph type="sldImg" idx="2"/>
-          </p:nvPr>
-        </p:nvSpPr>
-        <p:spPr>
-          <a:xfrm>
-            <a:off x="381000" y="685800"/>
-            <a:ext cx="6096000" cy="3429000"/>
-          </a:xfrm>
-          <a:custGeom>
-            <a:avLst/>
-            <a:gdLst/>
-            <a:ahLst/>
-            <a:cxnLst/>
-            <a:rect l="l" t="t" r="r" b="b"/>
-            <a:pathLst>
-              <a:path w="120000" h="120000" extrusionOk="0">
-                <a:moveTo>
-                  <a:pt x="0" y="0"/>
-                </a:moveTo>
-                <a:lnTo>
-                  <a:pt x="120000" y="0"/>
-                </a:lnTo>
-                <a:lnTo>
-                  <a:pt x="120000" y="120000"/>
-                </a:lnTo>
-                <a:lnTo>
-                  <a:pt x="0" y="120000"/>
-                </a:lnTo>
-                <a:close/>
-              </a:path>
-            </a:pathLst>
-          </a:custGeom>
-          <a:noFill/>
-          <a:ln w="9525" cap="flat" cmpd="sng">
-            <a:solidFill>
-              <a:srgbClr val="000000"/>
-            </a:solidFill>
-            <a:prstDash val="solid"/>
-            <a:round/>
-            <a:headEnd type="none" w="sm" len="sm"/>
-            <a:tailEnd type="none" w="sm" len="sm"/>
-          </a:ln>
-        </p:spPr>
-      </p:sp>
-      <p:sp>
-        <p:nvSpPr>
-          <p:cNvPr id="398" name="Google Shape;398;p21:notes"/>
           <p:cNvSpPr txBox="1">
             <a:spLocks noGrp="1"/>
           </p:cNvSpPr>
@@ -2267,7 +2250,7 @@
   <p:cSld>
     <p:spTree>
       <p:nvGrpSpPr>
-        <p:cNvPr id="1" name="Shape 408"/>
+        <p:cNvPr id="1" name="Shape 396"/>
         <p:cNvGrpSpPr/>
         <p:nvPr/>
       </p:nvGrpSpPr>
@@ -2281,7 +2264,7 @@
       </p:grpSpPr>
       <p:sp>
         <p:nvSpPr>
-          <p:cNvPr id="409" name="Google Shape;409;p22:notes"/>
+          <p:cNvPr id="397" name="Google Shape;397;p21:notes"/>
           <p:cNvSpPr>
             <a:spLocks noGrp="1" noRot="1" noChangeAspect="1"/>
           </p:cNvSpPr>
@@ -2332,7 +2315,7 @@
       </p:sp>
       <p:sp>
         <p:nvSpPr>
-          <p:cNvPr id="410" name="Google Shape;410;p22:notes"/>
+          <p:cNvPr id="398" name="Google Shape;398;p21:notes"/>
           <p:cNvSpPr txBox="1">
             <a:spLocks noGrp="1"/>
           </p:cNvSpPr>
@@ -2511,6 +2494,128 @@
   <p:cSld>
     <p:spTree>
       <p:nvGrpSpPr>
+        <p:cNvPr id="1" name="Shape 408"/>
+        <p:cNvGrpSpPr/>
+        <p:nvPr/>
+      </p:nvGrpSpPr>
+      <p:grpSpPr>
+        <a:xfrm>
+          <a:off x="0" y="0"/>
+          <a:ext cx="0" cy="0"/>
+          <a:chOff x="0" y="0"/>
+          <a:chExt cx="0" cy="0"/>
+        </a:xfrm>
+      </p:grpSpPr>
+      <p:sp>
+        <p:nvSpPr>
+          <p:cNvPr id="409" name="Google Shape;409;p22:notes"/>
+          <p:cNvSpPr>
+            <a:spLocks noGrp="1" noRot="1" noChangeAspect="1"/>
+          </p:cNvSpPr>
+          <p:nvPr>
+            <p:ph type="sldImg" idx="2"/>
+          </p:nvPr>
+        </p:nvSpPr>
+        <p:spPr>
+          <a:xfrm>
+            <a:off x="381000" y="685800"/>
+            <a:ext cx="6096000" cy="3429000"/>
+          </a:xfrm>
+          <a:custGeom>
+            <a:avLst/>
+            <a:gdLst/>
+            <a:ahLst/>
+            <a:cxnLst/>
+            <a:rect l="l" t="t" r="r" b="b"/>
+            <a:pathLst>
+              <a:path w="120000" h="120000" extrusionOk="0">
+                <a:moveTo>
+                  <a:pt x="0" y="0"/>
+                </a:moveTo>
+                <a:lnTo>
+                  <a:pt x="120000" y="0"/>
+                </a:lnTo>
+                <a:lnTo>
+                  <a:pt x="120000" y="120000"/>
+                </a:lnTo>
+                <a:lnTo>
+                  <a:pt x="0" y="120000"/>
+                </a:lnTo>
+                <a:close/>
+              </a:path>
+            </a:pathLst>
+          </a:custGeom>
+          <a:noFill/>
+          <a:ln w="9525" cap="flat" cmpd="sng">
+            <a:solidFill>
+              <a:srgbClr val="000000"/>
+            </a:solidFill>
+            <a:prstDash val="solid"/>
+            <a:round/>
+            <a:headEnd type="none" w="sm" len="sm"/>
+            <a:tailEnd type="none" w="sm" len="sm"/>
+          </a:ln>
+        </p:spPr>
+      </p:sp>
+      <p:sp>
+        <p:nvSpPr>
+          <p:cNvPr id="410" name="Google Shape;410;p22:notes"/>
+          <p:cNvSpPr txBox="1">
+            <a:spLocks noGrp="1"/>
+          </p:cNvSpPr>
+          <p:nvPr>
+            <p:ph type="body" idx="1"/>
+          </p:nvPr>
+        </p:nvSpPr>
+        <p:spPr>
+          <a:xfrm>
+            <a:off x="685800" y="4343400"/>
+            <a:ext cx="5486400" cy="4114800"/>
+          </a:xfrm>
+          <a:prstGeom prst="rect">
+            <a:avLst/>
+          </a:prstGeom>
+          <a:noFill/>
+          <a:ln>
+            <a:noFill/>
+          </a:ln>
+        </p:spPr>
+        <p:txBody>
+          <a:bodyPr spcFirstLastPara="1" wrap="square" lIns="91425" tIns="91425" rIns="91425" bIns="91425" anchor="t" anchorCtr="0">
+            <a:noAutofit/>
+          </a:bodyPr>
+          <a:lstStyle/>
+          <a:p>
+            <a:pPr marL="0" lvl="0" indent="0" algn="l" rtl="0">
+              <a:lnSpc>
+                <a:spcPct val="100000"/>
+              </a:lnSpc>
+              <a:spcBef>
+                <a:spcPts val="0"/>
+              </a:spcBef>
+              <a:spcAft>
+                <a:spcPts val="0"/>
+              </a:spcAft>
+              <a:buSzPts val="1100"/>
+              <a:buNone/>
+            </a:pPr>
+            <a:endParaRPr/>
+          </a:p>
+        </p:txBody>
+      </p:sp>
+    </p:spTree>
+  </p:cSld>
+  <p:clrMapOvr>
+    <a:masterClrMapping/>
+  </p:clrMapOvr>
+</p:notes>
+</file>
+
+<file path=ppt/notesSlides/notesSlide23.xml><?xml version="1.0" encoding="utf-8"?>
+<p:notes xmlns:a="http://schemas.openxmlformats.org/drawingml/2006/main" xmlns:r="http://schemas.openxmlformats.org/officeDocument/2006/relationships" xmlns:p="http://schemas.openxmlformats.org/presentationml/2006/main" showMasterSp="0" showMasterPhAnim="0">
+  <p:cSld>
+    <p:spTree>
+      <p:nvGrpSpPr>
         <p:cNvPr id="1" name="Shape 420"/>
         <p:cNvGrpSpPr/>
         <p:nvPr/>
@@ -2628,7 +2733,7 @@
 </p:notes>
 </file>
 
-<file path=ppt/notesSlides/notesSlide23.xml><?xml version="1.0" encoding="utf-8"?>
+<file path=ppt/notesSlides/notesSlide24.xml><?xml version="1.0" encoding="utf-8"?>
 <p:notes xmlns:a="http://schemas.openxmlformats.org/drawingml/2006/main" xmlns:r="http://schemas.openxmlformats.org/officeDocument/2006/relationships" xmlns:p="http://schemas.openxmlformats.org/presentationml/2006/main" showMasterSp="0" showMasterPhAnim="0">
   <p:cSld>
     <p:spTree>
@@ -2750,7 +2855,7 @@
 </p:notes>
 </file>
 
-<file path=ppt/notesSlides/notesSlide24.xml><?xml version="1.0" encoding="utf-8"?>
+<file path=ppt/notesSlides/notesSlide25.xml><?xml version="1.0" encoding="utf-8"?>
 <p:notes xmlns:a="http://schemas.openxmlformats.org/drawingml/2006/main" xmlns:r="http://schemas.openxmlformats.org/officeDocument/2006/relationships" xmlns:p="http://schemas.openxmlformats.org/presentationml/2006/main" showMasterSp="0" showMasterPhAnim="0">
   <p:cSld>
     <p:spTree>
@@ -2872,7 +2977,7 @@
 </p:notes>
 </file>
 
-<file path=ppt/notesSlides/notesSlide25.xml><?xml version="1.0" encoding="utf-8"?>
+<file path=ppt/notesSlides/notesSlide26.xml><?xml version="1.0" encoding="utf-8"?>
 <p:notes xmlns:a="http://schemas.openxmlformats.org/drawingml/2006/main" xmlns:r="http://schemas.openxmlformats.org/officeDocument/2006/relationships" xmlns:p="http://schemas.openxmlformats.org/presentationml/2006/main" showMasterSp="0" showMasterPhAnim="0">
   <p:cSld>
     <p:spTree>
@@ -2976,7 +3081,7 @@
 </p:notes>
 </file>
 
-<file path=ppt/notesSlides/notesSlide26.xml><?xml version="1.0" encoding="utf-8"?>
+<file path=ppt/notesSlides/notesSlide27.xml><?xml version="1.0" encoding="utf-8"?>
 <p:notes xmlns:a="http://schemas.openxmlformats.org/drawingml/2006/main" xmlns:r="http://schemas.openxmlformats.org/officeDocument/2006/relationships" xmlns:p="http://schemas.openxmlformats.org/presentationml/2006/main" showMasterSp="0" showMasterPhAnim="0">
   <p:cSld>
     <p:spTree>
@@ -3098,7 +3203,7 @@
 </p:notes>
 </file>
 
-<file path=ppt/notesSlides/notesSlide27.xml><?xml version="1.0" encoding="utf-8"?>
+<file path=ppt/notesSlides/notesSlide28.xml><?xml version="1.0" encoding="utf-8"?>
 <p:notes xmlns:a="http://schemas.openxmlformats.org/drawingml/2006/main" xmlns:r="http://schemas.openxmlformats.org/officeDocument/2006/relationships" xmlns:p="http://schemas.openxmlformats.org/presentationml/2006/main" showMasterSp="0" showMasterPhAnim="0">
   <p:cSld>
     <p:spTree>
@@ -3220,7 +3325,7 @@
 </p:notes>
 </file>
 
-<file path=ppt/notesSlides/notesSlide28.xml><?xml version="1.0" encoding="utf-8"?>
+<file path=ppt/notesSlides/notesSlide29.xml><?xml version="1.0" encoding="utf-8"?>
 <p:notes xmlns:a="http://schemas.openxmlformats.org/drawingml/2006/main" xmlns:r="http://schemas.openxmlformats.org/officeDocument/2006/relationships" xmlns:p="http://schemas.openxmlformats.org/presentationml/2006/main" showMasterSp="0" showMasterPhAnim="0">
   <p:cSld>
     <p:spTree>
@@ -3291,128 +3396,6 @@
       <p:sp>
         <p:nvSpPr>
           <p:cNvPr id="544" name="Google Shape;544;p29:notes"/>
-          <p:cNvSpPr txBox="1">
-            <a:spLocks noGrp="1"/>
-          </p:cNvSpPr>
-          <p:nvPr>
-            <p:ph type="body" idx="1"/>
-          </p:nvPr>
-        </p:nvSpPr>
-        <p:spPr>
-          <a:xfrm>
-            <a:off x="685800" y="4343400"/>
-            <a:ext cx="5486400" cy="4114800"/>
-          </a:xfrm>
-          <a:prstGeom prst="rect">
-            <a:avLst/>
-          </a:prstGeom>
-          <a:noFill/>
-          <a:ln>
-            <a:noFill/>
-          </a:ln>
-        </p:spPr>
-        <p:txBody>
-          <a:bodyPr spcFirstLastPara="1" wrap="square" lIns="91425" tIns="91425" rIns="91425" bIns="91425" anchor="t" anchorCtr="0">
-            <a:noAutofit/>
-          </a:bodyPr>
-          <a:lstStyle/>
-          <a:p>
-            <a:pPr marL="0" lvl="0" indent="0" algn="l" rtl="0">
-              <a:lnSpc>
-                <a:spcPct val="100000"/>
-              </a:lnSpc>
-              <a:spcBef>
-                <a:spcPts val="0"/>
-              </a:spcBef>
-              <a:spcAft>
-                <a:spcPts val="0"/>
-              </a:spcAft>
-              <a:buSzPts val="1100"/>
-              <a:buNone/>
-            </a:pPr>
-            <a:endParaRPr/>
-          </a:p>
-        </p:txBody>
-      </p:sp>
-    </p:spTree>
-  </p:cSld>
-  <p:clrMapOvr>
-    <a:masterClrMapping/>
-  </p:clrMapOvr>
-</p:notes>
-</file>
-
-<file path=ppt/notesSlides/notesSlide29.xml><?xml version="1.0" encoding="utf-8"?>
-<p:notes xmlns:a="http://schemas.openxmlformats.org/drawingml/2006/main" xmlns:r="http://schemas.openxmlformats.org/officeDocument/2006/relationships" xmlns:p="http://schemas.openxmlformats.org/presentationml/2006/main" showMasterSp="0" showMasterPhAnim="0">
-  <p:cSld>
-    <p:spTree>
-      <p:nvGrpSpPr>
-        <p:cNvPr id="1" name="Shape 563"/>
-        <p:cNvGrpSpPr/>
-        <p:nvPr/>
-      </p:nvGrpSpPr>
-      <p:grpSpPr>
-        <a:xfrm>
-          <a:off x="0" y="0"/>
-          <a:ext cx="0" cy="0"/>
-          <a:chOff x="0" y="0"/>
-          <a:chExt cx="0" cy="0"/>
-        </a:xfrm>
-      </p:grpSpPr>
-      <p:sp>
-        <p:nvSpPr>
-          <p:cNvPr id="564" name="Google Shape;564;p30:notes"/>
-          <p:cNvSpPr>
-            <a:spLocks noGrp="1" noRot="1" noChangeAspect="1"/>
-          </p:cNvSpPr>
-          <p:nvPr>
-            <p:ph type="sldImg" idx="2"/>
-          </p:nvPr>
-        </p:nvSpPr>
-        <p:spPr>
-          <a:xfrm>
-            <a:off x="381000" y="685800"/>
-            <a:ext cx="6096000" cy="3429000"/>
-          </a:xfrm>
-          <a:custGeom>
-            <a:avLst/>
-            <a:gdLst/>
-            <a:ahLst/>
-            <a:cxnLst/>
-            <a:rect l="l" t="t" r="r" b="b"/>
-            <a:pathLst>
-              <a:path w="120000" h="120000" extrusionOk="0">
-                <a:moveTo>
-                  <a:pt x="0" y="0"/>
-                </a:moveTo>
-                <a:lnTo>
-                  <a:pt x="120000" y="0"/>
-                </a:lnTo>
-                <a:lnTo>
-                  <a:pt x="120000" y="120000"/>
-                </a:lnTo>
-                <a:lnTo>
-                  <a:pt x="0" y="120000"/>
-                </a:lnTo>
-                <a:close/>
-              </a:path>
-            </a:pathLst>
-          </a:custGeom>
-          <a:noFill/>
-          <a:ln w="9525" cap="flat" cmpd="sng">
-            <a:solidFill>
-              <a:srgbClr val="000000"/>
-            </a:solidFill>
-            <a:prstDash val="solid"/>
-            <a:round/>
-            <a:headEnd type="none" w="sm" len="sm"/>
-            <a:tailEnd type="none" w="sm" len="sm"/>
-          </a:ln>
-        </p:spPr>
-      </p:sp>
-      <p:sp>
-        <p:nvSpPr>
-          <p:cNvPr id="565" name="Google Shape;565;p30:notes"/>
           <p:cNvSpPr txBox="1">
             <a:spLocks noGrp="1"/>
           </p:cNvSpPr>
@@ -3591,6 +3574,128 @@
   <p:cSld>
     <p:spTree>
       <p:nvGrpSpPr>
+        <p:cNvPr id="1" name="Shape 563"/>
+        <p:cNvGrpSpPr/>
+        <p:nvPr/>
+      </p:nvGrpSpPr>
+      <p:grpSpPr>
+        <a:xfrm>
+          <a:off x="0" y="0"/>
+          <a:ext cx="0" cy="0"/>
+          <a:chOff x="0" y="0"/>
+          <a:chExt cx="0" cy="0"/>
+        </a:xfrm>
+      </p:grpSpPr>
+      <p:sp>
+        <p:nvSpPr>
+          <p:cNvPr id="564" name="Google Shape;564;p30:notes"/>
+          <p:cNvSpPr>
+            <a:spLocks noGrp="1" noRot="1" noChangeAspect="1"/>
+          </p:cNvSpPr>
+          <p:nvPr>
+            <p:ph type="sldImg" idx="2"/>
+          </p:nvPr>
+        </p:nvSpPr>
+        <p:spPr>
+          <a:xfrm>
+            <a:off x="381000" y="685800"/>
+            <a:ext cx="6096000" cy="3429000"/>
+          </a:xfrm>
+          <a:custGeom>
+            <a:avLst/>
+            <a:gdLst/>
+            <a:ahLst/>
+            <a:cxnLst/>
+            <a:rect l="l" t="t" r="r" b="b"/>
+            <a:pathLst>
+              <a:path w="120000" h="120000" extrusionOk="0">
+                <a:moveTo>
+                  <a:pt x="0" y="0"/>
+                </a:moveTo>
+                <a:lnTo>
+                  <a:pt x="120000" y="0"/>
+                </a:lnTo>
+                <a:lnTo>
+                  <a:pt x="120000" y="120000"/>
+                </a:lnTo>
+                <a:lnTo>
+                  <a:pt x="0" y="120000"/>
+                </a:lnTo>
+                <a:close/>
+              </a:path>
+            </a:pathLst>
+          </a:custGeom>
+          <a:noFill/>
+          <a:ln w="9525" cap="flat" cmpd="sng">
+            <a:solidFill>
+              <a:srgbClr val="000000"/>
+            </a:solidFill>
+            <a:prstDash val="solid"/>
+            <a:round/>
+            <a:headEnd type="none" w="sm" len="sm"/>
+            <a:tailEnd type="none" w="sm" len="sm"/>
+          </a:ln>
+        </p:spPr>
+      </p:sp>
+      <p:sp>
+        <p:nvSpPr>
+          <p:cNvPr id="565" name="Google Shape;565;p30:notes"/>
+          <p:cNvSpPr txBox="1">
+            <a:spLocks noGrp="1"/>
+          </p:cNvSpPr>
+          <p:nvPr>
+            <p:ph type="body" idx="1"/>
+          </p:nvPr>
+        </p:nvSpPr>
+        <p:spPr>
+          <a:xfrm>
+            <a:off x="685800" y="4343400"/>
+            <a:ext cx="5486400" cy="4114800"/>
+          </a:xfrm>
+          <a:prstGeom prst="rect">
+            <a:avLst/>
+          </a:prstGeom>
+          <a:noFill/>
+          <a:ln>
+            <a:noFill/>
+          </a:ln>
+        </p:spPr>
+        <p:txBody>
+          <a:bodyPr spcFirstLastPara="1" wrap="square" lIns="91425" tIns="91425" rIns="91425" bIns="91425" anchor="t" anchorCtr="0">
+            <a:noAutofit/>
+          </a:bodyPr>
+          <a:lstStyle/>
+          <a:p>
+            <a:pPr marL="0" lvl="0" indent="0" algn="l" rtl="0">
+              <a:lnSpc>
+                <a:spcPct val="100000"/>
+              </a:lnSpc>
+              <a:spcBef>
+                <a:spcPts val="0"/>
+              </a:spcBef>
+              <a:spcAft>
+                <a:spcPts val="0"/>
+              </a:spcAft>
+              <a:buSzPts val="1100"/>
+              <a:buNone/>
+            </a:pPr>
+            <a:endParaRPr/>
+          </a:p>
+        </p:txBody>
+      </p:sp>
+    </p:spTree>
+  </p:cSld>
+  <p:clrMapOvr>
+    <a:masterClrMapping/>
+  </p:clrMapOvr>
+</p:notes>
+</file>
+
+<file path=ppt/notesSlides/notesSlide31.xml><?xml version="1.0" encoding="utf-8"?>
+<p:notes xmlns:a="http://schemas.openxmlformats.org/drawingml/2006/main" xmlns:r="http://schemas.openxmlformats.org/officeDocument/2006/relationships" xmlns:p="http://schemas.openxmlformats.org/presentationml/2006/main" showMasterSp="0" showMasterPhAnim="0">
+  <p:cSld>
+    <p:spTree>
+      <p:nvGrpSpPr>
         <p:cNvPr id="1" name="Shape 584"/>
         <p:cNvGrpSpPr/>
         <p:nvPr/>
@@ -3708,7 +3813,7 @@
 </p:notes>
 </file>
 
-<file path=ppt/notesSlides/notesSlide31.xml><?xml version="1.0" encoding="utf-8"?>
+<file path=ppt/notesSlides/notesSlide32.xml><?xml version="1.0" encoding="utf-8"?>
 <p:notes xmlns:a="http://schemas.openxmlformats.org/drawingml/2006/main" xmlns:r="http://schemas.openxmlformats.org/officeDocument/2006/relationships" xmlns:p="http://schemas.openxmlformats.org/presentationml/2006/main" showMasterSp="0" showMasterPhAnim="0">
   <p:cSld>
     <p:spTree>
@@ -4165,6 +4270,128 @@
   <p:cSld>
     <p:spTree>
       <p:nvGrpSpPr>
+        <p:cNvPr id="1" name="Shape 275"/>
+        <p:cNvGrpSpPr/>
+        <p:nvPr/>
+      </p:nvGrpSpPr>
+      <p:grpSpPr>
+        <a:xfrm>
+          <a:off x="0" y="0"/>
+          <a:ext cx="0" cy="0"/>
+          <a:chOff x="0" y="0"/>
+          <a:chExt cx="0" cy="0"/>
+        </a:xfrm>
+      </p:grpSpPr>
+      <p:sp>
+        <p:nvSpPr>
+          <p:cNvPr id="276" name="Google Shape;276;p7:notes"/>
+          <p:cNvSpPr>
+            <a:spLocks noGrp="1" noRot="1" noChangeAspect="1"/>
+          </p:cNvSpPr>
+          <p:nvPr>
+            <p:ph type="sldImg" idx="2"/>
+          </p:nvPr>
+        </p:nvSpPr>
+        <p:spPr>
+          <a:xfrm>
+            <a:off x="381000" y="685800"/>
+            <a:ext cx="6096000" cy="3429000"/>
+          </a:xfrm>
+          <a:custGeom>
+            <a:avLst/>
+            <a:gdLst/>
+            <a:ahLst/>
+            <a:cxnLst/>
+            <a:rect l="l" t="t" r="r" b="b"/>
+            <a:pathLst>
+              <a:path w="120000" h="120000" extrusionOk="0">
+                <a:moveTo>
+                  <a:pt x="0" y="0"/>
+                </a:moveTo>
+                <a:lnTo>
+                  <a:pt x="120000" y="0"/>
+                </a:lnTo>
+                <a:lnTo>
+                  <a:pt x="120000" y="120000"/>
+                </a:lnTo>
+                <a:lnTo>
+                  <a:pt x="0" y="120000"/>
+                </a:lnTo>
+                <a:close/>
+              </a:path>
+            </a:pathLst>
+          </a:custGeom>
+          <a:noFill/>
+          <a:ln w="9525" cap="flat" cmpd="sng">
+            <a:solidFill>
+              <a:srgbClr val="000000"/>
+            </a:solidFill>
+            <a:prstDash val="solid"/>
+            <a:round/>
+            <a:headEnd type="none" w="sm" len="sm"/>
+            <a:tailEnd type="none" w="sm" len="sm"/>
+          </a:ln>
+        </p:spPr>
+      </p:sp>
+      <p:sp>
+        <p:nvSpPr>
+          <p:cNvPr id="277" name="Google Shape;277;p7:notes"/>
+          <p:cNvSpPr txBox="1">
+            <a:spLocks noGrp="1"/>
+          </p:cNvSpPr>
+          <p:nvPr>
+            <p:ph type="body" idx="1"/>
+          </p:nvPr>
+        </p:nvSpPr>
+        <p:spPr>
+          <a:xfrm>
+            <a:off x="685800" y="4343400"/>
+            <a:ext cx="5486400" cy="4114800"/>
+          </a:xfrm>
+          <a:prstGeom prst="rect">
+            <a:avLst/>
+          </a:prstGeom>
+          <a:noFill/>
+          <a:ln>
+            <a:noFill/>
+          </a:ln>
+        </p:spPr>
+        <p:txBody>
+          <a:bodyPr spcFirstLastPara="1" wrap="square" lIns="91425" tIns="91425" rIns="91425" bIns="91425" anchor="t" anchorCtr="0">
+            <a:noAutofit/>
+          </a:bodyPr>
+          <a:lstStyle/>
+          <a:p>
+            <a:pPr marL="0" lvl="0" indent="0" algn="l" rtl="0">
+              <a:lnSpc>
+                <a:spcPct val="100000"/>
+              </a:lnSpc>
+              <a:spcBef>
+                <a:spcPts val="0"/>
+              </a:spcBef>
+              <a:spcAft>
+                <a:spcPts val="0"/>
+              </a:spcAft>
+              <a:buSzPts val="1100"/>
+              <a:buNone/>
+            </a:pPr>
+            <a:endParaRPr/>
+          </a:p>
+        </p:txBody>
+      </p:sp>
+    </p:spTree>
+  </p:cSld>
+  <p:clrMapOvr>
+    <a:masterClrMapping/>
+  </p:clrMapOvr>
+</p:notes>
+</file>
+
+<file path=ppt/notesSlides/notesSlide8.xml><?xml version="1.0" encoding="utf-8"?>
+<p:notes xmlns:a="http://schemas.openxmlformats.org/drawingml/2006/main" xmlns:r="http://schemas.openxmlformats.org/officeDocument/2006/relationships" xmlns:p="http://schemas.openxmlformats.org/presentationml/2006/main" showMasterSp="0" showMasterPhAnim="0">
+  <p:cSld>
+    <p:spTree>
+      <p:nvGrpSpPr>
         <p:cNvPr id="1" name="Shape 288"/>
         <p:cNvGrpSpPr/>
         <p:nvPr/>
@@ -4282,7 +4509,7 @@
 </p:notes>
 </file>
 
-<file path=ppt/notesSlides/notesSlide8.xml><?xml version="1.0" encoding="utf-8"?>
+<file path=ppt/notesSlides/notesSlide9.xml><?xml version="1.0" encoding="utf-8"?>
 <p:notes xmlns:a="http://schemas.openxmlformats.org/drawingml/2006/main" xmlns:r="http://schemas.openxmlformats.org/officeDocument/2006/relationships" xmlns:p="http://schemas.openxmlformats.org/presentationml/2006/main" showMasterSp="0" showMasterPhAnim="0">
   <p:cSld>
     <p:spTree>
@@ -4340,110 +4567,6 @@
       <p:sp>
         <p:nvSpPr>
           <p:cNvPr id="305" name="Google Shape;305;p10:notes"/>
-          <p:cNvSpPr>
-            <a:spLocks noGrp="1" noRot="1" noChangeAspect="1"/>
-          </p:cNvSpPr>
-          <p:nvPr>
-            <p:ph type="sldImg" idx="2"/>
-          </p:nvPr>
-        </p:nvSpPr>
-        <p:spPr>
-          <a:xfrm>
-            <a:off x="381300" y="685800"/>
-            <a:ext cx="6096075" cy="3429000"/>
-          </a:xfrm>
-          <a:custGeom>
-            <a:avLst/>
-            <a:gdLst/>
-            <a:ahLst/>
-            <a:cxnLst/>
-            <a:rect l="l" t="t" r="r" b="b"/>
-            <a:pathLst>
-              <a:path w="120000" h="120000" extrusionOk="0">
-                <a:moveTo>
-                  <a:pt x="0" y="0"/>
-                </a:moveTo>
-                <a:lnTo>
-                  <a:pt x="120000" y="0"/>
-                </a:lnTo>
-                <a:lnTo>
-                  <a:pt x="120000" y="120000"/>
-                </a:lnTo>
-                <a:lnTo>
-                  <a:pt x="0" y="120000"/>
-                </a:lnTo>
-                <a:close/>
-              </a:path>
-            </a:pathLst>
-          </a:custGeom>
-        </p:spPr>
-      </p:sp>
-    </p:spTree>
-  </p:cSld>
-  <p:clrMapOvr>
-    <a:masterClrMapping/>
-  </p:clrMapOvr>
-</p:notes>
-</file>
-
-<file path=ppt/notesSlides/notesSlide9.xml><?xml version="1.0" encoding="utf-8"?>
-<p:notes xmlns:a="http://schemas.openxmlformats.org/drawingml/2006/main" xmlns:r="http://schemas.openxmlformats.org/officeDocument/2006/relationships" xmlns:p="http://schemas.openxmlformats.org/presentationml/2006/main" showMasterSp="0" showMasterPhAnim="0">
-  <p:cSld>
-    <p:spTree>
-      <p:nvGrpSpPr>
-        <p:cNvPr id="1" name="Shape 311"/>
-        <p:cNvGrpSpPr/>
-        <p:nvPr/>
-      </p:nvGrpSpPr>
-      <p:grpSpPr>
-        <a:xfrm>
-          <a:off x="0" y="0"/>
-          <a:ext cx="0" cy="0"/>
-          <a:chOff x="0" y="0"/>
-          <a:chExt cx="0" cy="0"/>
-        </a:xfrm>
-      </p:grpSpPr>
-      <p:sp>
-        <p:nvSpPr>
-          <p:cNvPr id="312" name="Google Shape;312;p11:notes"/>
-          <p:cNvSpPr txBox="1">
-            <a:spLocks noGrp="1"/>
-          </p:cNvSpPr>
-          <p:nvPr>
-            <p:ph type="body" idx="1"/>
-          </p:nvPr>
-        </p:nvSpPr>
-        <p:spPr>
-          <a:xfrm>
-            <a:off x="685800" y="4343400"/>
-            <a:ext cx="5486400" cy="4114800"/>
-          </a:xfrm>
-          <a:prstGeom prst="rect">
-            <a:avLst/>
-          </a:prstGeom>
-        </p:spPr>
-        <p:txBody>
-          <a:bodyPr spcFirstLastPara="1" wrap="square" lIns="91425" tIns="91425" rIns="91425" bIns="91425" anchor="t" anchorCtr="0">
-            <a:noAutofit/>
-          </a:bodyPr>
-          <a:lstStyle/>
-          <a:p>
-            <a:pPr marL="0" lvl="0" indent="0" algn="l" rtl="0">
-              <a:spcBef>
-                <a:spcPts val="0"/>
-              </a:spcBef>
-              <a:spcAft>
-                <a:spcPts val="0"/>
-              </a:spcAft>
-              <a:buNone/>
-            </a:pPr>
-            <a:endParaRPr/>
-          </a:p>
-        </p:txBody>
-      </p:sp>
-      <p:sp>
-        <p:nvSpPr>
-          <p:cNvPr id="313" name="Google Shape;313;p11:notes"/>
           <p:cNvSpPr>
             <a:spLocks noGrp="1" noRot="1" noChangeAspect="1"/>
           </p:cNvSpPr>
@@ -15186,8 +15309,8 @@
         </p:nvSpPr>
         <p:spPr>
           <a:xfrm>
-            <a:off x="4069528" y="2527993"/>
-            <a:ext cx="4762500" cy="2677656"/>
+            <a:off x="4760429" y="1789904"/>
+            <a:ext cx="5595013" cy="3416279"/>
           </a:xfrm>
           <a:prstGeom prst="rect">
             <a:avLst/>
@@ -15216,7 +15339,7 @@
               <a:buNone/>
             </a:pPr>
             <a:r>
-              <a:rPr lang="en-US" sz="2400" b="1" i="0" u="sng" strike="noStrike" cap="none">
+              <a:rPr lang="en-US" sz="2400" b="1" i="1" strike="noStrike" cap="none" dirty="0" err="1">
                 <a:solidFill>
                   <a:schemeClr val="dk2"/>
                 </a:solidFill>
@@ -15225,30 +15348,10 @@
                 <a:cs typeface="Times New Roman"/>
                 <a:sym typeface="Times New Roman"/>
               </a:rPr>
-              <a:t>Nhóm 9: </a:t>
+              <a:t>Nhóm</a:t>
             </a:r>
-            <a:endParaRPr/>
-          </a:p>
-          <a:p>
-            <a:pPr marL="342900" marR="0" lvl="0" indent="-342900" algn="l" rtl="0">
-              <a:lnSpc>
-                <a:spcPct val="100000"/>
-              </a:lnSpc>
-              <a:spcBef>
-                <a:spcPts val="0"/>
-              </a:spcBef>
-              <a:spcAft>
-                <a:spcPts val="0"/>
-              </a:spcAft>
-              <a:buClr>
-                <a:srgbClr val="000000"/>
-              </a:buClr>
-              <a:buSzPts val="2400"/>
-              <a:buFont typeface="Arial"/>
-              <a:buChar char="-"/>
-            </a:pPr>
             <a:r>
-              <a:rPr lang="en-US" sz="2400" b="1" i="0" u="sng" strike="noStrike" cap="none">
+              <a:rPr lang="en-US" sz="2400" b="1" i="1" strike="noStrike" cap="none" dirty="0">
                 <a:solidFill>
                   <a:schemeClr val="dk2"/>
                 </a:solidFill>
@@ -15257,9 +15360,90 @@
                 <a:cs typeface="Times New Roman"/>
                 <a:sym typeface="Times New Roman"/>
               </a:rPr>
-              <a:t>- Trần Thị Hà</a:t>
+              <a:t> 9: </a:t>
             </a:r>
-            <a:endParaRPr sz="2400" b="1" i="0" u="sng" strike="noStrike" cap="none">
+            <a:endParaRPr i="1" dirty="0"/>
+          </a:p>
+          <a:p>
+            <a:pPr lvl="6">
+              <a:lnSpc>
+                <a:spcPct val="150000"/>
+              </a:lnSpc>
+              <a:buSzPts val="2400"/>
+            </a:pPr>
+            <a:r>
+              <a:rPr lang="en-US" sz="2400" b="1" i="1" strike="noStrike" cap="none" dirty="0" smtClean="0">
+                <a:solidFill>
+                  <a:schemeClr val="dk2"/>
+                </a:solidFill>
+                <a:latin typeface="Times New Roman"/>
+                <a:ea typeface="Times New Roman"/>
+                <a:cs typeface="Times New Roman"/>
+                <a:sym typeface="Times New Roman"/>
+              </a:rPr>
+              <a:t>- </a:t>
+            </a:r>
+            <a:r>
+              <a:rPr lang="en-US" sz="2400" b="1" i="1" strike="noStrike" cap="none" dirty="0" err="1">
+                <a:solidFill>
+                  <a:schemeClr val="dk2"/>
+                </a:solidFill>
+                <a:latin typeface="Times New Roman"/>
+                <a:ea typeface="Times New Roman"/>
+                <a:cs typeface="Times New Roman"/>
+                <a:sym typeface="Times New Roman"/>
+              </a:rPr>
+              <a:t>Trần</a:t>
+            </a:r>
+            <a:r>
+              <a:rPr lang="en-US" sz="2400" b="1" i="1" strike="noStrike" cap="none" dirty="0">
+                <a:solidFill>
+                  <a:schemeClr val="dk2"/>
+                </a:solidFill>
+                <a:latin typeface="Times New Roman"/>
+                <a:ea typeface="Times New Roman"/>
+                <a:cs typeface="Times New Roman"/>
+                <a:sym typeface="Times New Roman"/>
+              </a:rPr>
+              <a:t> </a:t>
+            </a:r>
+            <a:r>
+              <a:rPr lang="en-US" sz="2400" b="1" i="1" strike="noStrike" cap="none" dirty="0" err="1">
+                <a:solidFill>
+                  <a:schemeClr val="dk2"/>
+                </a:solidFill>
+                <a:latin typeface="Times New Roman"/>
+                <a:ea typeface="Times New Roman"/>
+                <a:cs typeface="Times New Roman"/>
+                <a:sym typeface="Times New Roman"/>
+              </a:rPr>
+              <a:t>Thị</a:t>
+            </a:r>
+            <a:r>
+              <a:rPr lang="en-US" sz="2400" b="1" i="1" strike="noStrike" cap="none" dirty="0">
+                <a:solidFill>
+                  <a:schemeClr val="dk2"/>
+                </a:solidFill>
+                <a:latin typeface="Times New Roman"/>
+                <a:ea typeface="Times New Roman"/>
+                <a:cs typeface="Times New Roman"/>
+                <a:sym typeface="Times New Roman"/>
+              </a:rPr>
+              <a:t> </a:t>
+            </a:r>
+            <a:r>
+              <a:rPr lang="en-US" sz="2400" b="1" i="1" strike="noStrike" cap="none" dirty="0" err="1">
+                <a:solidFill>
+                  <a:schemeClr val="dk2"/>
+                </a:solidFill>
+                <a:latin typeface="Times New Roman"/>
+                <a:ea typeface="Times New Roman"/>
+                <a:cs typeface="Times New Roman"/>
+                <a:sym typeface="Times New Roman"/>
+              </a:rPr>
+              <a:t>Hà</a:t>
+            </a:r>
+            <a:endParaRPr sz="2400" b="1" i="1" strike="noStrike" cap="none" dirty="0">
               <a:solidFill>
                 <a:schemeClr val="dk2"/>
               </a:solidFill>
@@ -15270,25 +15454,14 @@
             </a:endParaRPr>
           </a:p>
           <a:p>
-            <a:pPr marL="342900" marR="0" lvl="0" indent="-342900" algn="l" rtl="0">
+            <a:pPr lvl="8">
               <a:lnSpc>
-                <a:spcPct val="100000"/>
+                <a:spcPct val="150000"/>
               </a:lnSpc>
-              <a:spcBef>
-                <a:spcPts val="0"/>
-              </a:spcBef>
-              <a:spcAft>
-                <a:spcPts val="0"/>
-              </a:spcAft>
-              <a:buClr>
-                <a:srgbClr val="000000"/>
-              </a:buClr>
               <a:buSzPts val="2400"/>
-              <a:buFont typeface="Arial"/>
-              <a:buChar char="-"/>
             </a:pPr>
             <a:r>
-              <a:rPr lang="en-US" sz="2400" b="1" i="0" u="sng" strike="noStrike" cap="none">
+              <a:rPr lang="en-US" sz="2400" b="1" i="1" strike="noStrike" cap="none" dirty="0">
                 <a:solidFill>
                   <a:schemeClr val="dk2"/>
                 </a:solidFill>
@@ -15297,9 +15470,69 @@
                 <a:cs typeface="Times New Roman"/>
                 <a:sym typeface="Times New Roman"/>
               </a:rPr>
-              <a:t>- Nguyễn Thị Kim Oanh</a:t>
+              <a:t>- </a:t>
             </a:r>
-            <a:endParaRPr sz="2400" b="1" i="0" u="sng" strike="noStrike" cap="none">
+            <a:r>
+              <a:rPr lang="en-US" sz="2400" b="1" i="1" strike="noStrike" cap="none" dirty="0" err="1">
+                <a:solidFill>
+                  <a:schemeClr val="dk2"/>
+                </a:solidFill>
+                <a:latin typeface="Times New Roman"/>
+                <a:ea typeface="Times New Roman"/>
+                <a:cs typeface="Times New Roman"/>
+                <a:sym typeface="Times New Roman"/>
+              </a:rPr>
+              <a:t>Nguyễn</a:t>
+            </a:r>
+            <a:r>
+              <a:rPr lang="en-US" sz="2400" b="1" i="1" strike="noStrike" cap="none" dirty="0">
+                <a:solidFill>
+                  <a:schemeClr val="dk2"/>
+                </a:solidFill>
+                <a:latin typeface="Times New Roman"/>
+                <a:ea typeface="Times New Roman"/>
+                <a:cs typeface="Times New Roman"/>
+                <a:sym typeface="Times New Roman"/>
+              </a:rPr>
+              <a:t> </a:t>
+            </a:r>
+            <a:r>
+              <a:rPr lang="en-US" sz="2400" b="1" i="1" strike="noStrike" cap="none" dirty="0" err="1">
+                <a:solidFill>
+                  <a:schemeClr val="dk2"/>
+                </a:solidFill>
+                <a:latin typeface="Times New Roman"/>
+                <a:ea typeface="Times New Roman"/>
+                <a:cs typeface="Times New Roman"/>
+                <a:sym typeface="Times New Roman"/>
+              </a:rPr>
+              <a:t>Thị</a:t>
+            </a:r>
+            <a:r>
+              <a:rPr lang="en-US" sz="2400" b="1" i="1" strike="noStrike" cap="none" dirty="0">
+                <a:solidFill>
+                  <a:schemeClr val="dk2"/>
+                </a:solidFill>
+                <a:latin typeface="Times New Roman"/>
+                <a:ea typeface="Times New Roman"/>
+                <a:cs typeface="Times New Roman"/>
+                <a:sym typeface="Times New Roman"/>
+              </a:rPr>
+              <a:t> Kim </a:t>
+            </a:r>
+            <a:r>
+              <a:rPr lang="en-US" sz="2400" b="1" i="1" strike="noStrike" cap="none" dirty="0" err="1">
+                <a:solidFill>
+                  <a:schemeClr val="dk2"/>
+                </a:solidFill>
+                <a:latin typeface="Times New Roman"/>
+                <a:ea typeface="Times New Roman"/>
+                <a:cs typeface="Times New Roman"/>
+                <a:sym typeface="Times New Roman"/>
+              </a:rPr>
+              <a:t>Oanh</a:t>
+            </a:r>
+            <a:endParaRPr sz="2400" b="1" i="1" strike="noStrike" cap="none" dirty="0">
               <a:solidFill>
                 <a:schemeClr val="dk2"/>
               </a:solidFill>
@@ -15310,25 +15543,14 @@
             </a:endParaRPr>
           </a:p>
           <a:p>
-            <a:pPr marL="342900" marR="0" lvl="0" indent="-342900" algn="l" rtl="0">
+            <a:pPr lvl="8">
               <a:lnSpc>
-                <a:spcPct val="100000"/>
+                <a:spcPct val="150000"/>
               </a:lnSpc>
-              <a:spcBef>
-                <a:spcPts val="0"/>
-              </a:spcBef>
-              <a:spcAft>
-                <a:spcPts val="0"/>
-              </a:spcAft>
-              <a:buClr>
-                <a:srgbClr val="000000"/>
-              </a:buClr>
               <a:buSzPts val="2400"/>
-              <a:buFont typeface="Arial"/>
-              <a:buChar char="-"/>
             </a:pPr>
             <a:r>
-              <a:rPr lang="en-US" sz="2400" b="1" i="0" u="sng" strike="noStrike" cap="none">
+              <a:rPr lang="en-US" sz="2400" b="1" i="1" strike="noStrike" cap="none" dirty="0">
                 <a:solidFill>
                   <a:schemeClr val="dk2"/>
                 </a:solidFill>
@@ -15337,9 +15559,69 @@
                 <a:cs typeface="Times New Roman"/>
                 <a:sym typeface="Times New Roman"/>
               </a:rPr>
-              <a:t>- Hồ Tấn Huy</a:t>
+              <a:t>- </a:t>
             </a:r>
-            <a:endParaRPr sz="2400" b="1" i="0" u="sng" strike="noStrike" cap="none">
+            <a:r>
+              <a:rPr lang="en-US" sz="2400" b="1" i="1" strike="noStrike" cap="none" dirty="0" err="1">
+                <a:solidFill>
+                  <a:schemeClr val="dk2"/>
+                </a:solidFill>
+                <a:latin typeface="Times New Roman"/>
+                <a:ea typeface="Times New Roman"/>
+                <a:cs typeface="Times New Roman"/>
+                <a:sym typeface="Times New Roman"/>
+              </a:rPr>
+              <a:t>Hồ</a:t>
+            </a:r>
+            <a:r>
+              <a:rPr lang="en-US" sz="2400" b="1" i="1" strike="noStrike" cap="none" dirty="0">
+                <a:solidFill>
+                  <a:schemeClr val="dk2"/>
+                </a:solidFill>
+                <a:latin typeface="Times New Roman"/>
+                <a:ea typeface="Times New Roman"/>
+                <a:cs typeface="Times New Roman"/>
+                <a:sym typeface="Times New Roman"/>
+              </a:rPr>
+              <a:t> </a:t>
+            </a:r>
+            <a:r>
+              <a:rPr lang="en-US" sz="2400" b="1" i="1" strike="noStrike" cap="none" dirty="0" err="1">
+                <a:solidFill>
+                  <a:schemeClr val="dk2"/>
+                </a:solidFill>
+                <a:latin typeface="Times New Roman"/>
+                <a:ea typeface="Times New Roman"/>
+                <a:cs typeface="Times New Roman"/>
+                <a:sym typeface="Times New Roman"/>
+              </a:rPr>
+              <a:t>Tấn</a:t>
+            </a:r>
+            <a:r>
+              <a:rPr lang="en-US" sz="2400" b="1" i="1" strike="noStrike" cap="none" dirty="0">
+                <a:solidFill>
+                  <a:schemeClr val="dk2"/>
+                </a:solidFill>
+                <a:latin typeface="Times New Roman"/>
+                <a:ea typeface="Times New Roman"/>
+                <a:cs typeface="Times New Roman"/>
+                <a:sym typeface="Times New Roman"/>
+              </a:rPr>
+              <a:t> </a:t>
+            </a:r>
+            <a:r>
+              <a:rPr lang="en-US" sz="2400" b="1" i="1" strike="noStrike" cap="none" dirty="0" err="1">
+                <a:solidFill>
+                  <a:schemeClr val="dk2"/>
+                </a:solidFill>
+                <a:latin typeface="Times New Roman"/>
+                <a:ea typeface="Times New Roman"/>
+                <a:cs typeface="Times New Roman"/>
+                <a:sym typeface="Times New Roman"/>
+              </a:rPr>
+              <a:t>Huy</a:t>
+            </a:r>
+            <a:endParaRPr sz="2400" b="1" i="1" strike="noStrike" cap="none" dirty="0">
               <a:solidFill>
                 <a:schemeClr val="dk2"/>
               </a:solidFill>
@@ -15350,25 +15632,14 @@
             </a:endParaRPr>
           </a:p>
           <a:p>
-            <a:pPr marL="342900" marR="0" lvl="0" indent="-342900" algn="l" rtl="0">
+            <a:pPr lvl="8">
               <a:lnSpc>
-                <a:spcPct val="100000"/>
+                <a:spcPct val="150000"/>
               </a:lnSpc>
-              <a:spcBef>
-                <a:spcPts val="0"/>
-              </a:spcBef>
-              <a:spcAft>
-                <a:spcPts val="0"/>
-              </a:spcAft>
-              <a:buClr>
-                <a:srgbClr val="000000"/>
-              </a:buClr>
               <a:buSzPts val="2400"/>
-              <a:buFont typeface="Arial"/>
-              <a:buChar char="-"/>
             </a:pPr>
             <a:r>
-              <a:rPr lang="en-US" sz="2400" b="1" i="0" u="sng" strike="noStrike" cap="none">
+              <a:rPr lang="en-US" sz="2400" b="1" i="1" strike="noStrike" cap="none" dirty="0">
                 <a:solidFill>
                   <a:schemeClr val="dk2"/>
                 </a:solidFill>
@@ -15377,9 +15648,83 @@
                 <a:cs typeface="Times New Roman"/>
                 <a:sym typeface="Times New Roman"/>
               </a:rPr>
-              <a:t>- Phạm Hùng Mạnh</a:t>
+              <a:t>- </a:t>
             </a:r>
-            <a:endParaRPr sz="2400" b="1" i="0" u="sng" strike="noStrike" cap="none">
+            <a:r>
+              <a:rPr lang="en-US" sz="2400" b="1" i="1" strike="noStrike" cap="none" dirty="0" err="1">
+                <a:solidFill>
+                  <a:schemeClr val="dk2"/>
+                </a:solidFill>
+                <a:latin typeface="Times New Roman"/>
+                <a:ea typeface="Times New Roman"/>
+                <a:cs typeface="Times New Roman"/>
+                <a:sym typeface="Times New Roman"/>
+              </a:rPr>
+              <a:t>Phạm</a:t>
+            </a:r>
+            <a:r>
+              <a:rPr lang="en-US" sz="2400" b="1" i="1" strike="noStrike" cap="none" dirty="0">
+                <a:solidFill>
+                  <a:schemeClr val="dk2"/>
+                </a:solidFill>
+                <a:latin typeface="Times New Roman"/>
+                <a:ea typeface="Times New Roman"/>
+                <a:cs typeface="Times New Roman"/>
+                <a:sym typeface="Times New Roman"/>
+              </a:rPr>
+              <a:t> </a:t>
+            </a:r>
+            <a:r>
+              <a:rPr lang="en-US" sz="2400" b="1" i="1" strike="noStrike" cap="none" dirty="0" err="1">
+                <a:solidFill>
+                  <a:schemeClr val="dk2"/>
+                </a:solidFill>
+                <a:latin typeface="Times New Roman"/>
+                <a:ea typeface="Times New Roman"/>
+                <a:cs typeface="Times New Roman"/>
+                <a:sym typeface="Times New Roman"/>
+              </a:rPr>
+              <a:t>Hùng</a:t>
+            </a:r>
+            <a:r>
+              <a:rPr lang="en-US" sz="2400" b="1" i="1" strike="noStrike" cap="none" dirty="0">
+                <a:solidFill>
+                  <a:schemeClr val="dk2"/>
+                </a:solidFill>
+                <a:latin typeface="Times New Roman"/>
+                <a:ea typeface="Times New Roman"/>
+                <a:cs typeface="Times New Roman"/>
+                <a:sym typeface="Times New Roman"/>
+              </a:rPr>
+              <a:t> </a:t>
+            </a:r>
+            <a:r>
+              <a:rPr lang="en-US" sz="2400" b="1" i="1" strike="noStrike" cap="none" dirty="0" err="1">
+                <a:solidFill>
+                  <a:schemeClr val="dk2"/>
+                </a:solidFill>
+                <a:latin typeface="Times New Roman"/>
+                <a:ea typeface="Times New Roman"/>
+                <a:cs typeface="Times New Roman"/>
+                <a:sym typeface="Times New Roman"/>
+              </a:rPr>
+              <a:t>Mạnh</a:t>
+            </a:r>
+            <a:endParaRPr sz="2400" b="1" i="1" strike="noStrike" cap="none" dirty="0">
+              <a:solidFill>
+                <a:schemeClr val="dk2"/>
+              </a:solidFill>
+              <a:latin typeface="Times New Roman"/>
+              <a:ea typeface="Times New Roman"/>
+              <a:cs typeface="Times New Roman"/>
+              <a:sym typeface="Times New Roman"/>
+            </a:endParaRPr>
+          </a:p>
+          <a:p>
+            <a:pPr marL="342900" lvl="6" indent="-190500">
+              <a:buSzPts val="2400"/>
+            </a:pPr>
+            <a:endParaRPr sz="2400" b="1" i="1" strike="noStrike" cap="none" dirty="0">
               <a:solidFill>
                 <a:schemeClr val="dk2"/>
               </a:solidFill>
@@ -15407,35 +15752,7 @@
               <a:buFont typeface="Arial"/>
               <a:buNone/>
             </a:pPr>
-            <a:endParaRPr sz="2400" b="1" i="0" u="sng" strike="noStrike" cap="none">
-              <a:solidFill>
-                <a:schemeClr val="dk2"/>
-              </a:solidFill>
-              <a:latin typeface="Times New Roman"/>
-              <a:ea typeface="Times New Roman"/>
-              <a:cs typeface="Times New Roman"/>
-              <a:sym typeface="Times New Roman"/>
-            </a:endParaRPr>
-          </a:p>
-          <a:p>
-            <a:pPr marL="342900" marR="0" lvl="0" indent="-190500" algn="l" rtl="0">
-              <a:lnSpc>
-                <a:spcPct val="100000"/>
-              </a:lnSpc>
-              <a:spcBef>
-                <a:spcPts val="0"/>
-              </a:spcBef>
-              <a:spcAft>
-                <a:spcPts val="0"/>
-              </a:spcAft>
-              <a:buClr>
-                <a:srgbClr val="000000"/>
-              </a:buClr>
-              <a:buSzPts val="2400"/>
-              <a:buFont typeface="Arial"/>
-              <a:buNone/>
-            </a:pPr>
-            <a:endParaRPr sz="2400" b="1" i="0" u="sng" strike="noStrike" cap="none">
+            <a:endParaRPr sz="2400" b="1" i="1" strike="noStrike" cap="none" dirty="0">
               <a:solidFill>
                 <a:schemeClr val="dk2"/>
               </a:solidFill>
@@ -15462,7 +15779,7 @@
         </p:blipFill>
         <p:spPr>
           <a:xfrm>
-            <a:off x="-617956" y="2271672"/>
+            <a:off x="-413239" y="2271672"/>
             <a:ext cx="5173668" cy="2452744"/>
           </a:xfrm>
           <a:prstGeom prst="rect">
@@ -15684,6 +16001,574 @@
   <p:cSld>
     <p:spTree>
       <p:nvGrpSpPr>
+        <p:cNvPr id="1" name="Shape 306"/>
+        <p:cNvGrpSpPr/>
+        <p:nvPr/>
+      </p:nvGrpSpPr>
+      <p:grpSpPr>
+        <a:xfrm>
+          <a:off x="0" y="0"/>
+          <a:ext cx="0" cy="0"/>
+          <a:chOff x="0" y="0"/>
+          <a:chExt cx="0" cy="0"/>
+        </a:xfrm>
+      </p:grpSpPr>
+      <p:sp>
+        <p:nvSpPr>
+          <p:cNvPr id="307" name="Google Shape;307;p10"/>
+          <p:cNvSpPr txBox="1">
+            <a:spLocks noGrp="1"/>
+          </p:cNvSpPr>
+          <p:nvPr>
+            <p:ph type="title"/>
+          </p:nvPr>
+        </p:nvSpPr>
+        <p:spPr>
+          <a:xfrm>
+            <a:off x="1282277" y="90023"/>
+            <a:ext cx="4271700" cy="856650"/>
+          </a:xfrm>
+          <a:prstGeom prst="rect">
+            <a:avLst/>
+          </a:prstGeom>
+          <a:noFill/>
+          <a:ln>
+            <a:noFill/>
+          </a:ln>
+        </p:spPr>
+        <p:txBody>
+          <a:bodyPr spcFirstLastPara="1" wrap="square" lIns="91425" tIns="91425" rIns="91425" bIns="91425" anchor="t" anchorCtr="0">
+            <a:noAutofit/>
+          </a:bodyPr>
+          <a:lstStyle/>
+          <a:p>
+            <a:pPr marL="0" lvl="0" indent="0" algn="l" rtl="0">
+              <a:lnSpc>
+                <a:spcPct val="100000"/>
+              </a:lnSpc>
+              <a:spcBef>
+                <a:spcPts val="0"/>
+              </a:spcBef>
+              <a:spcAft>
+                <a:spcPts val="0"/>
+              </a:spcAft>
+              <a:buSzPts val="3500"/>
+              <a:buNone/>
+            </a:pPr>
+            <a:r>
+              <a:rPr lang="en-US" sz="4400" b="1" i="1">
+                <a:latin typeface="Times New Roman"/>
+                <a:ea typeface="Times New Roman"/>
+                <a:cs typeface="Times New Roman"/>
+                <a:sym typeface="Times New Roman"/>
+              </a:rPr>
+              <a:t>Phân hệ kho</a:t>
+            </a:r>
+            <a:endParaRPr sz="4400" b="1" i="1">
+              <a:latin typeface="Times New Roman"/>
+              <a:ea typeface="Times New Roman"/>
+              <a:cs typeface="Times New Roman"/>
+              <a:sym typeface="Times New Roman"/>
+            </a:endParaRPr>
+          </a:p>
+        </p:txBody>
+      </p:sp>
+      <p:sp>
+        <p:nvSpPr>
+          <p:cNvPr id="308" name="Google Shape;308;p10"/>
+          <p:cNvSpPr txBox="1">
+            <a:spLocks noGrp="1"/>
+          </p:cNvSpPr>
+          <p:nvPr>
+            <p:ph type="subTitle" idx="1"/>
+          </p:nvPr>
+        </p:nvSpPr>
+        <p:spPr>
+          <a:xfrm>
+            <a:off x="240963" y="1567338"/>
+            <a:ext cx="4105126" cy="3112239"/>
+          </a:xfrm>
+          <a:prstGeom prst="rect">
+            <a:avLst/>
+          </a:prstGeom>
+          <a:noFill/>
+          <a:ln>
+            <a:noFill/>
+          </a:ln>
+        </p:spPr>
+        <p:txBody>
+          <a:bodyPr spcFirstLastPara="1" wrap="square" lIns="91425" tIns="91425" rIns="91425" bIns="91425" anchor="t" anchorCtr="0">
+            <a:noAutofit/>
+          </a:bodyPr>
+          <a:lstStyle/>
+          <a:p>
+            <a:pPr marL="457200" lvl="0" indent="-342900" algn="l" rtl="0">
+              <a:lnSpc>
+                <a:spcPct val="100000"/>
+              </a:lnSpc>
+              <a:spcBef>
+                <a:spcPts val="0"/>
+              </a:spcBef>
+              <a:spcAft>
+                <a:spcPts val="0"/>
+              </a:spcAft>
+              <a:buSzPts val="1800"/>
+              <a:buNone/>
+            </a:pPr>
+            <a:r>
+              <a:rPr lang="en-US" sz="2400" b="1" i="1">
+                <a:latin typeface="Times New Roman"/>
+                <a:ea typeface="Times New Roman"/>
+                <a:cs typeface="Times New Roman"/>
+                <a:sym typeface="Times New Roman"/>
+              </a:rPr>
+              <a:t>Quản lý hệ thống kho</a:t>
+            </a:r>
+            <a:endParaRPr/>
+          </a:p>
+          <a:p>
+            <a:pPr marL="457200" lvl="0" indent="-342900" algn="l" rtl="0">
+              <a:lnSpc>
+                <a:spcPct val="100000"/>
+              </a:lnSpc>
+              <a:spcBef>
+                <a:spcPts val="0"/>
+              </a:spcBef>
+              <a:spcAft>
+                <a:spcPts val="0"/>
+              </a:spcAft>
+              <a:buSzPts val="1800"/>
+              <a:buNone/>
+            </a:pPr>
+            <a:endParaRPr sz="2400" b="1">
+              <a:latin typeface="Times New Roman"/>
+              <a:ea typeface="Times New Roman"/>
+              <a:cs typeface="Times New Roman"/>
+              <a:sym typeface="Times New Roman"/>
+            </a:endParaRPr>
+          </a:p>
+          <a:p>
+            <a:pPr marL="457200" lvl="0" indent="-342900" algn="l" rtl="0">
+              <a:lnSpc>
+                <a:spcPct val="100000"/>
+              </a:lnSpc>
+              <a:spcBef>
+                <a:spcPts val="0"/>
+              </a:spcBef>
+              <a:spcAft>
+                <a:spcPts val="0"/>
+              </a:spcAft>
+              <a:buSzPts val="1800"/>
+              <a:buNone/>
+            </a:pPr>
+            <a:r>
+              <a:rPr lang="en-US" sz="2400" b="1" i="1">
+                <a:latin typeface="Times New Roman"/>
+                <a:ea typeface="Times New Roman"/>
+                <a:cs typeface="Times New Roman"/>
+                <a:sym typeface="Times New Roman"/>
+              </a:rPr>
+              <a:t>Bộ mã vật tư, hàng hóa thống nhất</a:t>
+            </a:r>
+            <a:endParaRPr/>
+          </a:p>
+          <a:p>
+            <a:pPr marL="457200" lvl="0" indent="-342900" algn="l" rtl="0">
+              <a:lnSpc>
+                <a:spcPct val="100000"/>
+              </a:lnSpc>
+              <a:spcBef>
+                <a:spcPts val="0"/>
+              </a:spcBef>
+              <a:spcAft>
+                <a:spcPts val="0"/>
+              </a:spcAft>
+              <a:buSzPts val="1800"/>
+              <a:buNone/>
+            </a:pPr>
+            <a:endParaRPr sz="2400" b="1">
+              <a:latin typeface="Times New Roman"/>
+              <a:ea typeface="Times New Roman"/>
+              <a:cs typeface="Times New Roman"/>
+              <a:sym typeface="Times New Roman"/>
+            </a:endParaRPr>
+          </a:p>
+          <a:p>
+            <a:pPr marL="457200" lvl="0" indent="-342900" algn="l" rtl="0">
+              <a:lnSpc>
+                <a:spcPct val="100000"/>
+              </a:lnSpc>
+              <a:spcBef>
+                <a:spcPts val="0"/>
+              </a:spcBef>
+              <a:spcAft>
+                <a:spcPts val="0"/>
+              </a:spcAft>
+              <a:buSzPts val="1800"/>
+              <a:buNone/>
+            </a:pPr>
+            <a:r>
+              <a:rPr lang="en-US" sz="2400" b="1" i="1">
+                <a:latin typeface="Times New Roman"/>
+                <a:ea typeface="Times New Roman"/>
+                <a:cs typeface="Times New Roman"/>
+                <a:sym typeface="Times New Roman"/>
+              </a:rPr>
+              <a:t>Phân nhóm vật tư, hàng hóa nhiều chiều</a:t>
+            </a:r>
+            <a:endParaRPr/>
+          </a:p>
+          <a:p>
+            <a:pPr marL="457200" lvl="0" indent="-342900" algn="l" rtl="0">
+              <a:lnSpc>
+                <a:spcPct val="100000"/>
+              </a:lnSpc>
+              <a:spcBef>
+                <a:spcPts val="0"/>
+              </a:spcBef>
+              <a:spcAft>
+                <a:spcPts val="0"/>
+              </a:spcAft>
+              <a:buSzPts val="1800"/>
+              <a:buNone/>
+            </a:pPr>
+            <a:endParaRPr sz="2400" b="1">
+              <a:latin typeface="Times New Roman"/>
+              <a:ea typeface="Times New Roman"/>
+              <a:cs typeface="Times New Roman"/>
+              <a:sym typeface="Times New Roman"/>
+            </a:endParaRPr>
+          </a:p>
+          <a:p>
+            <a:pPr marL="457200" lvl="0" indent="-342900" algn="l" rtl="0">
+              <a:lnSpc>
+                <a:spcPct val="100000"/>
+              </a:lnSpc>
+              <a:spcBef>
+                <a:spcPts val="0"/>
+              </a:spcBef>
+              <a:spcAft>
+                <a:spcPts val="0"/>
+              </a:spcAft>
+              <a:buSzPts val="1800"/>
+              <a:buNone/>
+            </a:pPr>
+            <a:endParaRPr sz="2400">
+              <a:latin typeface="Times New Roman"/>
+              <a:ea typeface="Times New Roman"/>
+              <a:cs typeface="Times New Roman"/>
+              <a:sym typeface="Times New Roman"/>
+            </a:endParaRPr>
+          </a:p>
+        </p:txBody>
+      </p:sp>
+      <p:sp>
+        <p:nvSpPr>
+          <p:cNvPr id="309" name="Google Shape;309;p10"/>
+          <p:cNvSpPr txBox="1">
+            <a:spLocks noGrp="1"/>
+          </p:cNvSpPr>
+          <p:nvPr>
+            <p:ph type="subTitle" idx="2"/>
+          </p:nvPr>
+        </p:nvSpPr>
+        <p:spPr>
+          <a:xfrm>
+            <a:off x="4596226" y="1529866"/>
+            <a:ext cx="3880800" cy="3149709"/>
+          </a:xfrm>
+          <a:prstGeom prst="rect">
+            <a:avLst/>
+          </a:prstGeom>
+          <a:noFill/>
+          <a:ln>
+            <a:noFill/>
+          </a:ln>
+        </p:spPr>
+        <p:txBody>
+          <a:bodyPr spcFirstLastPara="1" wrap="square" lIns="91425" tIns="91425" rIns="91425" bIns="91425" anchor="t" anchorCtr="0">
+            <a:noAutofit/>
+          </a:bodyPr>
+          <a:lstStyle/>
+          <a:p>
+            <a:pPr marL="457200" lvl="0" indent="-342900" algn="l" rtl="0">
+              <a:lnSpc>
+                <a:spcPct val="100000"/>
+              </a:lnSpc>
+              <a:spcBef>
+                <a:spcPts val="0"/>
+              </a:spcBef>
+              <a:spcAft>
+                <a:spcPts val="0"/>
+              </a:spcAft>
+              <a:buSzPts val="1800"/>
+              <a:buNone/>
+            </a:pPr>
+            <a:r>
+              <a:rPr lang="en-US" sz="2400" b="1" i="1">
+                <a:latin typeface="Times New Roman"/>
+                <a:ea typeface="Times New Roman"/>
+                <a:cs typeface="Times New Roman"/>
+                <a:sym typeface="Times New Roman"/>
+              </a:rPr>
+              <a:t>Lưu trữ một lượng khá lớn thông tin vật tư, hàng hóa</a:t>
+            </a:r>
+            <a:endParaRPr sz="2400" b="1">
+              <a:latin typeface="Times New Roman"/>
+              <a:ea typeface="Times New Roman"/>
+              <a:cs typeface="Times New Roman"/>
+              <a:sym typeface="Times New Roman"/>
+            </a:endParaRPr>
+          </a:p>
+          <a:p>
+            <a:pPr marL="457200" lvl="0" indent="-342900" algn="l" rtl="0">
+              <a:lnSpc>
+                <a:spcPct val="100000"/>
+              </a:lnSpc>
+              <a:spcBef>
+                <a:spcPts val="0"/>
+              </a:spcBef>
+              <a:spcAft>
+                <a:spcPts val="0"/>
+              </a:spcAft>
+              <a:buSzPts val="1800"/>
+              <a:buNone/>
+            </a:pPr>
+            <a:endParaRPr sz="2400" b="1" i="1">
+              <a:latin typeface="Times New Roman"/>
+              <a:ea typeface="Times New Roman"/>
+              <a:cs typeface="Times New Roman"/>
+              <a:sym typeface="Times New Roman"/>
+            </a:endParaRPr>
+          </a:p>
+          <a:p>
+            <a:pPr marL="457200" lvl="0" indent="-342900" algn="l" rtl="0">
+              <a:lnSpc>
+                <a:spcPct val="100000"/>
+              </a:lnSpc>
+              <a:spcBef>
+                <a:spcPts val="0"/>
+              </a:spcBef>
+              <a:spcAft>
+                <a:spcPts val="0"/>
+              </a:spcAft>
+              <a:buSzPts val="1800"/>
+              <a:buNone/>
+            </a:pPr>
+            <a:r>
+              <a:rPr lang="en-US" sz="2400" b="1" i="1">
+                <a:latin typeface="Times New Roman"/>
+                <a:ea typeface="Times New Roman"/>
+                <a:cs typeface="Times New Roman"/>
+                <a:sym typeface="Times New Roman"/>
+              </a:rPr>
+              <a:t>Hệ thống đơn vị tính qui đổi linh động</a:t>
+            </a:r>
+            <a:endParaRPr/>
+          </a:p>
+          <a:p>
+            <a:pPr marL="457200" lvl="0" indent="-342900" algn="l" rtl="0">
+              <a:lnSpc>
+                <a:spcPct val="100000"/>
+              </a:lnSpc>
+              <a:spcBef>
+                <a:spcPts val="0"/>
+              </a:spcBef>
+              <a:spcAft>
+                <a:spcPts val="0"/>
+              </a:spcAft>
+              <a:buSzPts val="1800"/>
+              <a:buNone/>
+            </a:pPr>
+            <a:endParaRPr sz="2400" b="1">
+              <a:latin typeface="Times New Roman"/>
+              <a:ea typeface="Times New Roman"/>
+              <a:cs typeface="Times New Roman"/>
+              <a:sym typeface="Times New Roman"/>
+            </a:endParaRPr>
+          </a:p>
+          <a:p>
+            <a:pPr marL="457200" lvl="0" indent="-342900" algn="l" rtl="0">
+              <a:lnSpc>
+                <a:spcPct val="100000"/>
+              </a:lnSpc>
+              <a:spcBef>
+                <a:spcPts val="0"/>
+              </a:spcBef>
+              <a:spcAft>
+                <a:spcPts val="0"/>
+              </a:spcAft>
+              <a:buSzPts val="1800"/>
+              <a:buNone/>
+            </a:pPr>
+            <a:r>
+              <a:rPr lang="en-US" sz="2400" b="1" i="1">
+                <a:latin typeface="Times New Roman"/>
+                <a:ea typeface="Times New Roman"/>
+                <a:cs typeface="Times New Roman"/>
+                <a:sym typeface="Times New Roman"/>
+              </a:rPr>
+              <a:t>Kiểm soát hàng tồn kho</a:t>
+            </a:r>
+            <a:endParaRPr/>
+          </a:p>
+          <a:p>
+            <a:pPr marL="457200" lvl="0" indent="-342900" algn="l" rtl="0">
+              <a:lnSpc>
+                <a:spcPct val="100000"/>
+              </a:lnSpc>
+              <a:spcBef>
+                <a:spcPts val="0"/>
+              </a:spcBef>
+              <a:spcAft>
+                <a:spcPts val="0"/>
+              </a:spcAft>
+              <a:buSzPts val="1800"/>
+              <a:buNone/>
+            </a:pPr>
+            <a:endParaRPr sz="2400" b="1">
+              <a:latin typeface="Times New Roman"/>
+              <a:ea typeface="Times New Roman"/>
+              <a:cs typeface="Times New Roman"/>
+              <a:sym typeface="Times New Roman"/>
+            </a:endParaRPr>
+          </a:p>
+          <a:p>
+            <a:pPr marL="457200" lvl="0" indent="-342900" algn="l" rtl="0">
+              <a:lnSpc>
+                <a:spcPct val="100000"/>
+              </a:lnSpc>
+              <a:spcBef>
+                <a:spcPts val="0"/>
+              </a:spcBef>
+              <a:spcAft>
+                <a:spcPts val="0"/>
+              </a:spcAft>
+              <a:buSzPts val="1800"/>
+              <a:buNone/>
+            </a:pPr>
+            <a:endParaRPr sz="2400" b="1" i="1">
+              <a:latin typeface="Times New Roman"/>
+              <a:ea typeface="Times New Roman"/>
+              <a:cs typeface="Times New Roman"/>
+              <a:sym typeface="Times New Roman"/>
+            </a:endParaRPr>
+          </a:p>
+          <a:p>
+            <a:pPr marL="457200" lvl="0" indent="-342900" algn="l" rtl="0">
+              <a:lnSpc>
+                <a:spcPct val="100000"/>
+              </a:lnSpc>
+              <a:spcBef>
+                <a:spcPts val="0"/>
+              </a:spcBef>
+              <a:spcAft>
+                <a:spcPts val="0"/>
+              </a:spcAft>
+              <a:buSzPts val="1800"/>
+              <a:buNone/>
+            </a:pPr>
+            <a:endParaRPr sz="2400">
+              <a:latin typeface="Times New Roman"/>
+              <a:ea typeface="Times New Roman"/>
+              <a:cs typeface="Times New Roman"/>
+              <a:sym typeface="Times New Roman"/>
+            </a:endParaRPr>
+          </a:p>
+        </p:txBody>
+      </p:sp>
+      <p:sp>
+        <p:nvSpPr>
+          <p:cNvPr id="310" name="Google Shape;310;p10"/>
+          <p:cNvSpPr txBox="1">
+            <a:spLocks noGrp="1"/>
+          </p:cNvSpPr>
+          <p:nvPr>
+            <p:ph type="subTitle" idx="4"/>
+          </p:nvPr>
+        </p:nvSpPr>
+        <p:spPr>
+          <a:xfrm>
+            <a:off x="2241884" y="947046"/>
+            <a:ext cx="2416177" cy="425700"/>
+          </a:xfrm>
+          <a:prstGeom prst="rect">
+            <a:avLst/>
+          </a:prstGeom>
+          <a:noFill/>
+          <a:ln>
+            <a:noFill/>
+          </a:ln>
+        </p:spPr>
+        <p:txBody>
+          <a:bodyPr spcFirstLastPara="1" wrap="square" lIns="91425" tIns="91425" rIns="91425" bIns="91425" anchor="t" anchorCtr="0">
+            <a:noAutofit/>
+          </a:bodyPr>
+          <a:lstStyle/>
+          <a:p>
+            <a:pPr marL="457200" lvl="0" indent="-342900" algn="l" rtl="0">
+              <a:lnSpc>
+                <a:spcPct val="100000"/>
+              </a:lnSpc>
+              <a:spcBef>
+                <a:spcPts val="0"/>
+              </a:spcBef>
+              <a:spcAft>
+                <a:spcPts val="0"/>
+              </a:spcAft>
+              <a:buSzPts val="1800"/>
+              <a:buNone/>
+            </a:pPr>
+            <a:r>
+              <a:rPr lang="en-US" sz="2800" b="1">
+                <a:latin typeface="Times New Roman"/>
+                <a:ea typeface="Times New Roman"/>
+                <a:cs typeface="Times New Roman"/>
+                <a:sym typeface="Times New Roman"/>
+              </a:rPr>
+              <a:t>Chức năng</a:t>
+            </a:r>
+            <a:endParaRPr sz="2800" b="1">
+              <a:latin typeface="Times New Roman"/>
+              <a:ea typeface="Times New Roman"/>
+              <a:cs typeface="Times New Roman"/>
+              <a:sym typeface="Times New Roman"/>
+            </a:endParaRPr>
+          </a:p>
+        </p:txBody>
+      </p:sp>
+    </p:spTree>
+  </p:cSld>
+  <p:clrMapOvr>
+    <a:masterClrMapping/>
+  </p:clrMapOvr>
+  <mc:AlternateContent xmlns:mc="http://schemas.openxmlformats.org/markup-compatibility/2006">
+    <mc:Choice xmlns:p14="http://schemas.microsoft.com/office/powerpoint/2010/main" Requires="p14">
+      <p:transition spd="slow" p14:dur="1500">
+        <p:split orient="vert"/>
+      </p:transition>
+    </mc:Choice>
+    <mc:Fallback>
+      <p:transition spd="slow">
+        <p:split orient="vert"/>
+      </p:transition>
+    </mc:Fallback>
+  </mc:AlternateContent>
+  <p:timing>
+    <p:tnLst>
+      <p:par>
+        <p:cTn id="1" dur="indefinite" restart="never" nodeType="tmRoot"/>
+      </p:par>
+    </p:tnLst>
+  </p:timing>
+</p:sld>
+</file>
+
+<file path=ppt/slides/slide11.xml><?xml version="1.0" encoding="utf-8"?>
+<p:sld xmlns:a="http://schemas.openxmlformats.org/drawingml/2006/main" xmlns:r="http://schemas.openxmlformats.org/officeDocument/2006/relationships" xmlns:p="http://schemas.openxmlformats.org/presentationml/2006/main">
+  <p:cSld>
+    <p:spTree>
+      <p:nvGrpSpPr>
         <p:cNvPr id="1" name="Shape 314"/>
         <p:cNvGrpSpPr/>
         <p:nvPr/>
@@ -15891,10 +16776,29 @@
   <p:clrMapOvr>
     <a:masterClrMapping/>
   </p:clrMapOvr>
+  <mc:AlternateContent xmlns:mc="http://schemas.openxmlformats.org/markup-compatibility/2006">
+    <mc:Choice xmlns:p14="http://schemas.microsoft.com/office/powerpoint/2010/main" Requires="p14">
+      <p:transition spd="slow" p14:dur="1500">
+        <p:split orient="vert"/>
+      </p:transition>
+    </mc:Choice>
+    <mc:Fallback>
+      <p:transition spd="slow">
+        <p:split orient="vert"/>
+      </p:transition>
+    </mc:Fallback>
+  </mc:AlternateContent>
+  <p:timing>
+    <p:tnLst>
+      <p:par>
+        <p:cTn id="1" dur="indefinite" restart="never" nodeType="tmRoot"/>
+      </p:par>
+    </p:tnLst>
+  </p:timing>
 </p:sld>
 </file>
 
-<file path=ppt/slides/slide11.xml><?xml version="1.0" encoding="utf-8"?>
+<file path=ppt/slides/slide12.xml><?xml version="1.0" encoding="utf-8"?>
 <p:sld xmlns:a="http://schemas.openxmlformats.org/drawingml/2006/main" xmlns:r="http://schemas.openxmlformats.org/officeDocument/2006/relationships" xmlns:p="http://schemas.openxmlformats.org/presentationml/2006/main">
   <p:cSld>
     <p:spTree>
@@ -16131,10 +17035,29 @@
   <p:clrMapOvr>
     <a:masterClrMapping/>
   </p:clrMapOvr>
+  <mc:AlternateContent xmlns:mc="http://schemas.openxmlformats.org/markup-compatibility/2006">
+    <mc:Choice xmlns:p14="http://schemas.microsoft.com/office/powerpoint/2010/main" Requires="p14">
+      <p:transition spd="slow" p14:dur="1500">
+        <p:split orient="vert"/>
+      </p:transition>
+    </mc:Choice>
+    <mc:Fallback>
+      <p:transition spd="slow">
+        <p:split orient="vert"/>
+      </p:transition>
+    </mc:Fallback>
+  </mc:AlternateContent>
+  <p:timing>
+    <p:tnLst>
+      <p:par>
+        <p:cTn id="1" dur="indefinite" restart="never" nodeType="tmRoot"/>
+      </p:par>
+    </p:tnLst>
+  </p:timing>
 </p:sld>
 </file>
 
-<file path=ppt/slides/slide12.xml><?xml version="1.0" encoding="utf-8"?>
+<file path=ppt/slides/slide13.xml><?xml version="1.0" encoding="utf-8"?>
 <p:sld xmlns:a="http://schemas.openxmlformats.org/drawingml/2006/main" xmlns:r="http://schemas.openxmlformats.org/officeDocument/2006/relationships" xmlns:p="http://schemas.openxmlformats.org/presentationml/2006/main">
   <p:cSld>
     <p:spTree>
@@ -16396,10 +17319,29 @@
   <p:clrMapOvr>
     <a:masterClrMapping/>
   </p:clrMapOvr>
+  <mc:AlternateContent xmlns:mc="http://schemas.openxmlformats.org/markup-compatibility/2006">
+    <mc:Choice xmlns:p14="http://schemas.microsoft.com/office/powerpoint/2010/main" Requires="p14">
+      <p:transition spd="slow" p14:dur="1500">
+        <p:split orient="vert"/>
+      </p:transition>
+    </mc:Choice>
+    <mc:Fallback>
+      <p:transition spd="slow">
+        <p:split orient="vert"/>
+      </p:transition>
+    </mc:Fallback>
+  </mc:AlternateContent>
+  <p:timing>
+    <p:tnLst>
+      <p:par>
+        <p:cTn id="1" dur="indefinite" restart="never" nodeType="tmRoot"/>
+      </p:par>
+    </p:tnLst>
+  </p:timing>
 </p:sld>
 </file>
 
-<file path=ppt/slides/slide13.xml><?xml version="1.0" encoding="utf-8"?>
+<file path=ppt/slides/slide14.xml><?xml version="1.0" encoding="utf-8"?>
 <p:sld xmlns:a="http://schemas.openxmlformats.org/drawingml/2006/main" xmlns:r="http://schemas.openxmlformats.org/officeDocument/2006/relationships" xmlns:p="http://schemas.openxmlformats.org/presentationml/2006/main">
   <p:cSld>
     <p:spTree>
@@ -16945,10 +17887,29 @@
   <p:clrMapOvr>
     <a:masterClrMapping/>
   </p:clrMapOvr>
+  <mc:AlternateContent xmlns:mc="http://schemas.openxmlformats.org/markup-compatibility/2006">
+    <mc:Choice xmlns:p14="http://schemas.microsoft.com/office/powerpoint/2010/main" Requires="p14">
+      <p:transition spd="slow" p14:dur="1500">
+        <p:split orient="vert"/>
+      </p:transition>
+    </mc:Choice>
+    <mc:Fallback>
+      <p:transition spd="slow">
+        <p:split orient="vert"/>
+      </p:transition>
+    </mc:Fallback>
+  </mc:AlternateContent>
+  <p:timing>
+    <p:tnLst>
+      <p:par>
+        <p:cTn id="1" dur="indefinite" restart="never" nodeType="tmRoot"/>
+      </p:par>
+    </p:tnLst>
+  </p:timing>
 </p:sld>
 </file>
 
-<file path=ppt/slides/slide14.xml><?xml version="1.0" encoding="utf-8"?>
+<file path=ppt/slides/slide15.xml><?xml version="1.0" encoding="utf-8"?>
 <p:sld xmlns:a="http://schemas.openxmlformats.org/drawingml/2006/main" xmlns:r="http://schemas.openxmlformats.org/officeDocument/2006/relationships" xmlns:p="http://schemas.openxmlformats.org/presentationml/2006/main">
   <p:cSld>
     <p:spTree>
@@ -17188,10 +18149,29 @@
   <p:clrMapOvr>
     <a:masterClrMapping/>
   </p:clrMapOvr>
+  <mc:AlternateContent xmlns:mc="http://schemas.openxmlformats.org/markup-compatibility/2006">
+    <mc:Choice xmlns:p14="http://schemas.microsoft.com/office/powerpoint/2010/main" Requires="p14">
+      <p:transition spd="slow" p14:dur="1500">
+        <p:split orient="vert"/>
+      </p:transition>
+    </mc:Choice>
+    <mc:Fallback>
+      <p:transition spd="slow">
+        <p:split orient="vert"/>
+      </p:transition>
+    </mc:Fallback>
+  </mc:AlternateContent>
+  <p:timing>
+    <p:tnLst>
+      <p:par>
+        <p:cTn id="1" dur="indefinite" restart="never" nodeType="tmRoot"/>
+      </p:par>
+    </p:tnLst>
+  </p:timing>
 </p:sld>
 </file>
 
-<file path=ppt/slides/slide15.xml><?xml version="1.0" encoding="utf-8"?>
+<file path=ppt/slides/slide16.xml><?xml version="1.0" encoding="utf-8"?>
 <p:sld xmlns:a="http://schemas.openxmlformats.org/drawingml/2006/main" xmlns:r="http://schemas.openxmlformats.org/officeDocument/2006/relationships" xmlns:p="http://schemas.openxmlformats.org/presentationml/2006/main">
   <p:cSld>
     <p:spTree>
@@ -17441,10 +18421,17 @@
   <p:clrMapOvr>
     <a:masterClrMapping/>
   </p:clrMapOvr>
+  <p:timing>
+    <p:tnLst>
+      <p:par>
+        <p:cTn id="1" dur="indefinite" restart="never" nodeType="tmRoot"/>
+      </p:par>
+    </p:tnLst>
+  </p:timing>
 </p:sld>
 </file>
 
-<file path=ppt/slides/slide16.xml><?xml version="1.0" encoding="utf-8"?>
+<file path=ppt/slides/slide17.xml><?xml version="1.0" encoding="utf-8"?>
 <p:sld xmlns:a="http://schemas.openxmlformats.org/drawingml/2006/main" xmlns:r="http://schemas.openxmlformats.org/officeDocument/2006/relationships" xmlns:p="http://schemas.openxmlformats.org/presentationml/2006/main">
   <p:cSld>
     <p:spTree>
@@ -17668,10 +18655,29 @@
   <p:clrMapOvr>
     <a:masterClrMapping/>
   </p:clrMapOvr>
+  <mc:AlternateContent xmlns:mc="http://schemas.openxmlformats.org/markup-compatibility/2006">
+    <mc:Choice xmlns:p14="http://schemas.microsoft.com/office/powerpoint/2010/main" Requires="p14">
+      <p:transition spd="slow" p14:dur="1500">
+        <p:split orient="vert"/>
+      </p:transition>
+    </mc:Choice>
+    <mc:Fallback>
+      <p:transition spd="slow">
+        <p:split orient="vert"/>
+      </p:transition>
+    </mc:Fallback>
+  </mc:AlternateContent>
+  <p:timing>
+    <p:tnLst>
+      <p:par>
+        <p:cTn id="1" dur="indefinite" restart="never" nodeType="tmRoot"/>
+      </p:par>
+    </p:tnLst>
+  </p:timing>
 </p:sld>
 </file>
 
-<file path=ppt/slides/slide17.xml><?xml version="1.0" encoding="utf-8"?>
+<file path=ppt/slides/slide18.xml><?xml version="1.0" encoding="utf-8"?>
 <p:sld xmlns:a="http://schemas.openxmlformats.org/drawingml/2006/main" xmlns:r="http://schemas.openxmlformats.org/officeDocument/2006/relationships" xmlns:p="http://schemas.openxmlformats.org/presentationml/2006/main">
   <p:cSld>
     <p:spTree>
@@ -18366,7 +19372,7 @@
 </p:sld>
 </file>
 
-<file path=ppt/slides/slide18.xml><?xml version="1.0" encoding="utf-8"?>
+<file path=ppt/slides/slide19.xml><?xml version="1.0" encoding="utf-8"?>
 <p:sld xmlns:a="http://schemas.openxmlformats.org/drawingml/2006/main" xmlns:r="http://schemas.openxmlformats.org/officeDocument/2006/relationships" xmlns:p="http://schemas.openxmlformats.org/presentationml/2006/main">
   <p:cSld>
     <p:spTree>
@@ -19078,728 +20084,6 @@
           <a:prstGeom prst="rect">
             <a:avLst/>
           </a:prstGeom>
-        </p:spPr>
-      </p:pic>
-    </p:spTree>
-  </p:cSld>
-  <p:clrMapOvr>
-    <a:masterClrMapping/>
-  </p:clrMapOvr>
-  <p:transition spd="slow">
-    <p:wipe/>
-  </p:transition>
-  <p:timing>
-    <p:tnLst>
-      <p:par>
-        <p:cTn id="1" dur="indefinite" restart="never" nodeType="tmRoot"/>
-      </p:par>
-    </p:tnLst>
-  </p:timing>
-</p:sld>
-</file>
-
-<file path=ppt/slides/slide19.xml><?xml version="1.0" encoding="utf-8"?>
-<p:sld xmlns:a="http://schemas.openxmlformats.org/drawingml/2006/main" xmlns:r="http://schemas.openxmlformats.org/officeDocument/2006/relationships" xmlns:p="http://schemas.openxmlformats.org/presentationml/2006/main">
-  <p:cSld>
-    <p:spTree>
-      <p:nvGrpSpPr>
-        <p:cNvPr id="1" name="Shape 387"/>
-        <p:cNvGrpSpPr/>
-        <p:nvPr/>
-      </p:nvGrpSpPr>
-      <p:grpSpPr>
-        <a:xfrm>
-          <a:off x="0" y="0"/>
-          <a:ext cx="0" cy="0"/>
-          <a:chOff x="0" y="0"/>
-          <a:chExt cx="0" cy="0"/>
-        </a:xfrm>
-      </p:grpSpPr>
-      <p:sp>
-        <p:nvSpPr>
-          <p:cNvPr id="388" name="Google Shape;388;p20"/>
-          <p:cNvSpPr txBox="1">
-            <a:spLocks noGrp="1"/>
-          </p:cNvSpPr>
-          <p:nvPr>
-            <p:ph type="ctrTitle"/>
-          </p:nvPr>
-        </p:nvSpPr>
-        <p:spPr>
-          <a:xfrm>
-            <a:off x="6400800" y="0"/>
-            <a:ext cx="1925618" cy="3474720"/>
-          </a:xfrm>
-          <a:prstGeom prst="rect">
-            <a:avLst/>
-          </a:prstGeom>
-          <a:noFill/>
-          <a:ln>
-            <a:noFill/>
-          </a:ln>
-        </p:spPr>
-        <p:txBody>
-          <a:bodyPr spcFirstLastPara="1" wrap="square" lIns="91425" tIns="91425" rIns="91425" bIns="91425" anchor="ctr" anchorCtr="0">
-            <a:noAutofit/>
-          </a:bodyPr>
-          <a:lstStyle/>
-          <a:p>
-            <a:pPr marL="0" lvl="0" indent="0" algn="ctr" rtl="0">
-              <a:lnSpc>
-                <a:spcPct val="100000"/>
-              </a:lnSpc>
-              <a:spcBef>
-                <a:spcPts val="0"/>
-              </a:spcBef>
-              <a:spcAft>
-                <a:spcPts val="0"/>
-              </a:spcAft>
-              <a:buSzPts val="5200"/>
-              <a:buNone/>
-            </a:pPr>
-            <a:r>
-              <a:rPr lang="en-US" sz="2800" b="1"/>
-              <a:t>Quy trình nhập kho</a:t>
-            </a:r>
-            <a:endParaRPr sz="2800" b="1"/>
-          </a:p>
-        </p:txBody>
-      </p:sp>
-      <p:sp>
-        <p:nvSpPr>
-          <p:cNvPr id="389" name="Google Shape;389;p20"/>
-          <p:cNvSpPr txBox="1">
-            <a:spLocks noGrp="1"/>
-          </p:cNvSpPr>
-          <p:nvPr>
-            <p:ph type="subTitle" idx="1"/>
-          </p:nvPr>
-        </p:nvSpPr>
-        <p:spPr>
-          <a:xfrm>
-            <a:off x="2247237" y="3538459"/>
-            <a:ext cx="4539000" cy="621600"/>
-          </a:xfrm>
-          <a:prstGeom prst="rect">
-            <a:avLst/>
-          </a:prstGeom>
-          <a:noFill/>
-          <a:ln>
-            <a:noFill/>
-          </a:ln>
-        </p:spPr>
-        <p:txBody>
-          <a:bodyPr spcFirstLastPara="1" wrap="square" lIns="91425" tIns="91425" rIns="91425" bIns="91425" anchor="t" anchorCtr="0">
-            <a:noAutofit/>
-          </a:bodyPr>
-          <a:lstStyle/>
-          <a:p>
-            <a:pPr marL="0" lvl="0" indent="0" algn="ctr" rtl="0">
-              <a:lnSpc>
-                <a:spcPct val="100000"/>
-              </a:lnSpc>
-              <a:spcBef>
-                <a:spcPts val="0"/>
-              </a:spcBef>
-              <a:spcAft>
-                <a:spcPts val="0"/>
-              </a:spcAft>
-              <a:buSzPts val="2800"/>
-              <a:buNone/>
-            </a:pPr>
-            <a:endParaRPr sz="2000"/>
-          </a:p>
-          <a:p>
-            <a:pPr marL="0" lvl="0" indent="0" algn="ctr" rtl="0">
-              <a:lnSpc>
-                <a:spcPct val="100000"/>
-              </a:lnSpc>
-              <a:spcBef>
-                <a:spcPts val="0"/>
-              </a:spcBef>
-              <a:spcAft>
-                <a:spcPts val="0"/>
-              </a:spcAft>
-              <a:buSzPts val="2800"/>
-              <a:buNone/>
-            </a:pPr>
-            <a:endParaRPr/>
-          </a:p>
-        </p:txBody>
-      </p:sp>
-      <p:grpSp>
-        <p:nvGrpSpPr>
-          <p:cNvPr id="390" name="Google Shape;390;p20"/>
-          <p:cNvGrpSpPr/>
-          <p:nvPr/>
-        </p:nvGrpSpPr>
-        <p:grpSpPr>
-          <a:xfrm>
-            <a:off x="3929960" y="2905328"/>
-            <a:ext cx="1511031" cy="473412"/>
-            <a:chOff x="-60254550" y="1938025"/>
-            <a:chExt cx="317425" cy="318925"/>
-          </a:xfrm>
-        </p:grpSpPr>
-        <p:sp>
-          <p:nvSpPr>
-            <p:cNvPr id="391" name="Google Shape;391;p20"/>
-            <p:cNvSpPr/>
-            <p:nvPr/>
-          </p:nvSpPr>
-          <p:spPr>
-            <a:xfrm>
-              <a:off x="-60254550" y="2049000"/>
-              <a:ext cx="317425" cy="207950"/>
-            </a:xfrm>
-            <a:custGeom>
-              <a:avLst/>
-              <a:gdLst/>
-              <a:ahLst/>
-              <a:cxnLst/>
-              <a:rect l="l" t="t" r="r" b="b"/>
-              <a:pathLst>
-                <a:path w="12697" h="8318" extrusionOk="0">
-                  <a:moveTo>
-                    <a:pt x="10428" y="1639"/>
-                  </a:moveTo>
-                  <a:cubicBezTo>
-                    <a:pt x="11184" y="1639"/>
-                    <a:pt x="11814" y="2269"/>
-                    <a:pt x="11814" y="3025"/>
-                  </a:cubicBezTo>
-                  <a:cubicBezTo>
-                    <a:pt x="11814" y="3781"/>
-                    <a:pt x="11184" y="4411"/>
-                    <a:pt x="10428" y="4411"/>
-                  </a:cubicBezTo>
-                  <a:lnTo>
-                    <a:pt x="9767" y="4411"/>
-                  </a:lnTo>
-                  <a:cubicBezTo>
-                    <a:pt x="9861" y="4033"/>
-                    <a:pt x="9893" y="3686"/>
-                    <a:pt x="9893" y="3308"/>
-                  </a:cubicBezTo>
-                  <a:lnTo>
-                    <a:pt x="9893" y="1639"/>
-                  </a:lnTo>
-                  <a:close/>
-                  <a:moveTo>
-                    <a:pt x="9073" y="819"/>
-                  </a:moveTo>
-                  <a:lnTo>
-                    <a:pt x="9073" y="3308"/>
-                  </a:lnTo>
-                  <a:cubicBezTo>
-                    <a:pt x="9073" y="5577"/>
-                    <a:pt x="7215" y="7435"/>
-                    <a:pt x="4915" y="7435"/>
-                  </a:cubicBezTo>
-                  <a:cubicBezTo>
-                    <a:pt x="2646" y="7435"/>
-                    <a:pt x="788" y="5577"/>
-                    <a:pt x="788" y="3308"/>
-                  </a:cubicBezTo>
-                  <a:lnTo>
-                    <a:pt x="788" y="819"/>
-                  </a:lnTo>
-                  <a:close/>
-                  <a:moveTo>
-                    <a:pt x="410" y="0"/>
-                  </a:moveTo>
-                  <a:cubicBezTo>
-                    <a:pt x="158" y="0"/>
-                    <a:pt x="0" y="189"/>
-                    <a:pt x="0" y="441"/>
-                  </a:cubicBezTo>
-                  <a:lnTo>
-                    <a:pt x="0" y="3308"/>
-                  </a:lnTo>
-                  <a:cubicBezTo>
-                    <a:pt x="0" y="5041"/>
-                    <a:pt x="882" y="6522"/>
-                    <a:pt x="2205" y="7435"/>
-                  </a:cubicBezTo>
-                  <a:lnTo>
-                    <a:pt x="410" y="7435"/>
-                  </a:lnTo>
-                  <a:cubicBezTo>
-                    <a:pt x="158" y="7435"/>
-                    <a:pt x="0" y="7624"/>
-                    <a:pt x="0" y="7877"/>
-                  </a:cubicBezTo>
-                  <a:cubicBezTo>
-                    <a:pt x="0" y="8097"/>
-                    <a:pt x="189" y="8318"/>
-                    <a:pt x="410" y="8318"/>
-                  </a:cubicBezTo>
-                  <a:lnTo>
-                    <a:pt x="9483" y="8318"/>
-                  </a:lnTo>
-                  <a:cubicBezTo>
-                    <a:pt x="9735" y="8318"/>
-                    <a:pt x="9893" y="8097"/>
-                    <a:pt x="9893" y="7877"/>
-                  </a:cubicBezTo>
-                  <a:cubicBezTo>
-                    <a:pt x="9893" y="7624"/>
-                    <a:pt x="9704" y="7435"/>
-                    <a:pt x="9483" y="7435"/>
-                  </a:cubicBezTo>
-                  <a:lnTo>
-                    <a:pt x="7687" y="7435"/>
-                  </a:lnTo>
-                  <a:cubicBezTo>
-                    <a:pt x="8506" y="6900"/>
-                    <a:pt x="9137" y="6144"/>
-                    <a:pt x="9546" y="5230"/>
-                  </a:cubicBezTo>
-                  <a:lnTo>
-                    <a:pt x="10491" y="5230"/>
-                  </a:lnTo>
-                  <a:cubicBezTo>
-                    <a:pt x="11688" y="5230"/>
-                    <a:pt x="12697" y="4253"/>
-                    <a:pt x="12697" y="3025"/>
-                  </a:cubicBezTo>
-                  <a:cubicBezTo>
-                    <a:pt x="12697" y="1796"/>
-                    <a:pt x="11657" y="819"/>
-                    <a:pt x="10428" y="819"/>
-                  </a:cubicBezTo>
-                  <a:lnTo>
-                    <a:pt x="9893" y="819"/>
-                  </a:lnTo>
-                  <a:lnTo>
-                    <a:pt x="9893" y="441"/>
-                  </a:lnTo>
-                  <a:cubicBezTo>
-                    <a:pt x="9893" y="189"/>
-                    <a:pt x="9704" y="0"/>
-                    <a:pt x="9483" y="0"/>
-                  </a:cubicBezTo>
-                  <a:close/>
-                </a:path>
-              </a:pathLst>
-            </a:custGeom>
-            <a:solidFill>
-              <a:srgbClr val="5F7D95"/>
-            </a:solidFill>
-            <a:ln>
-              <a:noFill/>
-            </a:ln>
-          </p:spPr>
-          <p:txBody>
-            <a:bodyPr spcFirstLastPara="1" wrap="square" lIns="91425" tIns="91425" rIns="91425" bIns="91425" anchor="ctr" anchorCtr="0">
-              <a:noAutofit/>
-            </a:bodyPr>
-            <a:lstStyle/>
-            <a:p>
-              <a:pPr marL="0" marR="0" lvl="0" indent="0" algn="l" rtl="0">
-                <a:lnSpc>
-                  <a:spcPct val="100000"/>
-                </a:lnSpc>
-                <a:spcBef>
-                  <a:spcPts val="0"/>
-                </a:spcBef>
-                <a:spcAft>
-                  <a:spcPts val="0"/>
-                </a:spcAft>
-                <a:buClr>
-                  <a:srgbClr val="000000"/>
-                </a:buClr>
-                <a:buSzPts val="1400"/>
-                <a:buFont typeface="Arial"/>
-                <a:buNone/>
-              </a:pPr>
-              <a:endParaRPr sz="1400" b="0" i="0" u="none" strike="noStrike" cap="none">
-                <a:solidFill>
-                  <a:srgbClr val="000000"/>
-                </a:solidFill>
-                <a:latin typeface="Arial"/>
-                <a:ea typeface="Arial"/>
-                <a:cs typeface="Arial"/>
-                <a:sym typeface="Arial"/>
-              </a:endParaRPr>
-            </a:p>
-          </p:txBody>
-        </p:sp>
-        <p:sp>
-          <p:nvSpPr>
-            <p:cNvPr id="392" name="Google Shape;392;p20"/>
-            <p:cNvSpPr/>
-            <p:nvPr/>
-          </p:nvSpPr>
-          <p:spPr>
-            <a:xfrm>
-              <a:off x="-60219125" y="1938025"/>
-              <a:ext cx="51225" cy="103625"/>
-            </a:xfrm>
-            <a:custGeom>
-              <a:avLst/>
-              <a:gdLst/>
-              <a:ahLst/>
-              <a:cxnLst/>
-              <a:rect l="l" t="t" r="r" b="b"/>
-              <a:pathLst>
-                <a:path w="2049" h="4145" extrusionOk="0">
-                  <a:moveTo>
-                    <a:pt x="1068" y="0"/>
-                  </a:moveTo>
-                  <a:cubicBezTo>
-                    <a:pt x="947" y="0"/>
-                    <a:pt x="819" y="61"/>
-                    <a:pt x="725" y="155"/>
-                  </a:cubicBezTo>
-                  <a:cubicBezTo>
-                    <a:pt x="568" y="312"/>
-                    <a:pt x="568" y="564"/>
-                    <a:pt x="757" y="722"/>
-                  </a:cubicBezTo>
-                  <a:cubicBezTo>
-                    <a:pt x="1103" y="1100"/>
-                    <a:pt x="1103" y="1446"/>
-                    <a:pt x="757" y="1761"/>
-                  </a:cubicBezTo>
-                  <a:cubicBezTo>
-                    <a:pt x="32" y="2392"/>
-                    <a:pt x="1" y="3368"/>
-                    <a:pt x="757" y="4030"/>
-                  </a:cubicBezTo>
-                  <a:cubicBezTo>
-                    <a:pt x="832" y="4105"/>
-                    <a:pt x="936" y="4144"/>
-                    <a:pt x="1041" y="4144"/>
-                  </a:cubicBezTo>
-                  <a:cubicBezTo>
-                    <a:pt x="1156" y="4144"/>
-                    <a:pt x="1273" y="4097"/>
-                    <a:pt x="1356" y="3998"/>
-                  </a:cubicBezTo>
-                  <a:cubicBezTo>
-                    <a:pt x="1513" y="3841"/>
-                    <a:pt x="1513" y="3557"/>
-                    <a:pt x="1292" y="3400"/>
-                  </a:cubicBezTo>
-                  <a:cubicBezTo>
-                    <a:pt x="946" y="3085"/>
-                    <a:pt x="946" y="2707"/>
-                    <a:pt x="1292" y="2392"/>
-                  </a:cubicBezTo>
-                  <a:cubicBezTo>
-                    <a:pt x="2017" y="1761"/>
-                    <a:pt x="2049" y="785"/>
-                    <a:pt x="1292" y="92"/>
-                  </a:cubicBezTo>
-                  <a:cubicBezTo>
-                    <a:pt x="1229" y="28"/>
-                    <a:pt x="1150" y="0"/>
-                    <a:pt x="1068" y="0"/>
-                  </a:cubicBezTo>
-                  <a:close/>
-                </a:path>
-              </a:pathLst>
-            </a:custGeom>
-            <a:solidFill>
-              <a:srgbClr val="5F7D95"/>
-            </a:solidFill>
-            <a:ln>
-              <a:noFill/>
-            </a:ln>
-          </p:spPr>
-          <p:txBody>
-            <a:bodyPr spcFirstLastPara="1" wrap="square" lIns="91425" tIns="91425" rIns="91425" bIns="91425" anchor="ctr" anchorCtr="0">
-              <a:noAutofit/>
-            </a:bodyPr>
-            <a:lstStyle/>
-            <a:p>
-              <a:pPr marL="0" marR="0" lvl="0" indent="0" algn="l" rtl="0">
-                <a:lnSpc>
-                  <a:spcPct val="100000"/>
-                </a:lnSpc>
-                <a:spcBef>
-                  <a:spcPts val="0"/>
-                </a:spcBef>
-                <a:spcAft>
-                  <a:spcPts val="0"/>
-                </a:spcAft>
-                <a:buClr>
-                  <a:srgbClr val="000000"/>
-                </a:buClr>
-                <a:buSzPts val="1400"/>
-                <a:buFont typeface="Arial"/>
-                <a:buNone/>
-              </a:pPr>
-              <a:endParaRPr sz="1400" b="0" i="0" u="none" strike="noStrike" cap="none">
-                <a:solidFill>
-                  <a:srgbClr val="000000"/>
-                </a:solidFill>
-                <a:latin typeface="Arial"/>
-                <a:ea typeface="Arial"/>
-                <a:cs typeface="Arial"/>
-                <a:sym typeface="Arial"/>
-              </a:endParaRPr>
-            </a:p>
-          </p:txBody>
-        </p:sp>
-        <p:sp>
-          <p:nvSpPr>
-            <p:cNvPr id="393" name="Google Shape;393;p20"/>
-            <p:cNvSpPr/>
-            <p:nvPr/>
-          </p:nvSpPr>
-          <p:spPr>
-            <a:xfrm>
-              <a:off x="-60156900" y="1938025"/>
-              <a:ext cx="51225" cy="103625"/>
-            </a:xfrm>
-            <a:custGeom>
-              <a:avLst/>
-              <a:gdLst/>
-              <a:ahLst/>
-              <a:cxnLst/>
-              <a:rect l="l" t="t" r="r" b="b"/>
-              <a:pathLst>
-                <a:path w="2049" h="4145" extrusionOk="0">
-                  <a:moveTo>
-                    <a:pt x="1057" y="0"/>
-                  </a:moveTo>
-                  <a:cubicBezTo>
-                    <a:pt x="926" y="0"/>
-                    <a:pt x="788" y="61"/>
-                    <a:pt x="694" y="155"/>
-                  </a:cubicBezTo>
-                  <a:cubicBezTo>
-                    <a:pt x="536" y="312"/>
-                    <a:pt x="536" y="564"/>
-                    <a:pt x="757" y="722"/>
-                  </a:cubicBezTo>
-                  <a:cubicBezTo>
-                    <a:pt x="1103" y="1100"/>
-                    <a:pt x="1103" y="1446"/>
-                    <a:pt x="757" y="1761"/>
-                  </a:cubicBezTo>
-                  <a:cubicBezTo>
-                    <a:pt x="32" y="2392"/>
-                    <a:pt x="1" y="3368"/>
-                    <a:pt x="757" y="4030"/>
-                  </a:cubicBezTo>
-                  <a:cubicBezTo>
-                    <a:pt x="832" y="4105"/>
-                    <a:pt x="929" y="4144"/>
-                    <a:pt x="1026" y="4144"/>
-                  </a:cubicBezTo>
-                  <a:cubicBezTo>
-                    <a:pt x="1133" y="4144"/>
-                    <a:pt x="1242" y="4097"/>
-                    <a:pt x="1324" y="3998"/>
-                  </a:cubicBezTo>
-                  <a:cubicBezTo>
-                    <a:pt x="1859" y="3463"/>
-                    <a:pt x="473" y="3179"/>
-                    <a:pt x="1292" y="2392"/>
-                  </a:cubicBezTo>
-                  <a:cubicBezTo>
-                    <a:pt x="2017" y="1761"/>
-                    <a:pt x="2049" y="785"/>
-                    <a:pt x="1292" y="92"/>
-                  </a:cubicBezTo>
-                  <a:cubicBezTo>
-                    <a:pt x="1229" y="28"/>
-                    <a:pt x="1145" y="0"/>
-                    <a:pt x="1057" y="0"/>
-                  </a:cubicBezTo>
-                  <a:close/>
-                </a:path>
-              </a:pathLst>
-            </a:custGeom>
-            <a:solidFill>
-              <a:srgbClr val="5F7D95"/>
-            </a:solidFill>
-            <a:ln>
-              <a:noFill/>
-            </a:ln>
-          </p:spPr>
-          <p:txBody>
-            <a:bodyPr spcFirstLastPara="1" wrap="square" lIns="91425" tIns="91425" rIns="91425" bIns="91425" anchor="ctr" anchorCtr="0">
-              <a:noAutofit/>
-            </a:bodyPr>
-            <a:lstStyle/>
-            <a:p>
-              <a:pPr marL="0" marR="0" lvl="0" indent="0" algn="l" rtl="0">
-                <a:lnSpc>
-                  <a:spcPct val="100000"/>
-                </a:lnSpc>
-                <a:spcBef>
-                  <a:spcPts val="0"/>
-                </a:spcBef>
-                <a:spcAft>
-                  <a:spcPts val="0"/>
-                </a:spcAft>
-                <a:buClr>
-                  <a:srgbClr val="000000"/>
-                </a:buClr>
-                <a:buSzPts val="1400"/>
-                <a:buFont typeface="Arial"/>
-                <a:buNone/>
-              </a:pPr>
-              <a:endParaRPr sz="1400" b="0" i="0" u="none" strike="noStrike" cap="none">
-                <a:solidFill>
-                  <a:srgbClr val="000000"/>
-                </a:solidFill>
-                <a:latin typeface="Arial"/>
-                <a:ea typeface="Arial"/>
-                <a:cs typeface="Arial"/>
-                <a:sym typeface="Arial"/>
-              </a:endParaRPr>
-            </a:p>
-          </p:txBody>
-        </p:sp>
-        <p:sp>
-          <p:nvSpPr>
-            <p:cNvPr id="394" name="Google Shape;394;p20"/>
-            <p:cNvSpPr/>
-            <p:nvPr/>
-          </p:nvSpPr>
-          <p:spPr>
-            <a:xfrm>
-              <a:off x="-60094675" y="1938025"/>
-              <a:ext cx="51225" cy="103625"/>
-            </a:xfrm>
-            <a:custGeom>
-              <a:avLst/>
-              <a:gdLst/>
-              <a:ahLst/>
-              <a:cxnLst/>
-              <a:rect l="l" t="t" r="r" b="b"/>
-              <a:pathLst>
-                <a:path w="2049" h="4145" extrusionOk="0">
-                  <a:moveTo>
-                    <a:pt x="1056" y="0"/>
-                  </a:moveTo>
-                  <a:cubicBezTo>
-                    <a:pt x="926" y="0"/>
-                    <a:pt x="788" y="61"/>
-                    <a:pt x="694" y="155"/>
-                  </a:cubicBezTo>
-                  <a:cubicBezTo>
-                    <a:pt x="536" y="312"/>
-                    <a:pt x="536" y="564"/>
-                    <a:pt x="725" y="722"/>
-                  </a:cubicBezTo>
-                  <a:cubicBezTo>
-                    <a:pt x="1103" y="1100"/>
-                    <a:pt x="1103" y="1446"/>
-                    <a:pt x="725" y="1761"/>
-                  </a:cubicBezTo>
-                  <a:cubicBezTo>
-                    <a:pt x="32" y="2392"/>
-                    <a:pt x="1" y="3368"/>
-                    <a:pt x="725" y="4030"/>
-                  </a:cubicBezTo>
-                  <a:cubicBezTo>
-                    <a:pt x="800" y="4105"/>
-                    <a:pt x="904" y="4144"/>
-                    <a:pt x="1009" y="4144"/>
-                  </a:cubicBezTo>
-                  <a:cubicBezTo>
-                    <a:pt x="1125" y="4144"/>
-                    <a:pt x="1241" y="4097"/>
-                    <a:pt x="1324" y="3998"/>
-                  </a:cubicBezTo>
-                  <a:cubicBezTo>
-                    <a:pt x="1481" y="3841"/>
-                    <a:pt x="1481" y="3557"/>
-                    <a:pt x="1292" y="3400"/>
-                  </a:cubicBezTo>
-                  <a:cubicBezTo>
-                    <a:pt x="946" y="3085"/>
-                    <a:pt x="946" y="2707"/>
-                    <a:pt x="1292" y="2392"/>
-                  </a:cubicBezTo>
-                  <a:cubicBezTo>
-                    <a:pt x="1985" y="1761"/>
-                    <a:pt x="2048" y="785"/>
-                    <a:pt x="1292" y="92"/>
-                  </a:cubicBezTo>
-                  <a:cubicBezTo>
-                    <a:pt x="1229" y="28"/>
-                    <a:pt x="1145" y="0"/>
-                    <a:pt x="1056" y="0"/>
-                  </a:cubicBezTo>
-                  <a:close/>
-                </a:path>
-              </a:pathLst>
-            </a:custGeom>
-            <a:solidFill>
-              <a:srgbClr val="5F7D95"/>
-            </a:solidFill>
-            <a:ln>
-              <a:noFill/>
-            </a:ln>
-          </p:spPr>
-          <p:txBody>
-            <a:bodyPr spcFirstLastPara="1" wrap="square" lIns="91425" tIns="91425" rIns="91425" bIns="91425" anchor="ctr" anchorCtr="0">
-              <a:noAutofit/>
-            </a:bodyPr>
-            <a:lstStyle/>
-            <a:p>
-              <a:pPr marL="0" marR="0" lvl="0" indent="0" algn="l" rtl="0">
-                <a:lnSpc>
-                  <a:spcPct val="100000"/>
-                </a:lnSpc>
-                <a:spcBef>
-                  <a:spcPts val="0"/>
-                </a:spcBef>
-                <a:spcAft>
-                  <a:spcPts val="0"/>
-                </a:spcAft>
-                <a:buClr>
-                  <a:srgbClr val="000000"/>
-                </a:buClr>
-                <a:buSzPts val="1400"/>
-                <a:buFont typeface="Arial"/>
-                <a:buNone/>
-              </a:pPr>
-              <a:endParaRPr sz="1400" b="0" i="0" u="none" strike="noStrike" cap="none">
-                <a:solidFill>
-                  <a:srgbClr val="000000"/>
-                </a:solidFill>
-                <a:latin typeface="Arial"/>
-                <a:ea typeface="Arial"/>
-                <a:cs typeface="Arial"/>
-                <a:sym typeface="Arial"/>
-              </a:endParaRPr>
-            </a:p>
-          </p:txBody>
-        </p:sp>
-      </p:grpSp>
-      <p:pic>
-        <p:nvPicPr>
-          <p:cNvPr id="395" name="Google Shape;395;p20"/>
-          <p:cNvPicPr preferRelativeResize="0"/>
-          <p:nvPr/>
-        </p:nvPicPr>
-        <p:blipFill rotWithShape="1">
-          <a:blip r:embed="rId3">
-            <a:alphaModFix/>
-          </a:blip>
-          <a:srcRect/>
-          <a:stretch/>
-        </p:blipFill>
-        <p:spPr>
-          <a:xfrm>
-            <a:off x="0" y="0"/>
-            <a:ext cx="6161443" cy="5143499"/>
-          </a:xfrm>
-          <a:prstGeom prst="rect">
-            <a:avLst/>
-          </a:prstGeom>
-          <a:noFill/>
-          <a:ln>
-            <a:noFill/>
-          </a:ln>
         </p:spPr>
       </p:pic>
     </p:spTree>
@@ -23951,10 +24235,739 @@
   <p:transition spd="slow">
     <p:wipe/>
   </p:transition>
+  <p:timing>
+    <p:tnLst>
+      <p:par>
+        <p:cTn id="1" dur="indefinite" restart="never" nodeType="tmRoot"/>
+      </p:par>
+    </p:tnLst>
+  </p:timing>
 </p:sld>
 </file>
 
 <file path=ppt/slides/slide20.xml><?xml version="1.0" encoding="utf-8"?>
+<p:sld xmlns:a="http://schemas.openxmlformats.org/drawingml/2006/main" xmlns:r="http://schemas.openxmlformats.org/officeDocument/2006/relationships" xmlns:p="http://schemas.openxmlformats.org/presentationml/2006/main">
+  <p:cSld>
+    <p:spTree>
+      <p:nvGrpSpPr>
+        <p:cNvPr id="1" name="Shape 387"/>
+        <p:cNvGrpSpPr/>
+        <p:nvPr/>
+      </p:nvGrpSpPr>
+      <p:grpSpPr>
+        <a:xfrm>
+          <a:off x="0" y="0"/>
+          <a:ext cx="0" cy="0"/>
+          <a:chOff x="0" y="0"/>
+          <a:chExt cx="0" cy="0"/>
+        </a:xfrm>
+      </p:grpSpPr>
+      <p:sp>
+        <p:nvSpPr>
+          <p:cNvPr id="388" name="Google Shape;388;p20"/>
+          <p:cNvSpPr txBox="1">
+            <a:spLocks noGrp="1"/>
+          </p:cNvSpPr>
+          <p:nvPr>
+            <p:ph type="ctrTitle"/>
+          </p:nvPr>
+        </p:nvSpPr>
+        <p:spPr>
+          <a:xfrm>
+            <a:off x="6400800" y="0"/>
+            <a:ext cx="1925618" cy="3474720"/>
+          </a:xfrm>
+          <a:prstGeom prst="rect">
+            <a:avLst/>
+          </a:prstGeom>
+          <a:noFill/>
+          <a:ln>
+            <a:noFill/>
+          </a:ln>
+        </p:spPr>
+        <p:txBody>
+          <a:bodyPr spcFirstLastPara="1" wrap="square" lIns="91425" tIns="91425" rIns="91425" bIns="91425" anchor="ctr" anchorCtr="0">
+            <a:noAutofit/>
+          </a:bodyPr>
+          <a:lstStyle/>
+          <a:p>
+            <a:pPr marL="0" lvl="0" indent="0" algn="ctr" rtl="0">
+              <a:lnSpc>
+                <a:spcPct val="100000"/>
+              </a:lnSpc>
+              <a:spcBef>
+                <a:spcPts val="0"/>
+              </a:spcBef>
+              <a:spcAft>
+                <a:spcPts val="0"/>
+              </a:spcAft>
+              <a:buSzPts val="5200"/>
+              <a:buNone/>
+            </a:pPr>
+            <a:r>
+              <a:rPr lang="en-US" sz="2800" b="1"/>
+              <a:t>Quy trình nhập kho</a:t>
+            </a:r>
+            <a:endParaRPr sz="2800" b="1"/>
+          </a:p>
+        </p:txBody>
+      </p:sp>
+      <p:sp>
+        <p:nvSpPr>
+          <p:cNvPr id="389" name="Google Shape;389;p20"/>
+          <p:cNvSpPr txBox="1">
+            <a:spLocks noGrp="1"/>
+          </p:cNvSpPr>
+          <p:nvPr>
+            <p:ph type="subTitle" idx="1"/>
+          </p:nvPr>
+        </p:nvSpPr>
+        <p:spPr>
+          <a:xfrm>
+            <a:off x="2247237" y="3538459"/>
+            <a:ext cx="4539000" cy="621600"/>
+          </a:xfrm>
+          <a:prstGeom prst="rect">
+            <a:avLst/>
+          </a:prstGeom>
+          <a:noFill/>
+          <a:ln>
+            <a:noFill/>
+          </a:ln>
+        </p:spPr>
+        <p:txBody>
+          <a:bodyPr spcFirstLastPara="1" wrap="square" lIns="91425" tIns="91425" rIns="91425" bIns="91425" anchor="t" anchorCtr="0">
+            <a:noAutofit/>
+          </a:bodyPr>
+          <a:lstStyle/>
+          <a:p>
+            <a:pPr marL="0" lvl="0" indent="0" algn="ctr" rtl="0">
+              <a:lnSpc>
+                <a:spcPct val="100000"/>
+              </a:lnSpc>
+              <a:spcBef>
+                <a:spcPts val="0"/>
+              </a:spcBef>
+              <a:spcAft>
+                <a:spcPts val="0"/>
+              </a:spcAft>
+              <a:buSzPts val="2800"/>
+              <a:buNone/>
+            </a:pPr>
+            <a:endParaRPr sz="2000"/>
+          </a:p>
+          <a:p>
+            <a:pPr marL="0" lvl="0" indent="0" algn="ctr" rtl="0">
+              <a:lnSpc>
+                <a:spcPct val="100000"/>
+              </a:lnSpc>
+              <a:spcBef>
+                <a:spcPts val="0"/>
+              </a:spcBef>
+              <a:spcAft>
+                <a:spcPts val="0"/>
+              </a:spcAft>
+              <a:buSzPts val="2800"/>
+              <a:buNone/>
+            </a:pPr>
+            <a:endParaRPr/>
+          </a:p>
+        </p:txBody>
+      </p:sp>
+      <p:grpSp>
+        <p:nvGrpSpPr>
+          <p:cNvPr id="390" name="Google Shape;390;p20"/>
+          <p:cNvGrpSpPr/>
+          <p:nvPr/>
+        </p:nvGrpSpPr>
+        <p:grpSpPr>
+          <a:xfrm>
+            <a:off x="3929960" y="2905328"/>
+            <a:ext cx="1511031" cy="473412"/>
+            <a:chOff x="-60254550" y="1938025"/>
+            <a:chExt cx="317425" cy="318925"/>
+          </a:xfrm>
+        </p:grpSpPr>
+        <p:sp>
+          <p:nvSpPr>
+            <p:cNvPr id="391" name="Google Shape;391;p20"/>
+            <p:cNvSpPr/>
+            <p:nvPr/>
+          </p:nvSpPr>
+          <p:spPr>
+            <a:xfrm>
+              <a:off x="-60254550" y="2049000"/>
+              <a:ext cx="317425" cy="207950"/>
+            </a:xfrm>
+            <a:custGeom>
+              <a:avLst/>
+              <a:gdLst/>
+              <a:ahLst/>
+              <a:cxnLst/>
+              <a:rect l="l" t="t" r="r" b="b"/>
+              <a:pathLst>
+                <a:path w="12697" h="8318" extrusionOk="0">
+                  <a:moveTo>
+                    <a:pt x="10428" y="1639"/>
+                  </a:moveTo>
+                  <a:cubicBezTo>
+                    <a:pt x="11184" y="1639"/>
+                    <a:pt x="11814" y="2269"/>
+                    <a:pt x="11814" y="3025"/>
+                  </a:cubicBezTo>
+                  <a:cubicBezTo>
+                    <a:pt x="11814" y="3781"/>
+                    <a:pt x="11184" y="4411"/>
+                    <a:pt x="10428" y="4411"/>
+                  </a:cubicBezTo>
+                  <a:lnTo>
+                    <a:pt x="9767" y="4411"/>
+                  </a:lnTo>
+                  <a:cubicBezTo>
+                    <a:pt x="9861" y="4033"/>
+                    <a:pt x="9893" y="3686"/>
+                    <a:pt x="9893" y="3308"/>
+                  </a:cubicBezTo>
+                  <a:lnTo>
+                    <a:pt x="9893" y="1639"/>
+                  </a:lnTo>
+                  <a:close/>
+                  <a:moveTo>
+                    <a:pt x="9073" y="819"/>
+                  </a:moveTo>
+                  <a:lnTo>
+                    <a:pt x="9073" y="3308"/>
+                  </a:lnTo>
+                  <a:cubicBezTo>
+                    <a:pt x="9073" y="5577"/>
+                    <a:pt x="7215" y="7435"/>
+                    <a:pt x="4915" y="7435"/>
+                  </a:cubicBezTo>
+                  <a:cubicBezTo>
+                    <a:pt x="2646" y="7435"/>
+                    <a:pt x="788" y="5577"/>
+                    <a:pt x="788" y="3308"/>
+                  </a:cubicBezTo>
+                  <a:lnTo>
+                    <a:pt x="788" y="819"/>
+                  </a:lnTo>
+                  <a:close/>
+                  <a:moveTo>
+                    <a:pt x="410" y="0"/>
+                  </a:moveTo>
+                  <a:cubicBezTo>
+                    <a:pt x="158" y="0"/>
+                    <a:pt x="0" y="189"/>
+                    <a:pt x="0" y="441"/>
+                  </a:cubicBezTo>
+                  <a:lnTo>
+                    <a:pt x="0" y="3308"/>
+                  </a:lnTo>
+                  <a:cubicBezTo>
+                    <a:pt x="0" y="5041"/>
+                    <a:pt x="882" y="6522"/>
+                    <a:pt x="2205" y="7435"/>
+                  </a:cubicBezTo>
+                  <a:lnTo>
+                    <a:pt x="410" y="7435"/>
+                  </a:lnTo>
+                  <a:cubicBezTo>
+                    <a:pt x="158" y="7435"/>
+                    <a:pt x="0" y="7624"/>
+                    <a:pt x="0" y="7877"/>
+                  </a:cubicBezTo>
+                  <a:cubicBezTo>
+                    <a:pt x="0" y="8097"/>
+                    <a:pt x="189" y="8318"/>
+                    <a:pt x="410" y="8318"/>
+                  </a:cubicBezTo>
+                  <a:lnTo>
+                    <a:pt x="9483" y="8318"/>
+                  </a:lnTo>
+                  <a:cubicBezTo>
+                    <a:pt x="9735" y="8318"/>
+                    <a:pt x="9893" y="8097"/>
+                    <a:pt x="9893" y="7877"/>
+                  </a:cubicBezTo>
+                  <a:cubicBezTo>
+                    <a:pt x="9893" y="7624"/>
+                    <a:pt x="9704" y="7435"/>
+                    <a:pt x="9483" y="7435"/>
+                  </a:cubicBezTo>
+                  <a:lnTo>
+                    <a:pt x="7687" y="7435"/>
+                  </a:lnTo>
+                  <a:cubicBezTo>
+                    <a:pt x="8506" y="6900"/>
+                    <a:pt x="9137" y="6144"/>
+                    <a:pt x="9546" y="5230"/>
+                  </a:cubicBezTo>
+                  <a:lnTo>
+                    <a:pt x="10491" y="5230"/>
+                  </a:lnTo>
+                  <a:cubicBezTo>
+                    <a:pt x="11688" y="5230"/>
+                    <a:pt x="12697" y="4253"/>
+                    <a:pt x="12697" y="3025"/>
+                  </a:cubicBezTo>
+                  <a:cubicBezTo>
+                    <a:pt x="12697" y="1796"/>
+                    <a:pt x="11657" y="819"/>
+                    <a:pt x="10428" y="819"/>
+                  </a:cubicBezTo>
+                  <a:lnTo>
+                    <a:pt x="9893" y="819"/>
+                  </a:lnTo>
+                  <a:lnTo>
+                    <a:pt x="9893" y="441"/>
+                  </a:lnTo>
+                  <a:cubicBezTo>
+                    <a:pt x="9893" y="189"/>
+                    <a:pt x="9704" y="0"/>
+                    <a:pt x="9483" y="0"/>
+                  </a:cubicBezTo>
+                  <a:close/>
+                </a:path>
+              </a:pathLst>
+            </a:custGeom>
+            <a:solidFill>
+              <a:srgbClr val="5F7D95"/>
+            </a:solidFill>
+            <a:ln>
+              <a:noFill/>
+            </a:ln>
+          </p:spPr>
+          <p:txBody>
+            <a:bodyPr spcFirstLastPara="1" wrap="square" lIns="91425" tIns="91425" rIns="91425" bIns="91425" anchor="ctr" anchorCtr="0">
+              <a:noAutofit/>
+            </a:bodyPr>
+            <a:lstStyle/>
+            <a:p>
+              <a:pPr marL="0" marR="0" lvl="0" indent="0" algn="l" rtl="0">
+                <a:lnSpc>
+                  <a:spcPct val="100000"/>
+                </a:lnSpc>
+                <a:spcBef>
+                  <a:spcPts val="0"/>
+                </a:spcBef>
+                <a:spcAft>
+                  <a:spcPts val="0"/>
+                </a:spcAft>
+                <a:buClr>
+                  <a:srgbClr val="000000"/>
+                </a:buClr>
+                <a:buSzPts val="1400"/>
+                <a:buFont typeface="Arial"/>
+                <a:buNone/>
+              </a:pPr>
+              <a:endParaRPr sz="1400" b="0" i="0" u="none" strike="noStrike" cap="none">
+                <a:solidFill>
+                  <a:srgbClr val="000000"/>
+                </a:solidFill>
+                <a:latin typeface="Arial"/>
+                <a:ea typeface="Arial"/>
+                <a:cs typeface="Arial"/>
+                <a:sym typeface="Arial"/>
+              </a:endParaRPr>
+            </a:p>
+          </p:txBody>
+        </p:sp>
+        <p:sp>
+          <p:nvSpPr>
+            <p:cNvPr id="392" name="Google Shape;392;p20"/>
+            <p:cNvSpPr/>
+            <p:nvPr/>
+          </p:nvSpPr>
+          <p:spPr>
+            <a:xfrm>
+              <a:off x="-60219125" y="1938025"/>
+              <a:ext cx="51225" cy="103625"/>
+            </a:xfrm>
+            <a:custGeom>
+              <a:avLst/>
+              <a:gdLst/>
+              <a:ahLst/>
+              <a:cxnLst/>
+              <a:rect l="l" t="t" r="r" b="b"/>
+              <a:pathLst>
+                <a:path w="2049" h="4145" extrusionOk="0">
+                  <a:moveTo>
+                    <a:pt x="1068" y="0"/>
+                  </a:moveTo>
+                  <a:cubicBezTo>
+                    <a:pt x="947" y="0"/>
+                    <a:pt x="819" y="61"/>
+                    <a:pt x="725" y="155"/>
+                  </a:cubicBezTo>
+                  <a:cubicBezTo>
+                    <a:pt x="568" y="312"/>
+                    <a:pt x="568" y="564"/>
+                    <a:pt x="757" y="722"/>
+                  </a:cubicBezTo>
+                  <a:cubicBezTo>
+                    <a:pt x="1103" y="1100"/>
+                    <a:pt x="1103" y="1446"/>
+                    <a:pt x="757" y="1761"/>
+                  </a:cubicBezTo>
+                  <a:cubicBezTo>
+                    <a:pt x="32" y="2392"/>
+                    <a:pt x="1" y="3368"/>
+                    <a:pt x="757" y="4030"/>
+                  </a:cubicBezTo>
+                  <a:cubicBezTo>
+                    <a:pt x="832" y="4105"/>
+                    <a:pt x="936" y="4144"/>
+                    <a:pt x="1041" y="4144"/>
+                  </a:cubicBezTo>
+                  <a:cubicBezTo>
+                    <a:pt x="1156" y="4144"/>
+                    <a:pt x="1273" y="4097"/>
+                    <a:pt x="1356" y="3998"/>
+                  </a:cubicBezTo>
+                  <a:cubicBezTo>
+                    <a:pt x="1513" y="3841"/>
+                    <a:pt x="1513" y="3557"/>
+                    <a:pt x="1292" y="3400"/>
+                  </a:cubicBezTo>
+                  <a:cubicBezTo>
+                    <a:pt x="946" y="3085"/>
+                    <a:pt x="946" y="2707"/>
+                    <a:pt x="1292" y="2392"/>
+                  </a:cubicBezTo>
+                  <a:cubicBezTo>
+                    <a:pt x="2017" y="1761"/>
+                    <a:pt x="2049" y="785"/>
+                    <a:pt x="1292" y="92"/>
+                  </a:cubicBezTo>
+                  <a:cubicBezTo>
+                    <a:pt x="1229" y="28"/>
+                    <a:pt x="1150" y="0"/>
+                    <a:pt x="1068" y="0"/>
+                  </a:cubicBezTo>
+                  <a:close/>
+                </a:path>
+              </a:pathLst>
+            </a:custGeom>
+            <a:solidFill>
+              <a:srgbClr val="5F7D95"/>
+            </a:solidFill>
+            <a:ln>
+              <a:noFill/>
+            </a:ln>
+          </p:spPr>
+          <p:txBody>
+            <a:bodyPr spcFirstLastPara="1" wrap="square" lIns="91425" tIns="91425" rIns="91425" bIns="91425" anchor="ctr" anchorCtr="0">
+              <a:noAutofit/>
+            </a:bodyPr>
+            <a:lstStyle/>
+            <a:p>
+              <a:pPr marL="0" marR="0" lvl="0" indent="0" algn="l" rtl="0">
+                <a:lnSpc>
+                  <a:spcPct val="100000"/>
+                </a:lnSpc>
+                <a:spcBef>
+                  <a:spcPts val="0"/>
+                </a:spcBef>
+                <a:spcAft>
+                  <a:spcPts val="0"/>
+                </a:spcAft>
+                <a:buClr>
+                  <a:srgbClr val="000000"/>
+                </a:buClr>
+                <a:buSzPts val="1400"/>
+                <a:buFont typeface="Arial"/>
+                <a:buNone/>
+              </a:pPr>
+              <a:endParaRPr sz="1400" b="0" i="0" u="none" strike="noStrike" cap="none">
+                <a:solidFill>
+                  <a:srgbClr val="000000"/>
+                </a:solidFill>
+                <a:latin typeface="Arial"/>
+                <a:ea typeface="Arial"/>
+                <a:cs typeface="Arial"/>
+                <a:sym typeface="Arial"/>
+              </a:endParaRPr>
+            </a:p>
+          </p:txBody>
+        </p:sp>
+        <p:sp>
+          <p:nvSpPr>
+            <p:cNvPr id="393" name="Google Shape;393;p20"/>
+            <p:cNvSpPr/>
+            <p:nvPr/>
+          </p:nvSpPr>
+          <p:spPr>
+            <a:xfrm>
+              <a:off x="-60156900" y="1938025"/>
+              <a:ext cx="51225" cy="103625"/>
+            </a:xfrm>
+            <a:custGeom>
+              <a:avLst/>
+              <a:gdLst/>
+              <a:ahLst/>
+              <a:cxnLst/>
+              <a:rect l="l" t="t" r="r" b="b"/>
+              <a:pathLst>
+                <a:path w="2049" h="4145" extrusionOk="0">
+                  <a:moveTo>
+                    <a:pt x="1057" y="0"/>
+                  </a:moveTo>
+                  <a:cubicBezTo>
+                    <a:pt x="926" y="0"/>
+                    <a:pt x="788" y="61"/>
+                    <a:pt x="694" y="155"/>
+                  </a:cubicBezTo>
+                  <a:cubicBezTo>
+                    <a:pt x="536" y="312"/>
+                    <a:pt x="536" y="564"/>
+                    <a:pt x="757" y="722"/>
+                  </a:cubicBezTo>
+                  <a:cubicBezTo>
+                    <a:pt x="1103" y="1100"/>
+                    <a:pt x="1103" y="1446"/>
+                    <a:pt x="757" y="1761"/>
+                  </a:cubicBezTo>
+                  <a:cubicBezTo>
+                    <a:pt x="32" y="2392"/>
+                    <a:pt x="1" y="3368"/>
+                    <a:pt x="757" y="4030"/>
+                  </a:cubicBezTo>
+                  <a:cubicBezTo>
+                    <a:pt x="832" y="4105"/>
+                    <a:pt x="929" y="4144"/>
+                    <a:pt x="1026" y="4144"/>
+                  </a:cubicBezTo>
+                  <a:cubicBezTo>
+                    <a:pt x="1133" y="4144"/>
+                    <a:pt x="1242" y="4097"/>
+                    <a:pt x="1324" y="3998"/>
+                  </a:cubicBezTo>
+                  <a:cubicBezTo>
+                    <a:pt x="1859" y="3463"/>
+                    <a:pt x="473" y="3179"/>
+                    <a:pt x="1292" y="2392"/>
+                  </a:cubicBezTo>
+                  <a:cubicBezTo>
+                    <a:pt x="2017" y="1761"/>
+                    <a:pt x="2049" y="785"/>
+                    <a:pt x="1292" y="92"/>
+                  </a:cubicBezTo>
+                  <a:cubicBezTo>
+                    <a:pt x="1229" y="28"/>
+                    <a:pt x="1145" y="0"/>
+                    <a:pt x="1057" y="0"/>
+                  </a:cubicBezTo>
+                  <a:close/>
+                </a:path>
+              </a:pathLst>
+            </a:custGeom>
+            <a:solidFill>
+              <a:srgbClr val="5F7D95"/>
+            </a:solidFill>
+            <a:ln>
+              <a:noFill/>
+            </a:ln>
+          </p:spPr>
+          <p:txBody>
+            <a:bodyPr spcFirstLastPara="1" wrap="square" lIns="91425" tIns="91425" rIns="91425" bIns="91425" anchor="ctr" anchorCtr="0">
+              <a:noAutofit/>
+            </a:bodyPr>
+            <a:lstStyle/>
+            <a:p>
+              <a:pPr marL="0" marR="0" lvl="0" indent="0" algn="l" rtl="0">
+                <a:lnSpc>
+                  <a:spcPct val="100000"/>
+                </a:lnSpc>
+                <a:spcBef>
+                  <a:spcPts val="0"/>
+                </a:spcBef>
+                <a:spcAft>
+                  <a:spcPts val="0"/>
+                </a:spcAft>
+                <a:buClr>
+                  <a:srgbClr val="000000"/>
+                </a:buClr>
+                <a:buSzPts val="1400"/>
+                <a:buFont typeface="Arial"/>
+                <a:buNone/>
+              </a:pPr>
+              <a:endParaRPr sz="1400" b="0" i="0" u="none" strike="noStrike" cap="none">
+                <a:solidFill>
+                  <a:srgbClr val="000000"/>
+                </a:solidFill>
+                <a:latin typeface="Arial"/>
+                <a:ea typeface="Arial"/>
+                <a:cs typeface="Arial"/>
+                <a:sym typeface="Arial"/>
+              </a:endParaRPr>
+            </a:p>
+          </p:txBody>
+        </p:sp>
+        <p:sp>
+          <p:nvSpPr>
+            <p:cNvPr id="394" name="Google Shape;394;p20"/>
+            <p:cNvSpPr/>
+            <p:nvPr/>
+          </p:nvSpPr>
+          <p:spPr>
+            <a:xfrm>
+              <a:off x="-60094675" y="1938025"/>
+              <a:ext cx="51225" cy="103625"/>
+            </a:xfrm>
+            <a:custGeom>
+              <a:avLst/>
+              <a:gdLst/>
+              <a:ahLst/>
+              <a:cxnLst/>
+              <a:rect l="l" t="t" r="r" b="b"/>
+              <a:pathLst>
+                <a:path w="2049" h="4145" extrusionOk="0">
+                  <a:moveTo>
+                    <a:pt x="1056" y="0"/>
+                  </a:moveTo>
+                  <a:cubicBezTo>
+                    <a:pt x="926" y="0"/>
+                    <a:pt x="788" y="61"/>
+                    <a:pt x="694" y="155"/>
+                  </a:cubicBezTo>
+                  <a:cubicBezTo>
+                    <a:pt x="536" y="312"/>
+                    <a:pt x="536" y="564"/>
+                    <a:pt x="725" y="722"/>
+                  </a:cubicBezTo>
+                  <a:cubicBezTo>
+                    <a:pt x="1103" y="1100"/>
+                    <a:pt x="1103" y="1446"/>
+                    <a:pt x="725" y="1761"/>
+                  </a:cubicBezTo>
+                  <a:cubicBezTo>
+                    <a:pt x="32" y="2392"/>
+                    <a:pt x="1" y="3368"/>
+                    <a:pt x="725" y="4030"/>
+                  </a:cubicBezTo>
+                  <a:cubicBezTo>
+                    <a:pt x="800" y="4105"/>
+                    <a:pt x="904" y="4144"/>
+                    <a:pt x="1009" y="4144"/>
+                  </a:cubicBezTo>
+                  <a:cubicBezTo>
+                    <a:pt x="1125" y="4144"/>
+                    <a:pt x="1241" y="4097"/>
+                    <a:pt x="1324" y="3998"/>
+                  </a:cubicBezTo>
+                  <a:cubicBezTo>
+                    <a:pt x="1481" y="3841"/>
+                    <a:pt x="1481" y="3557"/>
+                    <a:pt x="1292" y="3400"/>
+                  </a:cubicBezTo>
+                  <a:cubicBezTo>
+                    <a:pt x="946" y="3085"/>
+                    <a:pt x="946" y="2707"/>
+                    <a:pt x="1292" y="2392"/>
+                  </a:cubicBezTo>
+                  <a:cubicBezTo>
+                    <a:pt x="1985" y="1761"/>
+                    <a:pt x="2048" y="785"/>
+                    <a:pt x="1292" y="92"/>
+                  </a:cubicBezTo>
+                  <a:cubicBezTo>
+                    <a:pt x="1229" y="28"/>
+                    <a:pt x="1145" y="0"/>
+                    <a:pt x="1056" y="0"/>
+                  </a:cubicBezTo>
+                  <a:close/>
+                </a:path>
+              </a:pathLst>
+            </a:custGeom>
+            <a:solidFill>
+              <a:srgbClr val="5F7D95"/>
+            </a:solidFill>
+            <a:ln>
+              <a:noFill/>
+            </a:ln>
+          </p:spPr>
+          <p:txBody>
+            <a:bodyPr spcFirstLastPara="1" wrap="square" lIns="91425" tIns="91425" rIns="91425" bIns="91425" anchor="ctr" anchorCtr="0">
+              <a:noAutofit/>
+            </a:bodyPr>
+            <a:lstStyle/>
+            <a:p>
+              <a:pPr marL="0" marR="0" lvl="0" indent="0" algn="l" rtl="0">
+                <a:lnSpc>
+                  <a:spcPct val="100000"/>
+                </a:lnSpc>
+                <a:spcBef>
+                  <a:spcPts val="0"/>
+                </a:spcBef>
+                <a:spcAft>
+                  <a:spcPts val="0"/>
+                </a:spcAft>
+                <a:buClr>
+                  <a:srgbClr val="000000"/>
+                </a:buClr>
+                <a:buSzPts val="1400"/>
+                <a:buFont typeface="Arial"/>
+                <a:buNone/>
+              </a:pPr>
+              <a:endParaRPr sz="1400" b="0" i="0" u="none" strike="noStrike" cap="none">
+                <a:solidFill>
+                  <a:srgbClr val="000000"/>
+                </a:solidFill>
+                <a:latin typeface="Arial"/>
+                <a:ea typeface="Arial"/>
+                <a:cs typeface="Arial"/>
+                <a:sym typeface="Arial"/>
+              </a:endParaRPr>
+            </a:p>
+          </p:txBody>
+        </p:sp>
+      </p:grpSp>
+      <p:pic>
+        <p:nvPicPr>
+          <p:cNvPr id="395" name="Google Shape;395;p20"/>
+          <p:cNvPicPr preferRelativeResize="0"/>
+          <p:nvPr/>
+        </p:nvPicPr>
+        <p:blipFill rotWithShape="1">
+          <a:blip r:embed="rId3">
+            <a:alphaModFix/>
+          </a:blip>
+          <a:srcRect/>
+          <a:stretch/>
+        </p:blipFill>
+        <p:spPr>
+          <a:xfrm>
+            <a:off x="0" y="0"/>
+            <a:ext cx="6161443" cy="5143499"/>
+          </a:xfrm>
+          <a:prstGeom prst="rect">
+            <a:avLst/>
+          </a:prstGeom>
+          <a:noFill/>
+          <a:ln>
+            <a:noFill/>
+          </a:ln>
+        </p:spPr>
+      </p:pic>
+    </p:spTree>
+  </p:cSld>
+  <p:clrMapOvr>
+    <a:masterClrMapping/>
+  </p:clrMapOvr>
+  <p:transition spd="slow">
+    <p:wipe/>
+  </p:transition>
+  <p:timing>
+    <p:tnLst>
+      <p:par>
+        <p:cTn id="1" dur="indefinite" restart="never" nodeType="tmRoot"/>
+      </p:par>
+    </p:tnLst>
+  </p:timing>
+</p:sld>
+</file>
+
+<file path=ppt/slides/slide21.xml><?xml version="1.0" encoding="utf-8"?>
 <p:sld xmlns:a="http://schemas.openxmlformats.org/drawingml/2006/main" xmlns:r="http://schemas.openxmlformats.org/officeDocument/2006/relationships" xmlns:p="http://schemas.openxmlformats.org/presentationml/2006/main">
   <p:cSld>
     <p:spTree>
@@ -24676,7 +25689,7 @@
 </p:sld>
 </file>
 
-<file path=ppt/slides/slide21.xml><?xml version="1.0" encoding="utf-8"?>
+<file path=ppt/slides/slide22.xml><?xml version="1.0" encoding="utf-8"?>
 <p:sld xmlns:a="http://schemas.openxmlformats.org/drawingml/2006/main" xmlns:r="http://schemas.openxmlformats.org/officeDocument/2006/relationships" xmlns:p="http://schemas.openxmlformats.org/presentationml/2006/main">
   <p:cSld>
     <p:spTree>
@@ -25398,7 +26411,7 @@
 </p:sld>
 </file>
 
-<file path=ppt/slides/slide22.xml><?xml version="1.0" encoding="utf-8"?>
+<file path=ppt/slides/slide23.xml><?xml version="1.0" encoding="utf-8"?>
 <p:sld xmlns:a="http://schemas.openxmlformats.org/drawingml/2006/main" xmlns:r="http://schemas.openxmlformats.org/officeDocument/2006/relationships" xmlns:p="http://schemas.openxmlformats.org/presentationml/2006/main">
   <p:cSld>
     <p:spTree>
@@ -26215,7 +27228,7 @@
 </p:sld>
 </file>
 
-<file path=ppt/slides/slide23.xml><?xml version="1.0" encoding="utf-8"?>
+<file path=ppt/slides/slide24.xml><?xml version="1.0" encoding="utf-8"?>
 <p:sld xmlns:a="http://schemas.openxmlformats.org/drawingml/2006/main" xmlns:r="http://schemas.openxmlformats.org/officeDocument/2006/relationships" xmlns:p="http://schemas.openxmlformats.org/presentationml/2006/main">
   <p:cSld>
     <p:spTree>
@@ -26992,7 +28005,7 @@
 </p:sld>
 </file>
 
-<file path=ppt/slides/slide24.xml><?xml version="1.0" encoding="utf-8"?>
+<file path=ppt/slides/slide25.xml><?xml version="1.0" encoding="utf-8"?>
 <p:sld xmlns:a="http://schemas.openxmlformats.org/drawingml/2006/main" xmlns:r="http://schemas.openxmlformats.org/officeDocument/2006/relationships" xmlns:p="http://schemas.openxmlformats.org/presentationml/2006/main">
   <p:cSld>
     <p:spTree>
@@ -27687,7 +28700,7 @@
 </p:sld>
 </file>
 
-<file path=ppt/slides/slide25.xml><?xml version="1.0" encoding="utf-8"?>
+<file path=ppt/slides/slide26.xml><?xml version="1.0" encoding="utf-8"?>
 <p:sld xmlns:a="http://schemas.openxmlformats.org/drawingml/2006/main" xmlns:r="http://schemas.openxmlformats.org/officeDocument/2006/relationships" xmlns:p="http://schemas.openxmlformats.org/presentationml/2006/main">
   <p:cSld>
     <p:spTree>
@@ -28410,10 +29423,17 @@
   <p:transition spd="slow">
     <p:wipe/>
   </p:transition>
+  <p:timing>
+    <p:tnLst>
+      <p:par>
+        <p:cTn id="1" dur="indefinite" restart="never" nodeType="tmRoot"/>
+      </p:par>
+    </p:tnLst>
+  </p:timing>
 </p:sld>
 </file>
 
-<file path=ppt/slides/slide26.xml><?xml version="1.0" encoding="utf-8"?>
+<file path=ppt/slides/slide27.xml><?xml version="1.0" encoding="utf-8"?>
 <p:sld xmlns:a="http://schemas.openxmlformats.org/drawingml/2006/main" xmlns:r="http://schemas.openxmlformats.org/officeDocument/2006/relationships" xmlns:p="http://schemas.openxmlformats.org/presentationml/2006/main">
   <p:cSld>
     <p:spTree>
@@ -30269,7 +31289,7 @@
 </p:sld>
 </file>
 
-<file path=ppt/slides/slide27.xml><?xml version="1.0" encoding="utf-8"?>
+<file path=ppt/slides/slide28.xml><?xml version="1.0" encoding="utf-8"?>
 <p:sld xmlns:a="http://schemas.openxmlformats.org/drawingml/2006/main" xmlns:r="http://schemas.openxmlformats.org/officeDocument/2006/relationships" xmlns:p="http://schemas.openxmlformats.org/presentationml/2006/main">
   <p:cSld>
     <p:spTree>
@@ -31622,10 +32642,17 @@
   <p:transition spd="slow">
     <p:wipe/>
   </p:transition>
+  <p:timing>
+    <p:tnLst>
+      <p:par>
+        <p:cTn id="1" dur="indefinite" restart="never" nodeType="tmRoot"/>
+      </p:par>
+    </p:tnLst>
+  </p:timing>
 </p:sld>
 </file>
 
-<file path=ppt/slides/slide28.xml><?xml version="1.0" encoding="utf-8"?>
+<file path=ppt/slides/slide29.xml><?xml version="1.0" encoding="utf-8"?>
 <p:sld xmlns:a="http://schemas.openxmlformats.org/drawingml/2006/main" xmlns:r="http://schemas.openxmlformats.org/officeDocument/2006/relationships" xmlns:p="http://schemas.openxmlformats.org/presentationml/2006/main">
   <p:cSld>
     <p:spTree>
@@ -33594,10 +34621,414 @@
   <p:transition spd="slow">
     <p:wipe/>
   </p:transition>
+  <p:timing>
+    <p:tnLst>
+      <p:par>
+        <p:cTn id="1" dur="indefinite" restart="never" nodeType="tmRoot"/>
+      </p:par>
+    </p:tnLst>
+  </p:timing>
 </p:sld>
 </file>
 
-<file path=ppt/slides/slide29.xml><?xml version="1.0" encoding="utf-8"?>
+<file path=ppt/slides/slide3.xml><?xml version="1.0" encoding="utf-8"?>
+<p:sld xmlns:a="http://schemas.openxmlformats.org/drawingml/2006/main" xmlns:r="http://schemas.openxmlformats.org/officeDocument/2006/relationships" xmlns:p="http://schemas.openxmlformats.org/presentationml/2006/main">
+  <p:cSld>
+    <p:spTree>
+      <p:nvGrpSpPr>
+        <p:cNvPr id="1" name="Shape 203"/>
+        <p:cNvGrpSpPr/>
+        <p:nvPr/>
+      </p:nvGrpSpPr>
+      <p:grpSpPr>
+        <a:xfrm>
+          <a:off x="0" y="0"/>
+          <a:ext cx="0" cy="0"/>
+          <a:chOff x="0" y="0"/>
+          <a:chExt cx="0" cy="0"/>
+        </a:xfrm>
+      </p:grpSpPr>
+      <p:sp>
+        <p:nvSpPr>
+          <p:cNvPr id="204" name="Google Shape;204;p3"/>
+          <p:cNvSpPr txBox="1">
+            <a:spLocks noGrp="1"/>
+          </p:cNvSpPr>
+          <p:nvPr>
+            <p:ph type="title"/>
+          </p:nvPr>
+        </p:nvSpPr>
+        <p:spPr>
+          <a:xfrm>
+            <a:off x="3490856" y="2927618"/>
+            <a:ext cx="5567979" cy="2576145"/>
+          </a:xfrm>
+          <a:prstGeom prst="rect">
+            <a:avLst/>
+          </a:prstGeom>
+          <a:noFill/>
+          <a:ln>
+            <a:noFill/>
+          </a:ln>
+        </p:spPr>
+        <p:txBody>
+          <a:bodyPr spcFirstLastPara="1" wrap="square" lIns="91425" tIns="91425" rIns="91425" bIns="91425" anchor="ctr" anchorCtr="0">
+            <a:noAutofit/>
+          </a:bodyPr>
+          <a:lstStyle/>
+          <a:p>
+            <a:pPr marL="400050" lvl="0" indent="-400050" algn="l" rtl="0">
+              <a:lnSpc>
+                <a:spcPct val="100000"/>
+              </a:lnSpc>
+              <a:spcBef>
+                <a:spcPts val="0"/>
+              </a:spcBef>
+              <a:spcAft>
+                <a:spcPts val="0"/>
+              </a:spcAft>
+              <a:buSzPts val="2400"/>
+              <a:buFont typeface="Noto Sans Symbols"/>
+              <a:buChar char="❖"/>
+            </a:pPr>
+            <a:r>
+              <a:rPr lang="en-US" sz="2400" b="0">
+                <a:latin typeface="Times New Roman"/>
+                <a:ea typeface="Times New Roman"/>
+                <a:cs typeface="Times New Roman"/>
+                <a:sym typeface="Times New Roman"/>
+              </a:rPr>
+              <a:t>Lĩnh vực hoạt động kinh doanh chủ yếu của Công ty là sản xuất và phân phối các sản phẩm diệt côn trùng gia dụng và..</a:t>
+            </a:r>
+            <a:r>
+              <a:rPr lang="en-US" sz="2400">
+                <a:latin typeface="Times New Roman"/>
+                <a:ea typeface="Times New Roman"/>
+                <a:cs typeface="Times New Roman"/>
+                <a:sym typeface="Times New Roman"/>
+              </a:rPr>
+              <a:t/>
+            </a:r>
+            <a:br>
+              <a:rPr lang="en-US" sz="2400">
+                <a:latin typeface="Times New Roman"/>
+                <a:ea typeface="Times New Roman"/>
+                <a:cs typeface="Times New Roman"/>
+                <a:sym typeface="Times New Roman"/>
+              </a:rPr>
+            </a:br>
+            <a:endParaRPr sz="2400">
+              <a:latin typeface="Times New Roman"/>
+              <a:ea typeface="Times New Roman"/>
+              <a:cs typeface="Times New Roman"/>
+              <a:sym typeface="Times New Roman"/>
+            </a:endParaRPr>
+          </a:p>
+        </p:txBody>
+      </p:sp>
+      <p:sp>
+        <p:nvSpPr>
+          <p:cNvPr id="205" name="Google Shape;205;p3"/>
+          <p:cNvSpPr txBox="1">
+            <a:spLocks noGrp="1"/>
+          </p:cNvSpPr>
+          <p:nvPr>
+            <p:ph type="subTitle" idx="1"/>
+          </p:nvPr>
+        </p:nvSpPr>
+        <p:spPr>
+          <a:xfrm>
+            <a:off x="3345644" y="1051491"/>
+            <a:ext cx="5798356" cy="2272623"/>
+          </a:xfrm>
+          <a:prstGeom prst="rect">
+            <a:avLst/>
+          </a:prstGeom>
+          <a:noFill/>
+          <a:ln>
+            <a:noFill/>
+          </a:ln>
+        </p:spPr>
+        <p:txBody>
+          <a:bodyPr spcFirstLastPara="1" wrap="square" lIns="91425" tIns="91425" rIns="91425" bIns="91425" anchor="t" anchorCtr="0">
+            <a:noAutofit/>
+          </a:bodyPr>
+          <a:lstStyle/>
+          <a:p>
+            <a:pPr marL="0" lvl="0" indent="0" algn="l" rtl="0">
+              <a:lnSpc>
+                <a:spcPct val="100000"/>
+              </a:lnSpc>
+              <a:spcBef>
+                <a:spcPts val="0"/>
+              </a:spcBef>
+              <a:spcAft>
+                <a:spcPts val="0"/>
+              </a:spcAft>
+              <a:buSzPts val="1800"/>
+              <a:buNone/>
+            </a:pPr>
+            <a:endParaRPr sz="1800">
+              <a:latin typeface="Times New Roman"/>
+              <a:ea typeface="Times New Roman"/>
+              <a:cs typeface="Times New Roman"/>
+              <a:sym typeface="Times New Roman"/>
+            </a:endParaRPr>
+          </a:p>
+          <a:p>
+            <a:pPr marL="342900" lvl="0" indent="-342900" algn="l" rtl="0">
+              <a:lnSpc>
+                <a:spcPct val="100000"/>
+              </a:lnSpc>
+              <a:spcBef>
+                <a:spcPts val="0"/>
+              </a:spcBef>
+              <a:spcAft>
+                <a:spcPts val="0"/>
+              </a:spcAft>
+              <a:buSzPts val="1800"/>
+              <a:buFont typeface="Noto Sans Symbols"/>
+              <a:buChar char="❖"/>
+            </a:pPr>
+            <a:r>
+              <a:rPr lang="en-US" sz="2400">
+                <a:latin typeface="Times New Roman"/>
+                <a:ea typeface="Times New Roman"/>
+                <a:cs typeface="Times New Roman"/>
+                <a:sym typeface="Times New Roman"/>
+              </a:rPr>
+              <a:t>Công ty TNHH SX TM Công nghiệp A.V.A.L được thành lập vào ngày 01/03/2000, số giấy phép đăng ký kinh doanh: 4102000321 cấp tại sở kế hoạch và đầu tư tp HCM </a:t>
+            </a:r>
+            <a:endParaRPr sz="1800">
+              <a:latin typeface="Times New Roman"/>
+              <a:ea typeface="Times New Roman"/>
+              <a:cs typeface="Times New Roman"/>
+              <a:sym typeface="Times New Roman"/>
+            </a:endParaRPr>
+          </a:p>
+        </p:txBody>
+      </p:sp>
+      <p:sp>
+        <p:nvSpPr>
+          <p:cNvPr id="206" name="Google Shape;206;p3"/>
+          <p:cNvSpPr/>
+          <p:nvPr/>
+        </p:nvSpPr>
+        <p:spPr>
+          <a:xfrm>
+            <a:off x="-279699" y="89554"/>
+            <a:ext cx="7541111" cy="1200329"/>
+          </a:xfrm>
+          <a:prstGeom prst="rect">
+            <a:avLst/>
+          </a:prstGeom>
+          <a:noFill/>
+          <a:ln>
+            <a:noFill/>
+          </a:ln>
+        </p:spPr>
+        <p:txBody>
+          <a:bodyPr spcFirstLastPara="1" wrap="square" lIns="91425" tIns="45700" rIns="91425" bIns="45700" anchor="t" anchorCtr="0">
+            <a:spAutoFit/>
+          </a:bodyPr>
+          <a:lstStyle/>
+          <a:p>
+            <a:pPr marL="0" marR="0" lvl="0" indent="0" algn="ctr" rtl="0">
+              <a:lnSpc>
+                <a:spcPct val="100000"/>
+              </a:lnSpc>
+              <a:spcBef>
+                <a:spcPts val="0"/>
+              </a:spcBef>
+              <a:spcAft>
+                <a:spcPts val="0"/>
+              </a:spcAft>
+              <a:buNone/>
+            </a:pPr>
+            <a:r>
+              <a:rPr lang="en-US" sz="3600" b="1" i="0" u="none" strike="noStrike" cap="none">
+                <a:solidFill>
+                  <a:schemeClr val="dk1"/>
+                </a:solidFill>
+                <a:latin typeface="Arial"/>
+                <a:ea typeface="Arial"/>
+                <a:cs typeface="Arial"/>
+                <a:sym typeface="Arial"/>
+              </a:rPr>
+              <a:t>Giới thiệu chung về doanh nghiệp</a:t>
+            </a:r>
+            <a:endParaRPr sz="3600" b="1" i="0" u="none" strike="noStrike" cap="none">
+              <a:solidFill>
+                <a:schemeClr val="dk1"/>
+              </a:solidFill>
+              <a:latin typeface="Arial"/>
+              <a:ea typeface="Arial"/>
+              <a:cs typeface="Arial"/>
+              <a:sym typeface="Arial"/>
+            </a:endParaRPr>
+          </a:p>
+        </p:txBody>
+      </p:sp>
+      <p:pic>
+        <p:nvPicPr>
+          <p:cNvPr id="207" name="Google Shape;207;p3" descr="Công ty TNHH SX - TM Công Nghiệp A.V.A.L (A.V.A.L CO. LTD)"/>
+          <p:cNvPicPr preferRelativeResize="0"/>
+          <p:nvPr/>
+        </p:nvPicPr>
+        <p:blipFill rotWithShape="1">
+          <a:blip r:embed="rId3">
+            <a:alphaModFix/>
+          </a:blip>
+          <a:srcRect/>
+          <a:stretch/>
+        </p:blipFill>
+        <p:spPr>
+          <a:xfrm>
+            <a:off x="-321327" y="1947132"/>
+            <a:ext cx="3812183" cy="1807288"/>
+          </a:xfrm>
+          <a:prstGeom prst="rect">
+            <a:avLst/>
+          </a:prstGeom>
+          <a:noFill/>
+          <a:ln>
+            <a:noFill/>
+          </a:ln>
+        </p:spPr>
+      </p:pic>
+    </p:spTree>
+  </p:cSld>
+  <p:clrMapOvr>
+    <a:masterClrMapping/>
+  </p:clrMapOvr>
+  <p:transition spd="slow">
+    <p:wipe/>
+  </p:transition>
+  <p:timing>
+    <p:tnLst>
+      <p:par>
+        <p:cTn id="1" dur="indefinite" restart="never" nodeType="tmRoot">
+          <p:childTnLst>
+            <p:seq concurrent="1" nextAc="seek">
+              <p:cTn id="2" dur="indefinite" nodeType="mainSeq">
+                <p:childTnLst>
+                  <p:par>
+                    <p:cTn id="3" fill="hold">
+                      <p:stCondLst>
+                        <p:cond delay="indefinite"/>
+                      </p:stCondLst>
+                      <p:childTnLst>
+                        <p:par>
+                          <p:cTn id="4" fill="hold">
+                            <p:stCondLst>
+                              <p:cond delay="0"/>
+                            </p:stCondLst>
+                            <p:childTnLst>
+                              <p:par>
+                                <p:cTn id="5" presetID="23" presetClass="entr" presetSubtype="16" fill="hold" nodeType="clickEffect">
+                                  <p:stCondLst>
+                                    <p:cond delay="0"/>
+                                  </p:stCondLst>
+                                  <p:childTnLst>
+                                    <p:set>
+                                      <p:cBhvr>
+                                        <p:cTn id="6" dur="1" fill="hold">
+                                          <p:stCondLst>
+                                            <p:cond delay="0"/>
+                                          </p:stCondLst>
+                                        </p:cTn>
+                                        <p:tgtEl>
+                                          <p:spTgt spid="204"/>
+                                        </p:tgtEl>
+                                        <p:attrNameLst>
+                                          <p:attrName>style.visibility</p:attrName>
+                                        </p:attrNameLst>
+                                      </p:cBhvr>
+                                      <p:to>
+                                        <p:strVal val="visible"/>
+                                      </p:to>
+                                    </p:set>
+                                    <p:anim calcmode="lin" valueType="num">
+                                      <p:cBhvr additive="base">
+                                        <p:cTn id="7" dur="500"/>
+                                        <p:tgtEl>
+                                          <p:spTgt spid="204"/>
+                                        </p:tgtEl>
+                                        <p:attrNameLst>
+                                          <p:attrName>ppt_w</p:attrName>
+                                        </p:attrNameLst>
+                                      </p:cBhvr>
+                                      <p:tavLst>
+                                        <p:tav tm="0">
+                                          <p:val>
+                                            <p:strVal val="0"/>
+                                          </p:val>
+                                        </p:tav>
+                                        <p:tav tm="100000">
+                                          <p:val>
+                                            <p:strVal val="#ppt_w"/>
+                                          </p:val>
+                                        </p:tav>
+                                      </p:tavLst>
+                                    </p:anim>
+                                    <p:anim calcmode="lin" valueType="num">
+                                      <p:cBhvr additive="base">
+                                        <p:cTn id="8" dur="500"/>
+                                        <p:tgtEl>
+                                          <p:spTgt spid="204"/>
+                                        </p:tgtEl>
+                                        <p:attrNameLst>
+                                          <p:attrName>ppt_h</p:attrName>
+                                        </p:attrNameLst>
+                                      </p:cBhvr>
+                                      <p:tavLst>
+                                        <p:tav tm="0">
+                                          <p:val>
+                                            <p:strVal val="0"/>
+                                          </p:val>
+                                        </p:tav>
+                                        <p:tav tm="100000">
+                                          <p:val>
+                                            <p:strVal val="#ppt_h"/>
+                                          </p:val>
+                                        </p:tav>
+                                      </p:tavLst>
+                                    </p:anim>
+                                  </p:childTnLst>
+                                </p:cTn>
+                              </p:par>
+                            </p:childTnLst>
+                          </p:cTn>
+                        </p:par>
+                      </p:childTnLst>
+                    </p:cTn>
+                  </p:par>
+                </p:childTnLst>
+              </p:cTn>
+              <p:prevCondLst>
+                <p:cond evt="onPrev" delay="0">
+                  <p:tgtEl>
+                    <p:sldTgt/>
+                  </p:tgtEl>
+                </p:cond>
+              </p:prevCondLst>
+              <p:nextCondLst>
+                <p:cond evt="onNext" delay="0">
+                  <p:tgtEl>
+                    <p:sldTgt/>
+                  </p:tgtEl>
+                </p:cond>
+              </p:nextCondLst>
+            </p:seq>
+          </p:childTnLst>
+        </p:cTn>
+      </p:par>
+    </p:tnLst>
+  </p:timing>
+</p:sld>
+</file>
+
+<file path=ppt/slides/slide30.xml><?xml version="1.0" encoding="utf-8"?>
 <p:sld xmlns:a="http://schemas.openxmlformats.org/drawingml/2006/main" xmlns:r="http://schemas.openxmlformats.org/officeDocument/2006/relationships" xmlns:p="http://schemas.openxmlformats.org/presentationml/2006/main">
   <p:cSld>
     <p:spTree>
@@ -35561,407 +36992,17 @@
   <p:transition spd="slow">
     <p:wipe/>
   </p:transition>
-</p:sld>
-</file>
-
-<file path=ppt/slides/slide3.xml><?xml version="1.0" encoding="utf-8"?>
-<p:sld xmlns:a="http://schemas.openxmlformats.org/drawingml/2006/main" xmlns:r="http://schemas.openxmlformats.org/officeDocument/2006/relationships" xmlns:p="http://schemas.openxmlformats.org/presentationml/2006/main">
-  <p:cSld>
-    <p:spTree>
-      <p:nvGrpSpPr>
-        <p:cNvPr id="1" name="Shape 203"/>
-        <p:cNvGrpSpPr/>
-        <p:nvPr/>
-      </p:nvGrpSpPr>
-      <p:grpSpPr>
-        <a:xfrm>
-          <a:off x="0" y="0"/>
-          <a:ext cx="0" cy="0"/>
-          <a:chOff x="0" y="0"/>
-          <a:chExt cx="0" cy="0"/>
-        </a:xfrm>
-      </p:grpSpPr>
-      <p:sp>
-        <p:nvSpPr>
-          <p:cNvPr id="204" name="Google Shape;204;p3"/>
-          <p:cNvSpPr txBox="1">
-            <a:spLocks noGrp="1"/>
-          </p:cNvSpPr>
-          <p:nvPr>
-            <p:ph type="title"/>
-          </p:nvPr>
-        </p:nvSpPr>
-        <p:spPr>
-          <a:xfrm>
-            <a:off x="3490856" y="2927618"/>
-            <a:ext cx="5567979" cy="2576145"/>
-          </a:xfrm>
-          <a:prstGeom prst="rect">
-            <a:avLst/>
-          </a:prstGeom>
-          <a:noFill/>
-          <a:ln>
-            <a:noFill/>
-          </a:ln>
-        </p:spPr>
-        <p:txBody>
-          <a:bodyPr spcFirstLastPara="1" wrap="square" lIns="91425" tIns="91425" rIns="91425" bIns="91425" anchor="ctr" anchorCtr="0">
-            <a:noAutofit/>
-          </a:bodyPr>
-          <a:lstStyle/>
-          <a:p>
-            <a:pPr marL="400050" lvl="0" indent="-400050" algn="l" rtl="0">
-              <a:lnSpc>
-                <a:spcPct val="100000"/>
-              </a:lnSpc>
-              <a:spcBef>
-                <a:spcPts val="0"/>
-              </a:spcBef>
-              <a:spcAft>
-                <a:spcPts val="0"/>
-              </a:spcAft>
-              <a:buSzPts val="2400"/>
-              <a:buFont typeface="Noto Sans Symbols"/>
-              <a:buChar char="❖"/>
-            </a:pPr>
-            <a:r>
-              <a:rPr lang="en-US" sz="2400" b="0">
-                <a:latin typeface="Times New Roman"/>
-                <a:ea typeface="Times New Roman"/>
-                <a:cs typeface="Times New Roman"/>
-                <a:sym typeface="Times New Roman"/>
-              </a:rPr>
-              <a:t>Lĩnh vực hoạt động kinh doanh chủ yếu của Công ty là sản xuất và phân phối các sản phẩm diệt côn trùng gia dụng và..</a:t>
-            </a:r>
-            <a:r>
-              <a:rPr lang="en-US" sz="2400">
-                <a:latin typeface="Times New Roman"/>
-                <a:ea typeface="Times New Roman"/>
-                <a:cs typeface="Times New Roman"/>
-                <a:sym typeface="Times New Roman"/>
-              </a:rPr>
-              <a:t/>
-            </a:r>
-            <a:br>
-              <a:rPr lang="en-US" sz="2400">
-                <a:latin typeface="Times New Roman"/>
-                <a:ea typeface="Times New Roman"/>
-                <a:cs typeface="Times New Roman"/>
-                <a:sym typeface="Times New Roman"/>
-              </a:rPr>
-            </a:br>
-            <a:endParaRPr sz="2400">
-              <a:latin typeface="Times New Roman"/>
-              <a:ea typeface="Times New Roman"/>
-              <a:cs typeface="Times New Roman"/>
-              <a:sym typeface="Times New Roman"/>
-            </a:endParaRPr>
-          </a:p>
-        </p:txBody>
-      </p:sp>
-      <p:sp>
-        <p:nvSpPr>
-          <p:cNvPr id="205" name="Google Shape;205;p3"/>
-          <p:cNvSpPr txBox="1">
-            <a:spLocks noGrp="1"/>
-          </p:cNvSpPr>
-          <p:nvPr>
-            <p:ph type="subTitle" idx="1"/>
-          </p:nvPr>
-        </p:nvSpPr>
-        <p:spPr>
-          <a:xfrm>
-            <a:off x="3345644" y="1051491"/>
-            <a:ext cx="5798356" cy="2272623"/>
-          </a:xfrm>
-          <a:prstGeom prst="rect">
-            <a:avLst/>
-          </a:prstGeom>
-          <a:noFill/>
-          <a:ln>
-            <a:noFill/>
-          </a:ln>
-        </p:spPr>
-        <p:txBody>
-          <a:bodyPr spcFirstLastPara="1" wrap="square" lIns="91425" tIns="91425" rIns="91425" bIns="91425" anchor="t" anchorCtr="0">
-            <a:noAutofit/>
-          </a:bodyPr>
-          <a:lstStyle/>
-          <a:p>
-            <a:pPr marL="0" lvl="0" indent="0" algn="l" rtl="0">
-              <a:lnSpc>
-                <a:spcPct val="100000"/>
-              </a:lnSpc>
-              <a:spcBef>
-                <a:spcPts val="0"/>
-              </a:spcBef>
-              <a:spcAft>
-                <a:spcPts val="0"/>
-              </a:spcAft>
-              <a:buSzPts val="1800"/>
-              <a:buNone/>
-            </a:pPr>
-            <a:endParaRPr sz="1800">
-              <a:latin typeface="Times New Roman"/>
-              <a:ea typeface="Times New Roman"/>
-              <a:cs typeface="Times New Roman"/>
-              <a:sym typeface="Times New Roman"/>
-            </a:endParaRPr>
-          </a:p>
-          <a:p>
-            <a:pPr marL="342900" lvl="0" indent="-342900" algn="l" rtl="0">
-              <a:lnSpc>
-                <a:spcPct val="100000"/>
-              </a:lnSpc>
-              <a:spcBef>
-                <a:spcPts val="0"/>
-              </a:spcBef>
-              <a:spcAft>
-                <a:spcPts val="0"/>
-              </a:spcAft>
-              <a:buSzPts val="1800"/>
-              <a:buFont typeface="Noto Sans Symbols"/>
-              <a:buChar char="❖"/>
-            </a:pPr>
-            <a:r>
-              <a:rPr lang="en-US" sz="2400">
-                <a:latin typeface="Times New Roman"/>
-                <a:ea typeface="Times New Roman"/>
-                <a:cs typeface="Times New Roman"/>
-                <a:sym typeface="Times New Roman"/>
-              </a:rPr>
-              <a:t>Công ty TNHH SX TM Công nghiệp A.V.A.L được thành lập vào ngày 01/03/2000, số giấy phép đăng ký kinh doanh: 4102000321 cấp tại sở kế hoạch và đầu tư tp HCM </a:t>
-            </a:r>
-            <a:endParaRPr sz="1800">
-              <a:latin typeface="Times New Roman"/>
-              <a:ea typeface="Times New Roman"/>
-              <a:cs typeface="Times New Roman"/>
-              <a:sym typeface="Times New Roman"/>
-            </a:endParaRPr>
-          </a:p>
-        </p:txBody>
-      </p:sp>
-      <p:sp>
-        <p:nvSpPr>
-          <p:cNvPr id="206" name="Google Shape;206;p3"/>
-          <p:cNvSpPr/>
-          <p:nvPr/>
-        </p:nvSpPr>
-        <p:spPr>
-          <a:xfrm>
-            <a:off x="-279699" y="89554"/>
-            <a:ext cx="7541111" cy="1200329"/>
-          </a:xfrm>
-          <a:prstGeom prst="rect">
-            <a:avLst/>
-          </a:prstGeom>
-          <a:noFill/>
-          <a:ln>
-            <a:noFill/>
-          </a:ln>
-        </p:spPr>
-        <p:txBody>
-          <a:bodyPr spcFirstLastPara="1" wrap="square" lIns="91425" tIns="45700" rIns="91425" bIns="45700" anchor="t" anchorCtr="0">
-            <a:spAutoFit/>
-          </a:bodyPr>
-          <a:lstStyle/>
-          <a:p>
-            <a:pPr marL="0" marR="0" lvl="0" indent="0" algn="ctr" rtl="0">
-              <a:lnSpc>
-                <a:spcPct val="100000"/>
-              </a:lnSpc>
-              <a:spcBef>
-                <a:spcPts val="0"/>
-              </a:spcBef>
-              <a:spcAft>
-                <a:spcPts val="0"/>
-              </a:spcAft>
-              <a:buNone/>
-            </a:pPr>
-            <a:r>
-              <a:rPr lang="en-US" sz="3600" b="1" i="0" u="none" strike="noStrike" cap="none">
-                <a:solidFill>
-                  <a:schemeClr val="dk1"/>
-                </a:solidFill>
-                <a:latin typeface="Arial"/>
-                <a:ea typeface="Arial"/>
-                <a:cs typeface="Arial"/>
-                <a:sym typeface="Arial"/>
-              </a:rPr>
-              <a:t>Giới thiệu chung về doanh nghiệp</a:t>
-            </a:r>
-            <a:endParaRPr sz="3600" b="1" i="0" u="none" strike="noStrike" cap="none">
-              <a:solidFill>
-                <a:schemeClr val="dk1"/>
-              </a:solidFill>
-              <a:latin typeface="Arial"/>
-              <a:ea typeface="Arial"/>
-              <a:cs typeface="Arial"/>
-              <a:sym typeface="Arial"/>
-            </a:endParaRPr>
-          </a:p>
-        </p:txBody>
-      </p:sp>
-      <p:pic>
-        <p:nvPicPr>
-          <p:cNvPr id="207" name="Google Shape;207;p3" descr="Công ty TNHH SX - TM Công Nghiệp A.V.A.L (A.V.A.L CO. LTD)"/>
-          <p:cNvPicPr preferRelativeResize="0"/>
-          <p:nvPr/>
-        </p:nvPicPr>
-        <p:blipFill rotWithShape="1">
-          <a:blip r:embed="rId3">
-            <a:alphaModFix/>
-          </a:blip>
-          <a:srcRect/>
-          <a:stretch/>
-        </p:blipFill>
-        <p:spPr>
-          <a:xfrm>
-            <a:off x="-321327" y="1947132"/>
-            <a:ext cx="3812183" cy="1807288"/>
-          </a:xfrm>
-          <a:prstGeom prst="rect">
-            <a:avLst/>
-          </a:prstGeom>
-          <a:noFill/>
-          <a:ln>
-            <a:noFill/>
-          </a:ln>
-        </p:spPr>
-      </p:pic>
-    </p:spTree>
-  </p:cSld>
-  <p:clrMapOvr>
-    <a:masterClrMapping/>
-  </p:clrMapOvr>
-  <p:transition spd="slow">
-    <p:wipe/>
-  </p:transition>
   <p:timing>
     <p:tnLst>
       <p:par>
-        <p:cTn id="1" dur="indefinite" restart="never" nodeType="tmRoot">
-          <p:childTnLst>
-            <p:seq concurrent="1" nextAc="seek">
-              <p:cTn id="2" dur="indefinite" nodeType="mainSeq">
-                <p:childTnLst>
-                  <p:par>
-                    <p:cTn id="3" fill="hold">
-                      <p:stCondLst>
-                        <p:cond delay="indefinite"/>
-                      </p:stCondLst>
-                      <p:childTnLst>
-                        <p:par>
-                          <p:cTn id="4" fill="hold">
-                            <p:stCondLst>
-                              <p:cond delay="0"/>
-                            </p:stCondLst>
-                            <p:childTnLst>
-                              <p:par>
-                                <p:cTn id="5" presetID="23" presetClass="entr" presetSubtype="16" fill="hold" nodeType="clickEffect">
-                                  <p:stCondLst>
-                                    <p:cond delay="0"/>
-                                  </p:stCondLst>
-                                  <p:childTnLst>
-                                    <p:set>
-                                      <p:cBhvr>
-                                        <p:cTn id="6" dur="1" fill="hold">
-                                          <p:stCondLst>
-                                            <p:cond delay="0"/>
-                                          </p:stCondLst>
-                                        </p:cTn>
-                                        <p:tgtEl>
-                                          <p:spTgt spid="204"/>
-                                        </p:tgtEl>
-                                        <p:attrNameLst>
-                                          <p:attrName>style.visibility</p:attrName>
-                                        </p:attrNameLst>
-                                      </p:cBhvr>
-                                      <p:to>
-                                        <p:strVal val="visible"/>
-                                      </p:to>
-                                    </p:set>
-                                    <p:anim calcmode="lin" valueType="num">
-                                      <p:cBhvr additive="base">
-                                        <p:cTn id="7" dur="500"/>
-                                        <p:tgtEl>
-                                          <p:spTgt spid="204"/>
-                                        </p:tgtEl>
-                                        <p:attrNameLst>
-                                          <p:attrName>ppt_w</p:attrName>
-                                        </p:attrNameLst>
-                                      </p:cBhvr>
-                                      <p:tavLst>
-                                        <p:tav tm="0">
-                                          <p:val>
-                                            <p:strVal val="0"/>
-                                          </p:val>
-                                        </p:tav>
-                                        <p:tav tm="100000">
-                                          <p:val>
-                                            <p:strVal val="#ppt_w"/>
-                                          </p:val>
-                                        </p:tav>
-                                      </p:tavLst>
-                                    </p:anim>
-                                    <p:anim calcmode="lin" valueType="num">
-                                      <p:cBhvr additive="base">
-                                        <p:cTn id="8" dur="500"/>
-                                        <p:tgtEl>
-                                          <p:spTgt spid="204"/>
-                                        </p:tgtEl>
-                                        <p:attrNameLst>
-                                          <p:attrName>ppt_h</p:attrName>
-                                        </p:attrNameLst>
-                                      </p:cBhvr>
-                                      <p:tavLst>
-                                        <p:tav tm="0">
-                                          <p:val>
-                                            <p:strVal val="0"/>
-                                          </p:val>
-                                        </p:tav>
-                                        <p:tav tm="100000">
-                                          <p:val>
-                                            <p:strVal val="#ppt_h"/>
-                                          </p:val>
-                                        </p:tav>
-                                      </p:tavLst>
-                                    </p:anim>
-                                  </p:childTnLst>
-                                </p:cTn>
-                              </p:par>
-                            </p:childTnLst>
-                          </p:cTn>
-                        </p:par>
-                      </p:childTnLst>
-                    </p:cTn>
-                  </p:par>
-                </p:childTnLst>
-              </p:cTn>
-              <p:prevCondLst>
-                <p:cond evt="onPrev" delay="0">
-                  <p:tgtEl>
-                    <p:sldTgt/>
-                  </p:tgtEl>
-                </p:cond>
-              </p:prevCondLst>
-              <p:nextCondLst>
-                <p:cond evt="onNext" delay="0">
-                  <p:tgtEl>
-                    <p:sldTgt/>
-                  </p:tgtEl>
-                </p:cond>
-              </p:nextCondLst>
-            </p:seq>
-          </p:childTnLst>
-        </p:cTn>
+        <p:cTn id="1" dur="indefinite" restart="never" nodeType="tmRoot"/>
       </p:par>
     </p:tnLst>
   </p:timing>
 </p:sld>
 </file>
 
-<file path=ppt/slides/slide30.xml><?xml version="1.0" encoding="utf-8"?>
+<file path=ppt/slides/slide31.xml><?xml version="1.0" encoding="utf-8"?>
 <p:sld xmlns:a="http://schemas.openxmlformats.org/drawingml/2006/main" xmlns:r="http://schemas.openxmlformats.org/officeDocument/2006/relationships" xmlns:p="http://schemas.openxmlformats.org/presentationml/2006/main">
   <p:cSld>
     <p:spTree>
@@ -37925,10 +38966,17 @@
   <p:transition spd="slow">
     <p:wipe/>
   </p:transition>
+  <p:timing>
+    <p:tnLst>
+      <p:par>
+        <p:cTn id="1" dur="indefinite" restart="never" nodeType="tmRoot"/>
+      </p:par>
+    </p:tnLst>
+  </p:timing>
 </p:sld>
 </file>
 
-<file path=ppt/slides/slide31.xml><?xml version="1.0" encoding="utf-8"?>
+<file path=ppt/slides/slide32.xml><?xml version="1.0" encoding="utf-8"?>
 <p:sld xmlns:a="http://schemas.openxmlformats.org/drawingml/2006/main" xmlns:r="http://schemas.openxmlformats.org/officeDocument/2006/relationships" xmlns:p="http://schemas.openxmlformats.org/presentationml/2006/main">
   <p:cSld>
     <p:spTree>
@@ -39892,10 +40940,17 @@
   <p:transition spd="slow">
     <p:wipe/>
   </p:transition>
+  <p:timing>
+    <p:tnLst>
+      <p:par>
+        <p:cTn id="1" dur="indefinite" restart="never" nodeType="tmRoot"/>
+      </p:par>
+    </p:tnLst>
+  </p:timing>
 </p:sld>
 </file>
 
-<file path=ppt/slides/slide32.xml><?xml version="1.0" encoding="utf-8"?>
+<file path=ppt/slides/slide33.xml><?xml version="1.0" encoding="utf-8"?>
 <p:sld xmlns:a="http://schemas.openxmlformats.org/drawingml/2006/main" xmlns:r="http://schemas.openxmlformats.org/officeDocument/2006/relationships" xmlns:p="http://schemas.openxmlformats.org/presentationml/2006/main">
   <p:cSld>
     <p:spTree>
@@ -39977,6 +41032,25 @@
   <p:clrMapOvr>
     <a:masterClrMapping/>
   </p:clrMapOvr>
+  <mc:AlternateContent xmlns:mc="http://schemas.openxmlformats.org/markup-compatibility/2006">
+    <mc:Choice xmlns:p14="http://schemas.microsoft.com/office/powerpoint/2010/main" Requires="p14">
+      <p:transition spd="slow" p14:dur="1500">
+        <p:split orient="vert"/>
+      </p:transition>
+    </mc:Choice>
+    <mc:Fallback>
+      <p:transition spd="slow">
+        <p:split orient="vert"/>
+      </p:transition>
+    </mc:Fallback>
+  </mc:AlternateContent>
+  <p:timing>
+    <p:tnLst>
+      <p:par>
+        <p:cTn id="1" dur="indefinite" restart="never" nodeType="tmRoot"/>
+      </p:par>
+    </p:tnLst>
+  </p:timing>
 </p:sld>
 </file>
 
@@ -40322,6 +41396,13 @@
   <p:transition spd="slow">
     <p:wipe/>
   </p:transition>
+  <p:timing>
+    <p:tnLst>
+      <p:par>
+        <p:cTn id="1" dur="indefinite" restart="never" nodeType="tmRoot"/>
+      </p:par>
+    </p:tnLst>
+  </p:timing>
 </p:sld>
 </file>
 
@@ -46065,6 +47146,18 @@
   <p:clrMapOvr>
     <a:masterClrMapping/>
   </p:clrMapOvr>
+  <mc:AlternateContent xmlns:mc="http://schemas.openxmlformats.org/markup-compatibility/2006">
+    <mc:Choice xmlns:p14="http://schemas.microsoft.com/office/powerpoint/2010/main" Requires="p14">
+      <p:transition spd="slow" p14:dur="1500">
+        <p:split orient="vert"/>
+      </p:transition>
+    </mc:Choice>
+    <mc:Fallback>
+      <p:transition spd="slow">
+        <p:split orient="vert"/>
+      </p:transition>
+    </mc:Fallback>
+  </mc:AlternateContent>
   <p:timing>
     <p:tnLst>
       <p:par>
@@ -47354,6 +48447,1959 @@
 </file>
 
 <file path=ppt/slides/slide8.xml><?xml version="1.0" encoding="utf-8"?>
+<p:sld xmlns:a="http://schemas.openxmlformats.org/drawingml/2006/main" xmlns:r="http://schemas.openxmlformats.org/officeDocument/2006/relationships" xmlns:p="http://schemas.openxmlformats.org/presentationml/2006/main">
+  <p:cSld>
+    <p:spTree>
+      <p:nvGrpSpPr>
+        <p:cNvPr id="1" name="Shape 278"/>
+        <p:cNvGrpSpPr/>
+        <p:nvPr/>
+      </p:nvGrpSpPr>
+      <p:grpSpPr>
+        <a:xfrm>
+          <a:off x="0" y="0"/>
+          <a:ext cx="0" cy="0"/>
+          <a:chOff x="0" y="0"/>
+          <a:chExt cx="0" cy="0"/>
+        </a:xfrm>
+      </p:grpSpPr>
+      <p:sp>
+        <p:nvSpPr>
+          <p:cNvPr id="279" name="Google Shape;279;p7"/>
+          <p:cNvSpPr txBox="1">
+            <a:spLocks noGrp="1"/>
+          </p:cNvSpPr>
+          <p:nvPr>
+            <p:ph type="ctrTitle"/>
+          </p:nvPr>
+        </p:nvSpPr>
+        <p:spPr>
+          <a:xfrm>
+            <a:off x="1901588" y="0"/>
+            <a:ext cx="5854005" cy="630829"/>
+          </a:xfrm>
+          <a:prstGeom prst="rect">
+            <a:avLst/>
+          </a:prstGeom>
+          <a:noFill/>
+          <a:ln>
+            <a:noFill/>
+          </a:ln>
+        </p:spPr>
+        <p:txBody>
+          <a:bodyPr spcFirstLastPara="1" wrap="square" lIns="91425" tIns="91425" rIns="91425" bIns="91425" anchor="ctr" anchorCtr="0">
+            <a:noAutofit/>
+          </a:bodyPr>
+          <a:lstStyle/>
+          <a:p>
+            <a:pPr marL="0" lvl="0" indent="0" algn="ctr" rtl="0">
+              <a:lnSpc>
+                <a:spcPct val="100000"/>
+              </a:lnSpc>
+              <a:spcBef>
+                <a:spcPts val="0"/>
+              </a:spcBef>
+              <a:spcAft>
+                <a:spcPts val="0"/>
+              </a:spcAft>
+              <a:buSzPts val="5200"/>
+              <a:buNone/>
+            </a:pPr>
+            <a:r>
+              <a:rPr lang="en-US" sz="4800" b="1" dirty="0" err="1" smtClean="0">
+                <a:latin typeface="Times New Roman" panose="02020603050405020304" pitchFamily="18" charset="0"/>
+                <a:cs typeface="Times New Roman" panose="02020603050405020304" pitchFamily="18" charset="0"/>
+              </a:rPr>
+              <a:t>Sơ</a:t>
+            </a:r>
+            <a:r>
+              <a:rPr lang="en-US" sz="4800" b="1" dirty="0" smtClean="0">
+                <a:latin typeface="Times New Roman" panose="02020603050405020304" pitchFamily="18" charset="0"/>
+                <a:cs typeface="Times New Roman" panose="02020603050405020304" pitchFamily="18" charset="0"/>
+              </a:rPr>
+              <a:t> </a:t>
+            </a:r>
+            <a:r>
+              <a:rPr lang="en-US" sz="4800" b="1" dirty="0" err="1" smtClean="0">
+                <a:latin typeface="Times New Roman" panose="02020603050405020304" pitchFamily="18" charset="0"/>
+                <a:cs typeface="Times New Roman" panose="02020603050405020304" pitchFamily="18" charset="0"/>
+              </a:rPr>
+              <a:t>đồ</a:t>
+            </a:r>
+            <a:r>
+              <a:rPr lang="en-US" sz="4800" b="1" dirty="0" smtClean="0">
+                <a:latin typeface="Times New Roman" panose="02020603050405020304" pitchFamily="18" charset="0"/>
+                <a:cs typeface="Times New Roman" panose="02020603050405020304" pitchFamily="18" charset="0"/>
+              </a:rPr>
+              <a:t> </a:t>
+            </a:r>
+            <a:r>
+              <a:rPr lang="en-US" sz="4800" b="1" dirty="0" err="1" smtClean="0">
+                <a:latin typeface="Times New Roman" panose="02020603050405020304" pitchFamily="18" charset="0"/>
+                <a:cs typeface="Times New Roman" panose="02020603050405020304" pitchFamily="18" charset="0"/>
+              </a:rPr>
+              <a:t>sản</a:t>
+            </a:r>
+            <a:r>
+              <a:rPr lang="en-US" sz="4800" b="1" dirty="0" smtClean="0">
+                <a:latin typeface="Times New Roman" panose="02020603050405020304" pitchFamily="18" charset="0"/>
+                <a:cs typeface="Times New Roman" panose="02020603050405020304" pitchFamily="18" charset="0"/>
+              </a:rPr>
+              <a:t> </a:t>
+            </a:r>
+            <a:r>
+              <a:rPr lang="en-US" sz="4800" b="1" dirty="0" err="1" smtClean="0">
+                <a:latin typeface="Times New Roman" panose="02020603050405020304" pitchFamily="18" charset="0"/>
+                <a:cs typeface="Times New Roman" panose="02020603050405020304" pitchFamily="18" charset="0"/>
+              </a:rPr>
+              <a:t>xuất</a:t>
+            </a:r>
+            <a:endParaRPr sz="4800" b="1" dirty="0">
+              <a:latin typeface="Times New Roman" panose="02020603050405020304" pitchFamily="18" charset="0"/>
+              <a:cs typeface="Times New Roman" panose="02020603050405020304" pitchFamily="18" charset="0"/>
+            </a:endParaRPr>
+          </a:p>
+        </p:txBody>
+      </p:sp>
+      <p:sp>
+        <p:nvSpPr>
+          <p:cNvPr id="3" name="Rectangle 2"/>
+          <p:cNvSpPr/>
+          <p:nvPr/>
+        </p:nvSpPr>
+        <p:spPr>
+          <a:xfrm>
+            <a:off x="441278" y="683263"/>
+            <a:ext cx="2006221" cy="859808"/>
+          </a:xfrm>
+          <a:prstGeom prst="rect">
+            <a:avLst/>
+          </a:prstGeom>
+        </p:spPr>
+        <p:style>
+          <a:lnRef idx="1">
+            <a:schemeClr val="accent2"/>
+          </a:lnRef>
+          <a:fillRef idx="2">
+            <a:schemeClr val="accent2"/>
+          </a:fillRef>
+          <a:effectRef idx="1">
+            <a:schemeClr val="accent2"/>
+          </a:effectRef>
+          <a:fontRef idx="minor">
+            <a:schemeClr val="dk1"/>
+          </a:fontRef>
+        </p:style>
+        <p:txBody>
+          <a:bodyPr rtlCol="0" anchor="ctr"/>
+          <a:lstStyle/>
+          <a:p>
+            <a:pPr algn="ctr"/>
+            <a:endParaRPr lang="en-US">
+              <a:latin typeface="Times New Roman" panose="02020603050405020304" pitchFamily="18" charset="0"/>
+              <a:cs typeface="Times New Roman" panose="02020603050405020304" pitchFamily="18" charset="0"/>
+            </a:endParaRPr>
+          </a:p>
+        </p:txBody>
+      </p:sp>
+      <p:sp>
+        <p:nvSpPr>
+          <p:cNvPr id="4" name="TextBox 3"/>
+          <p:cNvSpPr txBox="1"/>
+          <p:nvPr/>
+        </p:nvSpPr>
+        <p:spPr>
+          <a:xfrm>
+            <a:off x="441278" y="715080"/>
+            <a:ext cx="2006221" cy="707886"/>
+          </a:xfrm>
+          <a:prstGeom prst="rect">
+            <a:avLst/>
+          </a:prstGeom>
+          <a:noFill/>
+        </p:spPr>
+        <p:txBody>
+          <a:bodyPr wrap="square" rtlCol="0">
+            <a:spAutoFit/>
+          </a:bodyPr>
+          <a:lstStyle/>
+          <a:p>
+            <a:pPr algn="ctr"/>
+            <a:r>
+              <a:rPr lang="en-US" sz="2000" dirty="0" err="1" smtClean="0">
+                <a:latin typeface="Times New Roman" panose="02020603050405020304" pitchFamily="18" charset="0"/>
+                <a:cs typeface="Times New Roman" panose="02020603050405020304" pitchFamily="18" charset="0"/>
+              </a:rPr>
+              <a:t>Kiểm</a:t>
+            </a:r>
+            <a:r>
+              <a:rPr lang="en-US" sz="2000" dirty="0" smtClean="0">
+                <a:latin typeface="Times New Roman" panose="02020603050405020304" pitchFamily="18" charset="0"/>
+                <a:cs typeface="Times New Roman" panose="02020603050405020304" pitchFamily="18" charset="0"/>
+              </a:rPr>
+              <a:t> </a:t>
+            </a:r>
+            <a:r>
+              <a:rPr lang="en-US" sz="2000" dirty="0" err="1" smtClean="0">
+                <a:latin typeface="Times New Roman" panose="02020603050405020304" pitchFamily="18" charset="0"/>
+                <a:cs typeface="Times New Roman" panose="02020603050405020304" pitchFamily="18" charset="0"/>
+              </a:rPr>
+              <a:t>tra</a:t>
+            </a:r>
+            <a:r>
+              <a:rPr lang="en-US" sz="2000" dirty="0" smtClean="0">
+                <a:latin typeface="Times New Roman" panose="02020603050405020304" pitchFamily="18" charset="0"/>
+                <a:cs typeface="Times New Roman" panose="02020603050405020304" pitchFamily="18" charset="0"/>
+              </a:rPr>
+              <a:t> NVL- </a:t>
+            </a:r>
+            <a:r>
+              <a:rPr lang="en-US" sz="2000" dirty="0" err="1" smtClean="0">
+                <a:latin typeface="Times New Roman" panose="02020603050405020304" pitchFamily="18" charset="0"/>
+                <a:cs typeface="Times New Roman" panose="02020603050405020304" pitchFamily="18" charset="0"/>
+              </a:rPr>
+              <a:t>Hóa</a:t>
+            </a:r>
+            <a:r>
+              <a:rPr lang="en-US" sz="2000" dirty="0" smtClean="0">
+                <a:latin typeface="Times New Roman" panose="02020603050405020304" pitchFamily="18" charset="0"/>
+                <a:cs typeface="Times New Roman" panose="02020603050405020304" pitchFamily="18" charset="0"/>
+              </a:rPr>
+              <a:t> </a:t>
+            </a:r>
+            <a:r>
+              <a:rPr lang="en-US" sz="2000" dirty="0" err="1" smtClean="0">
+                <a:latin typeface="Times New Roman" panose="02020603050405020304" pitchFamily="18" charset="0"/>
+                <a:cs typeface="Times New Roman" panose="02020603050405020304" pitchFamily="18" charset="0"/>
+              </a:rPr>
+              <a:t>chất</a:t>
+            </a:r>
+            <a:endParaRPr lang="en-US" sz="2000" dirty="0">
+              <a:latin typeface="Times New Roman" panose="02020603050405020304" pitchFamily="18" charset="0"/>
+              <a:cs typeface="Times New Roman" panose="02020603050405020304" pitchFamily="18" charset="0"/>
+            </a:endParaRPr>
+          </a:p>
+        </p:txBody>
+      </p:sp>
+      <p:sp>
+        <p:nvSpPr>
+          <p:cNvPr id="8" name="Rectangle 7"/>
+          <p:cNvSpPr/>
+          <p:nvPr/>
+        </p:nvSpPr>
+        <p:spPr>
+          <a:xfrm>
+            <a:off x="441278" y="1864269"/>
+            <a:ext cx="2006221" cy="859808"/>
+          </a:xfrm>
+          <a:prstGeom prst="rect">
+            <a:avLst/>
+          </a:prstGeom>
+        </p:spPr>
+        <p:style>
+          <a:lnRef idx="1">
+            <a:schemeClr val="accent2"/>
+          </a:lnRef>
+          <a:fillRef idx="2">
+            <a:schemeClr val="accent2"/>
+          </a:fillRef>
+          <a:effectRef idx="1">
+            <a:schemeClr val="accent2"/>
+          </a:effectRef>
+          <a:fontRef idx="minor">
+            <a:schemeClr val="dk1"/>
+          </a:fontRef>
+        </p:style>
+        <p:txBody>
+          <a:bodyPr rtlCol="0" anchor="ctr"/>
+          <a:lstStyle/>
+          <a:p>
+            <a:pPr algn="ctr"/>
+            <a:endParaRPr lang="en-US">
+              <a:latin typeface="Times New Roman" panose="02020603050405020304" pitchFamily="18" charset="0"/>
+              <a:cs typeface="Times New Roman" panose="02020603050405020304" pitchFamily="18" charset="0"/>
+            </a:endParaRPr>
+          </a:p>
+        </p:txBody>
+      </p:sp>
+      <p:sp>
+        <p:nvSpPr>
+          <p:cNvPr id="9" name="TextBox 8"/>
+          <p:cNvSpPr txBox="1"/>
+          <p:nvPr/>
+        </p:nvSpPr>
+        <p:spPr>
+          <a:xfrm>
+            <a:off x="441278" y="1896086"/>
+            <a:ext cx="2006221" cy="707886"/>
+          </a:xfrm>
+          <a:prstGeom prst="rect">
+            <a:avLst/>
+          </a:prstGeom>
+          <a:noFill/>
+        </p:spPr>
+        <p:txBody>
+          <a:bodyPr wrap="square" rtlCol="0">
+            <a:spAutoFit/>
+          </a:bodyPr>
+          <a:lstStyle/>
+          <a:p>
+            <a:pPr algn="ctr"/>
+            <a:r>
+              <a:rPr lang="en-US" sz="2000" dirty="0" err="1" smtClean="0">
+                <a:latin typeface="Times New Roman" panose="02020603050405020304" pitchFamily="18" charset="0"/>
+                <a:cs typeface="Times New Roman" panose="02020603050405020304" pitchFamily="18" charset="0"/>
+              </a:rPr>
+              <a:t>Kiểm</a:t>
+            </a:r>
+            <a:r>
+              <a:rPr lang="en-US" sz="2000" dirty="0" smtClean="0">
+                <a:latin typeface="Times New Roman" panose="02020603050405020304" pitchFamily="18" charset="0"/>
+                <a:cs typeface="Times New Roman" panose="02020603050405020304" pitchFamily="18" charset="0"/>
+              </a:rPr>
+              <a:t> </a:t>
+            </a:r>
+            <a:r>
+              <a:rPr lang="en-US" sz="2000" dirty="0" err="1" smtClean="0">
+                <a:latin typeface="Times New Roman" panose="02020603050405020304" pitchFamily="18" charset="0"/>
+                <a:cs typeface="Times New Roman" panose="02020603050405020304" pitchFamily="18" charset="0"/>
+              </a:rPr>
+              <a:t>tra</a:t>
+            </a:r>
+            <a:r>
+              <a:rPr lang="en-US" sz="2000" dirty="0" smtClean="0">
+                <a:latin typeface="Times New Roman" panose="02020603050405020304" pitchFamily="18" charset="0"/>
+                <a:cs typeface="Times New Roman" panose="02020603050405020304" pitchFamily="18" charset="0"/>
+              </a:rPr>
+              <a:t> NVL- </a:t>
+            </a:r>
+            <a:r>
+              <a:rPr lang="en-US" sz="2000" dirty="0" err="1" smtClean="0">
+                <a:latin typeface="Times New Roman" panose="02020603050405020304" pitchFamily="18" charset="0"/>
+                <a:cs typeface="Times New Roman" panose="02020603050405020304" pitchFamily="18" charset="0"/>
+              </a:rPr>
+              <a:t>Hóa</a:t>
+            </a:r>
+            <a:r>
+              <a:rPr lang="en-US" sz="2000" dirty="0" smtClean="0">
+                <a:latin typeface="Times New Roman" panose="02020603050405020304" pitchFamily="18" charset="0"/>
+                <a:cs typeface="Times New Roman" panose="02020603050405020304" pitchFamily="18" charset="0"/>
+              </a:rPr>
+              <a:t> </a:t>
+            </a:r>
+            <a:r>
+              <a:rPr lang="en-US" sz="2000" dirty="0" err="1" smtClean="0">
+                <a:latin typeface="Times New Roman" panose="02020603050405020304" pitchFamily="18" charset="0"/>
+                <a:cs typeface="Times New Roman" panose="02020603050405020304" pitchFamily="18" charset="0"/>
+              </a:rPr>
+              <a:t>chất</a:t>
+            </a:r>
+            <a:endParaRPr lang="en-US" sz="2000" dirty="0">
+              <a:latin typeface="Times New Roman" panose="02020603050405020304" pitchFamily="18" charset="0"/>
+              <a:cs typeface="Times New Roman" panose="02020603050405020304" pitchFamily="18" charset="0"/>
+            </a:endParaRPr>
+          </a:p>
+        </p:txBody>
+      </p:sp>
+      <p:sp>
+        <p:nvSpPr>
+          <p:cNvPr id="10" name="Rectangle 9"/>
+          <p:cNvSpPr/>
+          <p:nvPr/>
+        </p:nvSpPr>
+        <p:spPr>
+          <a:xfrm>
+            <a:off x="441278" y="3008884"/>
+            <a:ext cx="2006221" cy="859808"/>
+          </a:xfrm>
+          <a:prstGeom prst="rect">
+            <a:avLst/>
+          </a:prstGeom>
+        </p:spPr>
+        <p:style>
+          <a:lnRef idx="1">
+            <a:schemeClr val="accent2"/>
+          </a:lnRef>
+          <a:fillRef idx="2">
+            <a:schemeClr val="accent2"/>
+          </a:fillRef>
+          <a:effectRef idx="1">
+            <a:schemeClr val="accent2"/>
+          </a:effectRef>
+          <a:fontRef idx="minor">
+            <a:schemeClr val="dk1"/>
+          </a:fontRef>
+        </p:style>
+        <p:txBody>
+          <a:bodyPr rtlCol="0" anchor="ctr"/>
+          <a:lstStyle/>
+          <a:p>
+            <a:pPr algn="ctr"/>
+            <a:endParaRPr lang="en-US">
+              <a:latin typeface="Times New Roman" panose="02020603050405020304" pitchFamily="18" charset="0"/>
+              <a:cs typeface="Times New Roman" panose="02020603050405020304" pitchFamily="18" charset="0"/>
+            </a:endParaRPr>
+          </a:p>
+        </p:txBody>
+      </p:sp>
+      <p:sp>
+        <p:nvSpPr>
+          <p:cNvPr id="11" name="TextBox 10"/>
+          <p:cNvSpPr txBox="1"/>
+          <p:nvPr/>
+        </p:nvSpPr>
+        <p:spPr>
+          <a:xfrm>
+            <a:off x="441278" y="3040701"/>
+            <a:ext cx="2006221" cy="707886"/>
+          </a:xfrm>
+          <a:prstGeom prst="rect">
+            <a:avLst/>
+          </a:prstGeom>
+          <a:noFill/>
+        </p:spPr>
+        <p:txBody>
+          <a:bodyPr wrap="square" rtlCol="0">
+            <a:spAutoFit/>
+          </a:bodyPr>
+          <a:lstStyle/>
+          <a:p>
+            <a:pPr algn="ctr"/>
+            <a:r>
+              <a:rPr lang="en-US" sz="2000" dirty="0" err="1" smtClean="0">
+                <a:latin typeface="Times New Roman" panose="02020603050405020304" pitchFamily="18" charset="0"/>
+                <a:cs typeface="Times New Roman" panose="02020603050405020304" pitchFamily="18" charset="0"/>
+              </a:rPr>
+              <a:t>Kiểm</a:t>
+            </a:r>
+            <a:r>
+              <a:rPr lang="en-US" sz="2000" dirty="0" smtClean="0">
+                <a:latin typeface="Times New Roman" panose="02020603050405020304" pitchFamily="18" charset="0"/>
+                <a:cs typeface="Times New Roman" panose="02020603050405020304" pitchFamily="18" charset="0"/>
+              </a:rPr>
+              <a:t> </a:t>
+            </a:r>
+            <a:r>
+              <a:rPr lang="en-US" sz="2000" dirty="0" err="1" smtClean="0">
+                <a:latin typeface="Times New Roman" panose="02020603050405020304" pitchFamily="18" charset="0"/>
+                <a:cs typeface="Times New Roman" panose="02020603050405020304" pitchFamily="18" charset="0"/>
+              </a:rPr>
+              <a:t>tra</a:t>
+            </a:r>
+            <a:r>
+              <a:rPr lang="en-US" sz="2000" dirty="0" smtClean="0">
+                <a:latin typeface="Times New Roman" panose="02020603050405020304" pitchFamily="18" charset="0"/>
+                <a:cs typeface="Times New Roman" panose="02020603050405020304" pitchFamily="18" charset="0"/>
+              </a:rPr>
+              <a:t> NVL- </a:t>
+            </a:r>
+            <a:r>
+              <a:rPr lang="en-US" sz="2000" dirty="0" err="1" smtClean="0">
+                <a:latin typeface="Times New Roman" panose="02020603050405020304" pitchFamily="18" charset="0"/>
+                <a:cs typeface="Times New Roman" panose="02020603050405020304" pitchFamily="18" charset="0"/>
+              </a:rPr>
+              <a:t>Hóa</a:t>
+            </a:r>
+            <a:r>
+              <a:rPr lang="en-US" sz="2000" dirty="0" smtClean="0">
+                <a:latin typeface="Times New Roman" panose="02020603050405020304" pitchFamily="18" charset="0"/>
+                <a:cs typeface="Times New Roman" panose="02020603050405020304" pitchFamily="18" charset="0"/>
+              </a:rPr>
+              <a:t> </a:t>
+            </a:r>
+            <a:r>
+              <a:rPr lang="en-US" sz="2000" dirty="0" err="1" smtClean="0">
+                <a:latin typeface="Times New Roman" panose="02020603050405020304" pitchFamily="18" charset="0"/>
+                <a:cs typeface="Times New Roman" panose="02020603050405020304" pitchFamily="18" charset="0"/>
+              </a:rPr>
+              <a:t>chất</a:t>
+            </a:r>
+            <a:endParaRPr lang="en-US" sz="2000" dirty="0">
+              <a:latin typeface="Times New Roman" panose="02020603050405020304" pitchFamily="18" charset="0"/>
+              <a:cs typeface="Times New Roman" panose="02020603050405020304" pitchFamily="18" charset="0"/>
+            </a:endParaRPr>
+          </a:p>
+        </p:txBody>
+      </p:sp>
+      <p:sp>
+        <p:nvSpPr>
+          <p:cNvPr id="12" name="Rectangle 11"/>
+          <p:cNvSpPr/>
+          <p:nvPr/>
+        </p:nvSpPr>
+        <p:spPr>
+          <a:xfrm>
+            <a:off x="441278" y="4137100"/>
+            <a:ext cx="2006221" cy="859808"/>
+          </a:xfrm>
+          <a:prstGeom prst="rect">
+            <a:avLst/>
+          </a:prstGeom>
+        </p:spPr>
+        <p:style>
+          <a:lnRef idx="1">
+            <a:schemeClr val="accent2"/>
+          </a:lnRef>
+          <a:fillRef idx="2">
+            <a:schemeClr val="accent2"/>
+          </a:fillRef>
+          <a:effectRef idx="1">
+            <a:schemeClr val="accent2"/>
+          </a:effectRef>
+          <a:fontRef idx="minor">
+            <a:schemeClr val="dk1"/>
+          </a:fontRef>
+        </p:style>
+        <p:txBody>
+          <a:bodyPr rtlCol="0" anchor="ctr"/>
+          <a:lstStyle/>
+          <a:p>
+            <a:pPr algn="ctr"/>
+            <a:endParaRPr lang="en-US">
+              <a:latin typeface="Times New Roman" panose="02020603050405020304" pitchFamily="18" charset="0"/>
+              <a:cs typeface="Times New Roman" panose="02020603050405020304" pitchFamily="18" charset="0"/>
+            </a:endParaRPr>
+          </a:p>
+        </p:txBody>
+      </p:sp>
+      <p:sp>
+        <p:nvSpPr>
+          <p:cNvPr id="13" name="TextBox 12"/>
+          <p:cNvSpPr txBox="1"/>
+          <p:nvPr/>
+        </p:nvSpPr>
+        <p:spPr>
+          <a:xfrm>
+            <a:off x="441278" y="4168917"/>
+            <a:ext cx="2006221" cy="707886"/>
+          </a:xfrm>
+          <a:prstGeom prst="rect">
+            <a:avLst/>
+          </a:prstGeom>
+          <a:noFill/>
+        </p:spPr>
+        <p:txBody>
+          <a:bodyPr wrap="square" rtlCol="0">
+            <a:spAutoFit/>
+          </a:bodyPr>
+          <a:lstStyle/>
+          <a:p>
+            <a:pPr algn="ctr"/>
+            <a:r>
+              <a:rPr lang="en-US" sz="2000" dirty="0" err="1" smtClean="0">
+                <a:latin typeface="Times New Roman" panose="02020603050405020304" pitchFamily="18" charset="0"/>
+                <a:cs typeface="Times New Roman" panose="02020603050405020304" pitchFamily="18" charset="0"/>
+              </a:rPr>
+              <a:t>Kiểm</a:t>
+            </a:r>
+            <a:r>
+              <a:rPr lang="en-US" sz="2000" dirty="0" smtClean="0">
+                <a:latin typeface="Times New Roman" panose="02020603050405020304" pitchFamily="18" charset="0"/>
+                <a:cs typeface="Times New Roman" panose="02020603050405020304" pitchFamily="18" charset="0"/>
+              </a:rPr>
+              <a:t> </a:t>
+            </a:r>
+            <a:r>
+              <a:rPr lang="en-US" sz="2000" dirty="0" err="1" smtClean="0">
+                <a:latin typeface="Times New Roman" panose="02020603050405020304" pitchFamily="18" charset="0"/>
+                <a:cs typeface="Times New Roman" panose="02020603050405020304" pitchFamily="18" charset="0"/>
+              </a:rPr>
+              <a:t>tra</a:t>
+            </a:r>
+            <a:r>
+              <a:rPr lang="en-US" sz="2000" dirty="0" smtClean="0">
+                <a:latin typeface="Times New Roman" panose="02020603050405020304" pitchFamily="18" charset="0"/>
+                <a:cs typeface="Times New Roman" panose="02020603050405020304" pitchFamily="18" charset="0"/>
+              </a:rPr>
+              <a:t> NVL- </a:t>
+            </a:r>
+            <a:r>
+              <a:rPr lang="en-US" sz="2000" dirty="0" err="1" smtClean="0">
+                <a:latin typeface="Times New Roman" panose="02020603050405020304" pitchFamily="18" charset="0"/>
+                <a:cs typeface="Times New Roman" panose="02020603050405020304" pitchFamily="18" charset="0"/>
+              </a:rPr>
+              <a:t>Hóa</a:t>
+            </a:r>
+            <a:r>
+              <a:rPr lang="en-US" sz="2000" dirty="0" smtClean="0">
+                <a:latin typeface="Times New Roman" panose="02020603050405020304" pitchFamily="18" charset="0"/>
+                <a:cs typeface="Times New Roman" panose="02020603050405020304" pitchFamily="18" charset="0"/>
+              </a:rPr>
+              <a:t> </a:t>
+            </a:r>
+            <a:r>
+              <a:rPr lang="en-US" sz="2000" dirty="0" err="1" smtClean="0">
+                <a:latin typeface="Times New Roman" panose="02020603050405020304" pitchFamily="18" charset="0"/>
+                <a:cs typeface="Times New Roman" panose="02020603050405020304" pitchFamily="18" charset="0"/>
+              </a:rPr>
+              <a:t>chất</a:t>
+            </a:r>
+            <a:endParaRPr lang="en-US" sz="2000" dirty="0">
+              <a:latin typeface="Times New Roman" panose="02020603050405020304" pitchFamily="18" charset="0"/>
+              <a:cs typeface="Times New Roman" panose="02020603050405020304" pitchFamily="18" charset="0"/>
+            </a:endParaRPr>
+          </a:p>
+        </p:txBody>
+      </p:sp>
+      <p:sp>
+        <p:nvSpPr>
+          <p:cNvPr id="14" name="Rectangle 13"/>
+          <p:cNvSpPr/>
+          <p:nvPr/>
+        </p:nvSpPr>
+        <p:spPr>
+          <a:xfrm>
+            <a:off x="3516574" y="4137100"/>
+            <a:ext cx="2006221" cy="859808"/>
+          </a:xfrm>
+          <a:prstGeom prst="rect">
+            <a:avLst/>
+          </a:prstGeom>
+        </p:spPr>
+        <p:style>
+          <a:lnRef idx="1">
+            <a:schemeClr val="accent2"/>
+          </a:lnRef>
+          <a:fillRef idx="2">
+            <a:schemeClr val="accent2"/>
+          </a:fillRef>
+          <a:effectRef idx="1">
+            <a:schemeClr val="accent2"/>
+          </a:effectRef>
+          <a:fontRef idx="minor">
+            <a:schemeClr val="dk1"/>
+          </a:fontRef>
+        </p:style>
+        <p:txBody>
+          <a:bodyPr rtlCol="0" anchor="ctr"/>
+          <a:lstStyle/>
+          <a:p>
+            <a:pPr algn="ctr"/>
+            <a:endParaRPr lang="en-US">
+              <a:latin typeface="Times New Roman" panose="02020603050405020304" pitchFamily="18" charset="0"/>
+              <a:cs typeface="Times New Roman" panose="02020603050405020304" pitchFamily="18" charset="0"/>
+            </a:endParaRPr>
+          </a:p>
+        </p:txBody>
+      </p:sp>
+      <p:sp>
+        <p:nvSpPr>
+          <p:cNvPr id="15" name="TextBox 14"/>
+          <p:cNvSpPr txBox="1"/>
+          <p:nvPr/>
+        </p:nvSpPr>
+        <p:spPr>
+          <a:xfrm>
+            <a:off x="3516574" y="4168917"/>
+            <a:ext cx="2006221" cy="707886"/>
+          </a:xfrm>
+          <a:prstGeom prst="rect">
+            <a:avLst/>
+          </a:prstGeom>
+          <a:noFill/>
+        </p:spPr>
+        <p:txBody>
+          <a:bodyPr wrap="square" rtlCol="0">
+            <a:spAutoFit/>
+          </a:bodyPr>
+          <a:lstStyle/>
+          <a:p>
+            <a:pPr algn="ctr"/>
+            <a:r>
+              <a:rPr lang="en-US" sz="2000" dirty="0" err="1" smtClean="0">
+                <a:latin typeface="Times New Roman" panose="02020603050405020304" pitchFamily="18" charset="0"/>
+                <a:cs typeface="Times New Roman" panose="02020603050405020304" pitchFamily="18" charset="0"/>
+              </a:rPr>
+              <a:t>Kiểm</a:t>
+            </a:r>
+            <a:r>
+              <a:rPr lang="en-US" sz="2000" dirty="0" smtClean="0">
+                <a:latin typeface="Times New Roman" panose="02020603050405020304" pitchFamily="18" charset="0"/>
+                <a:cs typeface="Times New Roman" panose="02020603050405020304" pitchFamily="18" charset="0"/>
+              </a:rPr>
+              <a:t> </a:t>
+            </a:r>
+            <a:r>
+              <a:rPr lang="en-US" sz="2000" dirty="0" err="1" smtClean="0">
+                <a:latin typeface="Times New Roman" panose="02020603050405020304" pitchFamily="18" charset="0"/>
+                <a:cs typeface="Times New Roman" panose="02020603050405020304" pitchFamily="18" charset="0"/>
+              </a:rPr>
+              <a:t>tra</a:t>
+            </a:r>
+            <a:r>
+              <a:rPr lang="en-US" sz="2000" dirty="0" smtClean="0">
+                <a:latin typeface="Times New Roman" panose="02020603050405020304" pitchFamily="18" charset="0"/>
+                <a:cs typeface="Times New Roman" panose="02020603050405020304" pitchFamily="18" charset="0"/>
+              </a:rPr>
+              <a:t> NVL- </a:t>
+            </a:r>
+            <a:r>
+              <a:rPr lang="en-US" sz="2000" dirty="0" err="1" smtClean="0">
+                <a:latin typeface="Times New Roman" panose="02020603050405020304" pitchFamily="18" charset="0"/>
+                <a:cs typeface="Times New Roman" panose="02020603050405020304" pitchFamily="18" charset="0"/>
+              </a:rPr>
+              <a:t>Hóa</a:t>
+            </a:r>
+            <a:r>
+              <a:rPr lang="en-US" sz="2000" dirty="0" smtClean="0">
+                <a:latin typeface="Times New Roman" panose="02020603050405020304" pitchFamily="18" charset="0"/>
+                <a:cs typeface="Times New Roman" panose="02020603050405020304" pitchFamily="18" charset="0"/>
+              </a:rPr>
+              <a:t> </a:t>
+            </a:r>
+            <a:r>
+              <a:rPr lang="en-US" sz="2000" dirty="0" err="1" smtClean="0">
+                <a:latin typeface="Times New Roman" panose="02020603050405020304" pitchFamily="18" charset="0"/>
+                <a:cs typeface="Times New Roman" panose="02020603050405020304" pitchFamily="18" charset="0"/>
+              </a:rPr>
+              <a:t>chất</a:t>
+            </a:r>
+            <a:endParaRPr lang="en-US" sz="2000" dirty="0">
+              <a:latin typeface="Times New Roman" panose="02020603050405020304" pitchFamily="18" charset="0"/>
+              <a:cs typeface="Times New Roman" panose="02020603050405020304" pitchFamily="18" charset="0"/>
+            </a:endParaRPr>
+          </a:p>
+        </p:txBody>
+      </p:sp>
+      <p:sp>
+        <p:nvSpPr>
+          <p:cNvPr id="16" name="Rectangle 15"/>
+          <p:cNvSpPr/>
+          <p:nvPr/>
+        </p:nvSpPr>
+        <p:spPr>
+          <a:xfrm>
+            <a:off x="3550691" y="3008884"/>
+            <a:ext cx="2006221" cy="859808"/>
+          </a:xfrm>
+          <a:prstGeom prst="rect">
+            <a:avLst/>
+          </a:prstGeom>
+        </p:spPr>
+        <p:style>
+          <a:lnRef idx="1">
+            <a:schemeClr val="accent2"/>
+          </a:lnRef>
+          <a:fillRef idx="2">
+            <a:schemeClr val="accent2"/>
+          </a:fillRef>
+          <a:effectRef idx="1">
+            <a:schemeClr val="accent2"/>
+          </a:effectRef>
+          <a:fontRef idx="minor">
+            <a:schemeClr val="dk1"/>
+          </a:fontRef>
+        </p:style>
+        <p:txBody>
+          <a:bodyPr rtlCol="0" anchor="ctr"/>
+          <a:lstStyle/>
+          <a:p>
+            <a:pPr algn="ctr"/>
+            <a:endParaRPr lang="en-US">
+              <a:latin typeface="Times New Roman" panose="02020603050405020304" pitchFamily="18" charset="0"/>
+              <a:cs typeface="Times New Roman" panose="02020603050405020304" pitchFamily="18" charset="0"/>
+            </a:endParaRPr>
+          </a:p>
+        </p:txBody>
+      </p:sp>
+      <p:sp>
+        <p:nvSpPr>
+          <p:cNvPr id="17" name="TextBox 16"/>
+          <p:cNvSpPr txBox="1"/>
+          <p:nvPr/>
+        </p:nvSpPr>
+        <p:spPr>
+          <a:xfrm>
+            <a:off x="3550691" y="3040701"/>
+            <a:ext cx="2006221" cy="707886"/>
+          </a:xfrm>
+          <a:prstGeom prst="rect">
+            <a:avLst/>
+          </a:prstGeom>
+          <a:noFill/>
+        </p:spPr>
+        <p:txBody>
+          <a:bodyPr wrap="square" rtlCol="0">
+            <a:spAutoFit/>
+          </a:bodyPr>
+          <a:lstStyle/>
+          <a:p>
+            <a:pPr algn="ctr"/>
+            <a:r>
+              <a:rPr lang="en-US" sz="2000" dirty="0" err="1" smtClean="0">
+                <a:latin typeface="Times New Roman" panose="02020603050405020304" pitchFamily="18" charset="0"/>
+                <a:cs typeface="Times New Roman" panose="02020603050405020304" pitchFamily="18" charset="0"/>
+              </a:rPr>
+              <a:t>Kiểm</a:t>
+            </a:r>
+            <a:r>
+              <a:rPr lang="en-US" sz="2000" dirty="0" smtClean="0">
+                <a:latin typeface="Times New Roman" panose="02020603050405020304" pitchFamily="18" charset="0"/>
+                <a:cs typeface="Times New Roman" panose="02020603050405020304" pitchFamily="18" charset="0"/>
+              </a:rPr>
+              <a:t> </a:t>
+            </a:r>
+            <a:r>
+              <a:rPr lang="en-US" sz="2000" dirty="0" err="1" smtClean="0">
+                <a:latin typeface="Times New Roman" panose="02020603050405020304" pitchFamily="18" charset="0"/>
+                <a:cs typeface="Times New Roman" panose="02020603050405020304" pitchFamily="18" charset="0"/>
+              </a:rPr>
+              <a:t>tra</a:t>
+            </a:r>
+            <a:r>
+              <a:rPr lang="en-US" sz="2000" dirty="0" smtClean="0">
+                <a:latin typeface="Times New Roman" panose="02020603050405020304" pitchFamily="18" charset="0"/>
+                <a:cs typeface="Times New Roman" panose="02020603050405020304" pitchFamily="18" charset="0"/>
+              </a:rPr>
+              <a:t> NVL- </a:t>
+            </a:r>
+            <a:r>
+              <a:rPr lang="en-US" sz="2000" dirty="0" err="1" smtClean="0">
+                <a:latin typeface="Times New Roman" panose="02020603050405020304" pitchFamily="18" charset="0"/>
+                <a:cs typeface="Times New Roman" panose="02020603050405020304" pitchFamily="18" charset="0"/>
+              </a:rPr>
+              <a:t>Hóa</a:t>
+            </a:r>
+            <a:r>
+              <a:rPr lang="en-US" sz="2000" dirty="0" smtClean="0">
+                <a:latin typeface="Times New Roman" panose="02020603050405020304" pitchFamily="18" charset="0"/>
+                <a:cs typeface="Times New Roman" panose="02020603050405020304" pitchFamily="18" charset="0"/>
+              </a:rPr>
+              <a:t> </a:t>
+            </a:r>
+            <a:r>
+              <a:rPr lang="en-US" sz="2000" dirty="0" err="1" smtClean="0">
+                <a:latin typeface="Times New Roman" panose="02020603050405020304" pitchFamily="18" charset="0"/>
+                <a:cs typeface="Times New Roman" panose="02020603050405020304" pitchFamily="18" charset="0"/>
+              </a:rPr>
+              <a:t>chất</a:t>
+            </a:r>
+            <a:endParaRPr lang="en-US" sz="2000" dirty="0">
+              <a:latin typeface="Times New Roman" panose="02020603050405020304" pitchFamily="18" charset="0"/>
+              <a:cs typeface="Times New Roman" panose="02020603050405020304" pitchFamily="18" charset="0"/>
+            </a:endParaRPr>
+          </a:p>
+        </p:txBody>
+      </p:sp>
+      <p:sp>
+        <p:nvSpPr>
+          <p:cNvPr id="18" name="Rectangle 17"/>
+          <p:cNvSpPr/>
+          <p:nvPr/>
+        </p:nvSpPr>
+        <p:spPr>
+          <a:xfrm>
+            <a:off x="3550692" y="1864269"/>
+            <a:ext cx="2006221" cy="859808"/>
+          </a:xfrm>
+          <a:prstGeom prst="rect">
+            <a:avLst/>
+          </a:prstGeom>
+        </p:spPr>
+        <p:style>
+          <a:lnRef idx="1">
+            <a:schemeClr val="accent2"/>
+          </a:lnRef>
+          <a:fillRef idx="2">
+            <a:schemeClr val="accent2"/>
+          </a:fillRef>
+          <a:effectRef idx="1">
+            <a:schemeClr val="accent2"/>
+          </a:effectRef>
+          <a:fontRef idx="minor">
+            <a:schemeClr val="dk1"/>
+          </a:fontRef>
+        </p:style>
+        <p:txBody>
+          <a:bodyPr rtlCol="0" anchor="ctr"/>
+          <a:lstStyle/>
+          <a:p>
+            <a:pPr algn="ctr"/>
+            <a:endParaRPr lang="en-US">
+              <a:latin typeface="Times New Roman" panose="02020603050405020304" pitchFamily="18" charset="0"/>
+              <a:cs typeface="Times New Roman" panose="02020603050405020304" pitchFamily="18" charset="0"/>
+            </a:endParaRPr>
+          </a:p>
+        </p:txBody>
+      </p:sp>
+      <p:sp>
+        <p:nvSpPr>
+          <p:cNvPr id="19" name="TextBox 18"/>
+          <p:cNvSpPr txBox="1"/>
+          <p:nvPr/>
+        </p:nvSpPr>
+        <p:spPr>
+          <a:xfrm>
+            <a:off x="3550692" y="1896086"/>
+            <a:ext cx="2006221" cy="707886"/>
+          </a:xfrm>
+          <a:prstGeom prst="rect">
+            <a:avLst/>
+          </a:prstGeom>
+          <a:noFill/>
+        </p:spPr>
+        <p:txBody>
+          <a:bodyPr wrap="square" rtlCol="0">
+            <a:spAutoFit/>
+          </a:bodyPr>
+          <a:lstStyle/>
+          <a:p>
+            <a:pPr algn="ctr"/>
+            <a:r>
+              <a:rPr lang="en-US" sz="2000" dirty="0" err="1" smtClean="0">
+                <a:latin typeface="Times New Roman" panose="02020603050405020304" pitchFamily="18" charset="0"/>
+                <a:cs typeface="Times New Roman" panose="02020603050405020304" pitchFamily="18" charset="0"/>
+              </a:rPr>
+              <a:t>Kiểm</a:t>
+            </a:r>
+            <a:r>
+              <a:rPr lang="en-US" sz="2000" dirty="0" smtClean="0">
+                <a:latin typeface="Times New Roman" panose="02020603050405020304" pitchFamily="18" charset="0"/>
+                <a:cs typeface="Times New Roman" panose="02020603050405020304" pitchFamily="18" charset="0"/>
+              </a:rPr>
+              <a:t> </a:t>
+            </a:r>
+            <a:r>
+              <a:rPr lang="en-US" sz="2000" dirty="0" err="1" smtClean="0">
+                <a:latin typeface="Times New Roman" panose="02020603050405020304" pitchFamily="18" charset="0"/>
+                <a:cs typeface="Times New Roman" panose="02020603050405020304" pitchFamily="18" charset="0"/>
+              </a:rPr>
+              <a:t>tra</a:t>
+            </a:r>
+            <a:r>
+              <a:rPr lang="en-US" sz="2000" dirty="0" smtClean="0">
+                <a:latin typeface="Times New Roman" panose="02020603050405020304" pitchFamily="18" charset="0"/>
+                <a:cs typeface="Times New Roman" panose="02020603050405020304" pitchFamily="18" charset="0"/>
+              </a:rPr>
+              <a:t> NVL- </a:t>
+            </a:r>
+            <a:r>
+              <a:rPr lang="en-US" sz="2000" dirty="0" err="1" smtClean="0">
+                <a:latin typeface="Times New Roman" panose="02020603050405020304" pitchFamily="18" charset="0"/>
+                <a:cs typeface="Times New Roman" panose="02020603050405020304" pitchFamily="18" charset="0"/>
+              </a:rPr>
+              <a:t>Hóa</a:t>
+            </a:r>
+            <a:r>
+              <a:rPr lang="en-US" sz="2000" dirty="0" smtClean="0">
+                <a:latin typeface="Times New Roman" panose="02020603050405020304" pitchFamily="18" charset="0"/>
+                <a:cs typeface="Times New Roman" panose="02020603050405020304" pitchFamily="18" charset="0"/>
+              </a:rPr>
+              <a:t> </a:t>
+            </a:r>
+            <a:r>
+              <a:rPr lang="en-US" sz="2000" dirty="0" err="1" smtClean="0">
+                <a:latin typeface="Times New Roman" panose="02020603050405020304" pitchFamily="18" charset="0"/>
+                <a:cs typeface="Times New Roman" panose="02020603050405020304" pitchFamily="18" charset="0"/>
+              </a:rPr>
+              <a:t>chất</a:t>
+            </a:r>
+            <a:endParaRPr lang="en-US" sz="2000" dirty="0">
+              <a:latin typeface="Times New Roman" panose="02020603050405020304" pitchFamily="18" charset="0"/>
+              <a:cs typeface="Times New Roman" panose="02020603050405020304" pitchFamily="18" charset="0"/>
+            </a:endParaRPr>
+          </a:p>
+        </p:txBody>
+      </p:sp>
+      <p:sp>
+        <p:nvSpPr>
+          <p:cNvPr id="20" name="Rectangle 19"/>
+          <p:cNvSpPr/>
+          <p:nvPr/>
+        </p:nvSpPr>
+        <p:spPr>
+          <a:xfrm>
+            <a:off x="3550693" y="683263"/>
+            <a:ext cx="2006221" cy="859808"/>
+          </a:xfrm>
+          <a:prstGeom prst="rect">
+            <a:avLst/>
+          </a:prstGeom>
+        </p:spPr>
+        <p:style>
+          <a:lnRef idx="1">
+            <a:schemeClr val="accent2"/>
+          </a:lnRef>
+          <a:fillRef idx="2">
+            <a:schemeClr val="accent2"/>
+          </a:fillRef>
+          <a:effectRef idx="1">
+            <a:schemeClr val="accent2"/>
+          </a:effectRef>
+          <a:fontRef idx="minor">
+            <a:schemeClr val="dk1"/>
+          </a:fontRef>
+        </p:style>
+        <p:txBody>
+          <a:bodyPr rtlCol="0" anchor="ctr"/>
+          <a:lstStyle/>
+          <a:p>
+            <a:pPr algn="ctr"/>
+            <a:endParaRPr lang="en-US">
+              <a:latin typeface="Times New Roman" panose="02020603050405020304" pitchFamily="18" charset="0"/>
+              <a:cs typeface="Times New Roman" panose="02020603050405020304" pitchFamily="18" charset="0"/>
+            </a:endParaRPr>
+          </a:p>
+        </p:txBody>
+      </p:sp>
+      <p:sp>
+        <p:nvSpPr>
+          <p:cNvPr id="21" name="TextBox 20"/>
+          <p:cNvSpPr txBox="1"/>
+          <p:nvPr/>
+        </p:nvSpPr>
+        <p:spPr>
+          <a:xfrm>
+            <a:off x="3550693" y="715080"/>
+            <a:ext cx="2006221" cy="707886"/>
+          </a:xfrm>
+          <a:prstGeom prst="rect">
+            <a:avLst/>
+          </a:prstGeom>
+          <a:noFill/>
+        </p:spPr>
+        <p:txBody>
+          <a:bodyPr wrap="square" rtlCol="0">
+            <a:spAutoFit/>
+          </a:bodyPr>
+          <a:lstStyle/>
+          <a:p>
+            <a:pPr algn="ctr"/>
+            <a:r>
+              <a:rPr lang="en-US" sz="2000" dirty="0" err="1" smtClean="0">
+                <a:latin typeface="Times New Roman" panose="02020603050405020304" pitchFamily="18" charset="0"/>
+                <a:cs typeface="Times New Roman" panose="02020603050405020304" pitchFamily="18" charset="0"/>
+              </a:rPr>
+              <a:t>Kiểm</a:t>
+            </a:r>
+            <a:r>
+              <a:rPr lang="en-US" sz="2000" dirty="0" smtClean="0">
+                <a:latin typeface="Times New Roman" panose="02020603050405020304" pitchFamily="18" charset="0"/>
+                <a:cs typeface="Times New Roman" panose="02020603050405020304" pitchFamily="18" charset="0"/>
+              </a:rPr>
+              <a:t> </a:t>
+            </a:r>
+            <a:r>
+              <a:rPr lang="en-US" sz="2000" dirty="0" err="1" smtClean="0">
+                <a:latin typeface="Times New Roman" panose="02020603050405020304" pitchFamily="18" charset="0"/>
+                <a:cs typeface="Times New Roman" panose="02020603050405020304" pitchFamily="18" charset="0"/>
+              </a:rPr>
+              <a:t>tra</a:t>
+            </a:r>
+            <a:r>
+              <a:rPr lang="en-US" sz="2000" dirty="0" smtClean="0">
+                <a:latin typeface="Times New Roman" panose="02020603050405020304" pitchFamily="18" charset="0"/>
+                <a:cs typeface="Times New Roman" panose="02020603050405020304" pitchFamily="18" charset="0"/>
+              </a:rPr>
+              <a:t> NVL- </a:t>
+            </a:r>
+            <a:r>
+              <a:rPr lang="en-US" sz="2000" dirty="0" err="1" smtClean="0">
+                <a:latin typeface="Times New Roman" panose="02020603050405020304" pitchFamily="18" charset="0"/>
+                <a:cs typeface="Times New Roman" panose="02020603050405020304" pitchFamily="18" charset="0"/>
+              </a:rPr>
+              <a:t>Hóa</a:t>
+            </a:r>
+            <a:r>
+              <a:rPr lang="en-US" sz="2000" dirty="0" smtClean="0">
+                <a:latin typeface="Times New Roman" panose="02020603050405020304" pitchFamily="18" charset="0"/>
+                <a:cs typeface="Times New Roman" panose="02020603050405020304" pitchFamily="18" charset="0"/>
+              </a:rPr>
+              <a:t> </a:t>
+            </a:r>
+            <a:r>
+              <a:rPr lang="en-US" sz="2000" dirty="0" err="1" smtClean="0">
+                <a:latin typeface="Times New Roman" panose="02020603050405020304" pitchFamily="18" charset="0"/>
+                <a:cs typeface="Times New Roman" panose="02020603050405020304" pitchFamily="18" charset="0"/>
+              </a:rPr>
+              <a:t>chất</a:t>
+            </a:r>
+            <a:endParaRPr lang="en-US" sz="2000" dirty="0">
+              <a:latin typeface="Times New Roman" panose="02020603050405020304" pitchFamily="18" charset="0"/>
+              <a:cs typeface="Times New Roman" panose="02020603050405020304" pitchFamily="18" charset="0"/>
+            </a:endParaRPr>
+          </a:p>
+        </p:txBody>
+      </p:sp>
+      <p:sp>
+        <p:nvSpPr>
+          <p:cNvPr id="22" name="Rectangle 21"/>
+          <p:cNvSpPr/>
+          <p:nvPr/>
+        </p:nvSpPr>
+        <p:spPr>
+          <a:xfrm>
+            <a:off x="6560025" y="743327"/>
+            <a:ext cx="2006221" cy="859808"/>
+          </a:xfrm>
+          <a:prstGeom prst="rect">
+            <a:avLst/>
+          </a:prstGeom>
+        </p:spPr>
+        <p:style>
+          <a:lnRef idx="1">
+            <a:schemeClr val="accent2"/>
+          </a:lnRef>
+          <a:fillRef idx="2">
+            <a:schemeClr val="accent2"/>
+          </a:fillRef>
+          <a:effectRef idx="1">
+            <a:schemeClr val="accent2"/>
+          </a:effectRef>
+          <a:fontRef idx="minor">
+            <a:schemeClr val="dk1"/>
+          </a:fontRef>
+        </p:style>
+        <p:txBody>
+          <a:bodyPr rtlCol="0" anchor="ctr"/>
+          <a:lstStyle/>
+          <a:p>
+            <a:pPr algn="ctr"/>
+            <a:endParaRPr lang="en-US">
+              <a:latin typeface="Times New Roman" panose="02020603050405020304" pitchFamily="18" charset="0"/>
+              <a:cs typeface="Times New Roman" panose="02020603050405020304" pitchFamily="18" charset="0"/>
+            </a:endParaRPr>
+          </a:p>
+        </p:txBody>
+      </p:sp>
+      <p:sp>
+        <p:nvSpPr>
+          <p:cNvPr id="23" name="TextBox 22"/>
+          <p:cNvSpPr txBox="1"/>
+          <p:nvPr/>
+        </p:nvSpPr>
+        <p:spPr>
+          <a:xfrm>
+            <a:off x="6560025" y="775144"/>
+            <a:ext cx="2006221" cy="707886"/>
+          </a:xfrm>
+          <a:prstGeom prst="rect">
+            <a:avLst/>
+          </a:prstGeom>
+          <a:noFill/>
+        </p:spPr>
+        <p:txBody>
+          <a:bodyPr wrap="square" rtlCol="0">
+            <a:spAutoFit/>
+          </a:bodyPr>
+          <a:lstStyle/>
+          <a:p>
+            <a:pPr algn="ctr"/>
+            <a:r>
+              <a:rPr lang="en-US" sz="2000" dirty="0" err="1" smtClean="0">
+                <a:latin typeface="Times New Roman" panose="02020603050405020304" pitchFamily="18" charset="0"/>
+                <a:cs typeface="Times New Roman" panose="02020603050405020304" pitchFamily="18" charset="0"/>
+              </a:rPr>
+              <a:t>Kiểm</a:t>
+            </a:r>
+            <a:r>
+              <a:rPr lang="en-US" sz="2000" dirty="0" smtClean="0">
+                <a:latin typeface="Times New Roman" panose="02020603050405020304" pitchFamily="18" charset="0"/>
+                <a:cs typeface="Times New Roman" panose="02020603050405020304" pitchFamily="18" charset="0"/>
+              </a:rPr>
+              <a:t> </a:t>
+            </a:r>
+            <a:r>
+              <a:rPr lang="en-US" sz="2000" dirty="0" err="1" smtClean="0">
+                <a:latin typeface="Times New Roman" panose="02020603050405020304" pitchFamily="18" charset="0"/>
+                <a:cs typeface="Times New Roman" panose="02020603050405020304" pitchFamily="18" charset="0"/>
+              </a:rPr>
+              <a:t>tra</a:t>
+            </a:r>
+            <a:r>
+              <a:rPr lang="en-US" sz="2000" dirty="0" smtClean="0">
+                <a:latin typeface="Times New Roman" panose="02020603050405020304" pitchFamily="18" charset="0"/>
+                <a:cs typeface="Times New Roman" panose="02020603050405020304" pitchFamily="18" charset="0"/>
+              </a:rPr>
+              <a:t> NVL- </a:t>
+            </a:r>
+            <a:r>
+              <a:rPr lang="en-US" sz="2000" dirty="0" err="1" smtClean="0">
+                <a:latin typeface="Times New Roman" panose="02020603050405020304" pitchFamily="18" charset="0"/>
+                <a:cs typeface="Times New Roman" panose="02020603050405020304" pitchFamily="18" charset="0"/>
+              </a:rPr>
+              <a:t>Hóa</a:t>
+            </a:r>
+            <a:r>
+              <a:rPr lang="en-US" sz="2000" dirty="0" smtClean="0">
+                <a:latin typeface="Times New Roman" panose="02020603050405020304" pitchFamily="18" charset="0"/>
+                <a:cs typeface="Times New Roman" panose="02020603050405020304" pitchFamily="18" charset="0"/>
+              </a:rPr>
+              <a:t> </a:t>
+            </a:r>
+            <a:r>
+              <a:rPr lang="en-US" sz="2000" dirty="0" err="1" smtClean="0">
+                <a:latin typeface="Times New Roman" panose="02020603050405020304" pitchFamily="18" charset="0"/>
+                <a:cs typeface="Times New Roman" panose="02020603050405020304" pitchFamily="18" charset="0"/>
+              </a:rPr>
+              <a:t>chất</a:t>
+            </a:r>
+            <a:endParaRPr lang="en-US" sz="2000" dirty="0">
+              <a:latin typeface="Times New Roman" panose="02020603050405020304" pitchFamily="18" charset="0"/>
+              <a:cs typeface="Times New Roman" panose="02020603050405020304" pitchFamily="18" charset="0"/>
+            </a:endParaRPr>
+          </a:p>
+        </p:txBody>
+      </p:sp>
+      <p:sp>
+        <p:nvSpPr>
+          <p:cNvPr id="24" name="Rectangle 23"/>
+          <p:cNvSpPr/>
+          <p:nvPr/>
+        </p:nvSpPr>
+        <p:spPr>
+          <a:xfrm>
+            <a:off x="6560025" y="1895693"/>
+            <a:ext cx="2006221" cy="859808"/>
+          </a:xfrm>
+          <a:prstGeom prst="rect">
+            <a:avLst/>
+          </a:prstGeom>
+        </p:spPr>
+        <p:style>
+          <a:lnRef idx="1">
+            <a:schemeClr val="accent2"/>
+          </a:lnRef>
+          <a:fillRef idx="2">
+            <a:schemeClr val="accent2"/>
+          </a:fillRef>
+          <a:effectRef idx="1">
+            <a:schemeClr val="accent2"/>
+          </a:effectRef>
+          <a:fontRef idx="minor">
+            <a:schemeClr val="dk1"/>
+          </a:fontRef>
+        </p:style>
+        <p:txBody>
+          <a:bodyPr rtlCol="0" anchor="ctr"/>
+          <a:lstStyle/>
+          <a:p>
+            <a:pPr algn="ctr"/>
+            <a:endParaRPr lang="en-US">
+              <a:latin typeface="Times New Roman" panose="02020603050405020304" pitchFamily="18" charset="0"/>
+              <a:cs typeface="Times New Roman" panose="02020603050405020304" pitchFamily="18" charset="0"/>
+            </a:endParaRPr>
+          </a:p>
+        </p:txBody>
+      </p:sp>
+      <p:sp>
+        <p:nvSpPr>
+          <p:cNvPr id="25" name="TextBox 24"/>
+          <p:cNvSpPr txBox="1"/>
+          <p:nvPr/>
+        </p:nvSpPr>
+        <p:spPr>
+          <a:xfrm>
+            <a:off x="6560025" y="1927510"/>
+            <a:ext cx="2006221" cy="707886"/>
+          </a:xfrm>
+          <a:prstGeom prst="rect">
+            <a:avLst/>
+          </a:prstGeom>
+          <a:noFill/>
+        </p:spPr>
+        <p:txBody>
+          <a:bodyPr wrap="square" rtlCol="0">
+            <a:spAutoFit/>
+          </a:bodyPr>
+          <a:lstStyle/>
+          <a:p>
+            <a:pPr algn="ctr"/>
+            <a:r>
+              <a:rPr lang="en-US" sz="2000" dirty="0" err="1" smtClean="0">
+                <a:latin typeface="Times New Roman" panose="02020603050405020304" pitchFamily="18" charset="0"/>
+                <a:cs typeface="Times New Roman" panose="02020603050405020304" pitchFamily="18" charset="0"/>
+              </a:rPr>
+              <a:t>Kiểm</a:t>
+            </a:r>
+            <a:r>
+              <a:rPr lang="en-US" sz="2000" dirty="0" smtClean="0">
+                <a:latin typeface="Times New Roman" panose="02020603050405020304" pitchFamily="18" charset="0"/>
+                <a:cs typeface="Times New Roman" panose="02020603050405020304" pitchFamily="18" charset="0"/>
+              </a:rPr>
+              <a:t> </a:t>
+            </a:r>
+            <a:r>
+              <a:rPr lang="en-US" sz="2000" dirty="0" err="1" smtClean="0">
+                <a:latin typeface="Times New Roman" panose="02020603050405020304" pitchFamily="18" charset="0"/>
+                <a:cs typeface="Times New Roman" panose="02020603050405020304" pitchFamily="18" charset="0"/>
+              </a:rPr>
+              <a:t>tra</a:t>
+            </a:r>
+            <a:r>
+              <a:rPr lang="en-US" sz="2000" dirty="0" smtClean="0">
+                <a:latin typeface="Times New Roman" panose="02020603050405020304" pitchFamily="18" charset="0"/>
+                <a:cs typeface="Times New Roman" panose="02020603050405020304" pitchFamily="18" charset="0"/>
+              </a:rPr>
+              <a:t> NVL- </a:t>
+            </a:r>
+            <a:r>
+              <a:rPr lang="en-US" sz="2000" dirty="0" err="1" smtClean="0">
+                <a:latin typeface="Times New Roman" panose="02020603050405020304" pitchFamily="18" charset="0"/>
+                <a:cs typeface="Times New Roman" panose="02020603050405020304" pitchFamily="18" charset="0"/>
+              </a:rPr>
+              <a:t>Hóa</a:t>
+            </a:r>
+            <a:r>
+              <a:rPr lang="en-US" sz="2000" dirty="0" smtClean="0">
+                <a:latin typeface="Times New Roman" panose="02020603050405020304" pitchFamily="18" charset="0"/>
+                <a:cs typeface="Times New Roman" panose="02020603050405020304" pitchFamily="18" charset="0"/>
+              </a:rPr>
+              <a:t> </a:t>
+            </a:r>
+            <a:r>
+              <a:rPr lang="en-US" sz="2000" dirty="0" err="1" smtClean="0">
+                <a:latin typeface="Times New Roman" panose="02020603050405020304" pitchFamily="18" charset="0"/>
+                <a:cs typeface="Times New Roman" panose="02020603050405020304" pitchFamily="18" charset="0"/>
+              </a:rPr>
+              <a:t>chất</a:t>
+            </a:r>
+            <a:endParaRPr lang="en-US" sz="2000" dirty="0">
+              <a:latin typeface="Times New Roman" panose="02020603050405020304" pitchFamily="18" charset="0"/>
+              <a:cs typeface="Times New Roman" panose="02020603050405020304" pitchFamily="18" charset="0"/>
+            </a:endParaRPr>
+          </a:p>
+        </p:txBody>
+      </p:sp>
+      <p:sp>
+        <p:nvSpPr>
+          <p:cNvPr id="26" name="Rectangle 25"/>
+          <p:cNvSpPr/>
+          <p:nvPr/>
+        </p:nvSpPr>
+        <p:spPr>
+          <a:xfrm>
+            <a:off x="6560024" y="4168917"/>
+            <a:ext cx="2006221" cy="859808"/>
+          </a:xfrm>
+          <a:prstGeom prst="rect">
+            <a:avLst/>
+          </a:prstGeom>
+        </p:spPr>
+        <p:style>
+          <a:lnRef idx="1">
+            <a:schemeClr val="accent2"/>
+          </a:lnRef>
+          <a:fillRef idx="2">
+            <a:schemeClr val="accent2"/>
+          </a:fillRef>
+          <a:effectRef idx="1">
+            <a:schemeClr val="accent2"/>
+          </a:effectRef>
+          <a:fontRef idx="minor">
+            <a:schemeClr val="dk1"/>
+          </a:fontRef>
+        </p:style>
+        <p:txBody>
+          <a:bodyPr rtlCol="0" anchor="ctr"/>
+          <a:lstStyle/>
+          <a:p>
+            <a:pPr algn="ctr"/>
+            <a:endParaRPr lang="en-US">
+              <a:latin typeface="Times New Roman" panose="02020603050405020304" pitchFamily="18" charset="0"/>
+              <a:cs typeface="Times New Roman" panose="02020603050405020304" pitchFamily="18" charset="0"/>
+            </a:endParaRPr>
+          </a:p>
+        </p:txBody>
+      </p:sp>
+      <p:sp>
+        <p:nvSpPr>
+          <p:cNvPr id="27" name="TextBox 26"/>
+          <p:cNvSpPr txBox="1"/>
+          <p:nvPr/>
+        </p:nvSpPr>
+        <p:spPr>
+          <a:xfrm>
+            <a:off x="6560025" y="4284445"/>
+            <a:ext cx="2006221" cy="707886"/>
+          </a:xfrm>
+          <a:prstGeom prst="rect">
+            <a:avLst/>
+          </a:prstGeom>
+          <a:noFill/>
+        </p:spPr>
+        <p:txBody>
+          <a:bodyPr wrap="square" rtlCol="0">
+            <a:spAutoFit/>
+          </a:bodyPr>
+          <a:lstStyle/>
+          <a:p>
+            <a:pPr algn="ctr"/>
+            <a:r>
+              <a:rPr lang="en-US" sz="2000" dirty="0" err="1" smtClean="0">
+                <a:latin typeface="Times New Roman" panose="02020603050405020304" pitchFamily="18" charset="0"/>
+                <a:cs typeface="Times New Roman" panose="02020603050405020304" pitchFamily="18" charset="0"/>
+              </a:rPr>
+              <a:t>Kiểm</a:t>
+            </a:r>
+            <a:r>
+              <a:rPr lang="en-US" sz="2000" dirty="0" smtClean="0">
+                <a:latin typeface="Times New Roman" panose="02020603050405020304" pitchFamily="18" charset="0"/>
+                <a:cs typeface="Times New Roman" panose="02020603050405020304" pitchFamily="18" charset="0"/>
+              </a:rPr>
+              <a:t> </a:t>
+            </a:r>
+            <a:r>
+              <a:rPr lang="en-US" sz="2000" dirty="0" err="1" smtClean="0">
+                <a:latin typeface="Times New Roman" panose="02020603050405020304" pitchFamily="18" charset="0"/>
+                <a:cs typeface="Times New Roman" panose="02020603050405020304" pitchFamily="18" charset="0"/>
+              </a:rPr>
+              <a:t>tra</a:t>
+            </a:r>
+            <a:r>
+              <a:rPr lang="en-US" sz="2000" dirty="0" smtClean="0">
+                <a:latin typeface="Times New Roman" panose="02020603050405020304" pitchFamily="18" charset="0"/>
+                <a:cs typeface="Times New Roman" panose="02020603050405020304" pitchFamily="18" charset="0"/>
+              </a:rPr>
+              <a:t> NVL- </a:t>
+            </a:r>
+            <a:r>
+              <a:rPr lang="en-US" sz="2000" dirty="0" err="1" smtClean="0">
+                <a:latin typeface="Times New Roman" panose="02020603050405020304" pitchFamily="18" charset="0"/>
+                <a:cs typeface="Times New Roman" panose="02020603050405020304" pitchFamily="18" charset="0"/>
+              </a:rPr>
+              <a:t>Hóa</a:t>
+            </a:r>
+            <a:r>
+              <a:rPr lang="en-US" sz="2000" dirty="0" smtClean="0">
+                <a:latin typeface="Times New Roman" panose="02020603050405020304" pitchFamily="18" charset="0"/>
+                <a:cs typeface="Times New Roman" panose="02020603050405020304" pitchFamily="18" charset="0"/>
+              </a:rPr>
+              <a:t> </a:t>
+            </a:r>
+            <a:r>
+              <a:rPr lang="en-US" sz="2000" dirty="0" err="1" smtClean="0">
+                <a:latin typeface="Times New Roman" panose="02020603050405020304" pitchFamily="18" charset="0"/>
+                <a:cs typeface="Times New Roman" panose="02020603050405020304" pitchFamily="18" charset="0"/>
+              </a:rPr>
+              <a:t>chất</a:t>
+            </a:r>
+            <a:endParaRPr lang="en-US" sz="2000" dirty="0">
+              <a:latin typeface="Times New Roman" panose="02020603050405020304" pitchFamily="18" charset="0"/>
+              <a:cs typeface="Times New Roman" panose="02020603050405020304" pitchFamily="18" charset="0"/>
+            </a:endParaRPr>
+          </a:p>
+        </p:txBody>
+      </p:sp>
+      <p:sp>
+        <p:nvSpPr>
+          <p:cNvPr id="28" name="Rectangle 27"/>
+          <p:cNvSpPr/>
+          <p:nvPr/>
+        </p:nvSpPr>
+        <p:spPr>
+          <a:xfrm>
+            <a:off x="6560025" y="3008884"/>
+            <a:ext cx="2006221" cy="859808"/>
+          </a:xfrm>
+          <a:prstGeom prst="rect">
+            <a:avLst/>
+          </a:prstGeom>
+        </p:spPr>
+        <p:style>
+          <a:lnRef idx="1">
+            <a:schemeClr val="accent2"/>
+          </a:lnRef>
+          <a:fillRef idx="2">
+            <a:schemeClr val="accent2"/>
+          </a:fillRef>
+          <a:effectRef idx="1">
+            <a:schemeClr val="accent2"/>
+          </a:effectRef>
+          <a:fontRef idx="minor">
+            <a:schemeClr val="dk1"/>
+          </a:fontRef>
+        </p:style>
+        <p:txBody>
+          <a:bodyPr rtlCol="0" anchor="ctr"/>
+          <a:lstStyle/>
+          <a:p>
+            <a:pPr algn="ctr"/>
+            <a:endParaRPr lang="en-US">
+              <a:latin typeface="Times New Roman" panose="02020603050405020304" pitchFamily="18" charset="0"/>
+              <a:cs typeface="Times New Roman" panose="02020603050405020304" pitchFamily="18" charset="0"/>
+            </a:endParaRPr>
+          </a:p>
+        </p:txBody>
+      </p:sp>
+      <p:sp>
+        <p:nvSpPr>
+          <p:cNvPr id="29" name="TextBox 28"/>
+          <p:cNvSpPr txBox="1"/>
+          <p:nvPr/>
+        </p:nvSpPr>
+        <p:spPr>
+          <a:xfrm>
+            <a:off x="6560025" y="3040701"/>
+            <a:ext cx="2006221" cy="707886"/>
+          </a:xfrm>
+          <a:prstGeom prst="rect">
+            <a:avLst/>
+          </a:prstGeom>
+          <a:noFill/>
+        </p:spPr>
+        <p:txBody>
+          <a:bodyPr wrap="square" rtlCol="0">
+            <a:spAutoFit/>
+          </a:bodyPr>
+          <a:lstStyle/>
+          <a:p>
+            <a:pPr algn="ctr"/>
+            <a:r>
+              <a:rPr lang="en-US" sz="2000" dirty="0" err="1" smtClean="0">
+                <a:latin typeface="Times New Roman" panose="02020603050405020304" pitchFamily="18" charset="0"/>
+                <a:cs typeface="Times New Roman" panose="02020603050405020304" pitchFamily="18" charset="0"/>
+              </a:rPr>
+              <a:t>Kiểm</a:t>
+            </a:r>
+            <a:r>
+              <a:rPr lang="en-US" sz="2000" dirty="0" smtClean="0">
+                <a:latin typeface="Times New Roman" panose="02020603050405020304" pitchFamily="18" charset="0"/>
+                <a:cs typeface="Times New Roman" panose="02020603050405020304" pitchFamily="18" charset="0"/>
+              </a:rPr>
+              <a:t> </a:t>
+            </a:r>
+            <a:r>
+              <a:rPr lang="en-US" sz="2000" dirty="0" err="1" smtClean="0">
+                <a:latin typeface="Times New Roman" panose="02020603050405020304" pitchFamily="18" charset="0"/>
+                <a:cs typeface="Times New Roman" panose="02020603050405020304" pitchFamily="18" charset="0"/>
+              </a:rPr>
+              <a:t>tra</a:t>
+            </a:r>
+            <a:r>
+              <a:rPr lang="en-US" sz="2000" dirty="0" smtClean="0">
+                <a:latin typeface="Times New Roman" panose="02020603050405020304" pitchFamily="18" charset="0"/>
+                <a:cs typeface="Times New Roman" panose="02020603050405020304" pitchFamily="18" charset="0"/>
+              </a:rPr>
+              <a:t> NVL- </a:t>
+            </a:r>
+            <a:r>
+              <a:rPr lang="en-US" sz="2000" dirty="0" err="1" smtClean="0">
+                <a:latin typeface="Times New Roman" panose="02020603050405020304" pitchFamily="18" charset="0"/>
+                <a:cs typeface="Times New Roman" panose="02020603050405020304" pitchFamily="18" charset="0"/>
+              </a:rPr>
+              <a:t>Hóa</a:t>
+            </a:r>
+            <a:r>
+              <a:rPr lang="en-US" sz="2000" dirty="0" smtClean="0">
+                <a:latin typeface="Times New Roman" panose="02020603050405020304" pitchFamily="18" charset="0"/>
+                <a:cs typeface="Times New Roman" panose="02020603050405020304" pitchFamily="18" charset="0"/>
+              </a:rPr>
+              <a:t> </a:t>
+            </a:r>
+            <a:r>
+              <a:rPr lang="en-US" sz="2000" dirty="0" err="1" smtClean="0">
+                <a:latin typeface="Times New Roman" panose="02020603050405020304" pitchFamily="18" charset="0"/>
+                <a:cs typeface="Times New Roman" panose="02020603050405020304" pitchFamily="18" charset="0"/>
+              </a:rPr>
+              <a:t>chất</a:t>
+            </a:r>
+            <a:endParaRPr lang="en-US" sz="2000" dirty="0">
+              <a:latin typeface="Times New Roman" panose="02020603050405020304" pitchFamily="18" charset="0"/>
+              <a:cs typeface="Times New Roman" panose="02020603050405020304" pitchFamily="18" charset="0"/>
+            </a:endParaRPr>
+          </a:p>
+        </p:txBody>
+      </p:sp>
+      <p:cxnSp>
+        <p:nvCxnSpPr>
+          <p:cNvPr id="6" name="Straight Arrow Connector 5"/>
+          <p:cNvCxnSpPr>
+            <a:stCxn id="3" idx="3"/>
+            <a:endCxn id="20" idx="1"/>
+          </p:cNvCxnSpPr>
+          <p:nvPr/>
+        </p:nvCxnSpPr>
+        <p:spPr>
+          <a:xfrm>
+            <a:off x="2447499" y="1113167"/>
+            <a:ext cx="1103194" cy="0"/>
+          </a:xfrm>
+          <a:prstGeom prst="straightConnector1">
+            <a:avLst/>
+          </a:prstGeom>
+          <a:ln>
+            <a:tailEnd type="arrow"/>
+          </a:ln>
+        </p:spPr>
+        <p:style>
+          <a:lnRef idx="3">
+            <a:schemeClr val="dk1"/>
+          </a:lnRef>
+          <a:fillRef idx="0">
+            <a:schemeClr val="dk1"/>
+          </a:fillRef>
+          <a:effectRef idx="2">
+            <a:schemeClr val="dk1"/>
+          </a:effectRef>
+          <a:fontRef idx="minor">
+            <a:schemeClr val="tx1"/>
+          </a:fontRef>
+        </p:style>
+      </p:cxnSp>
+      <p:cxnSp>
+        <p:nvCxnSpPr>
+          <p:cNvPr id="33" name="Straight Arrow Connector 32"/>
+          <p:cNvCxnSpPr>
+            <a:endCxn id="23" idx="1"/>
+          </p:cNvCxnSpPr>
+          <p:nvPr/>
+        </p:nvCxnSpPr>
+        <p:spPr>
+          <a:xfrm>
+            <a:off x="5522795" y="1129087"/>
+            <a:ext cx="1037230" cy="0"/>
+          </a:xfrm>
+          <a:prstGeom prst="straightConnector1">
+            <a:avLst/>
+          </a:prstGeom>
+          <a:ln>
+            <a:tailEnd type="arrow"/>
+          </a:ln>
+        </p:spPr>
+        <p:style>
+          <a:lnRef idx="3">
+            <a:schemeClr val="dk1"/>
+          </a:lnRef>
+          <a:fillRef idx="0">
+            <a:schemeClr val="dk1"/>
+          </a:fillRef>
+          <a:effectRef idx="2">
+            <a:schemeClr val="dk1"/>
+          </a:effectRef>
+          <a:fontRef idx="minor">
+            <a:schemeClr val="tx1"/>
+          </a:fontRef>
+        </p:style>
+      </p:cxnSp>
+      <p:cxnSp>
+        <p:nvCxnSpPr>
+          <p:cNvPr id="34" name="Straight Arrow Connector 33"/>
+          <p:cNvCxnSpPr/>
+          <p:nvPr/>
+        </p:nvCxnSpPr>
+        <p:spPr>
+          <a:xfrm>
+            <a:off x="5556914" y="3476083"/>
+            <a:ext cx="1003110" cy="0"/>
+          </a:xfrm>
+          <a:prstGeom prst="straightConnector1">
+            <a:avLst/>
+          </a:prstGeom>
+          <a:ln>
+            <a:tailEnd type="arrow"/>
+          </a:ln>
+        </p:spPr>
+        <p:style>
+          <a:lnRef idx="3">
+            <a:schemeClr val="dk1"/>
+          </a:lnRef>
+          <a:fillRef idx="0">
+            <a:schemeClr val="dk1"/>
+          </a:fillRef>
+          <a:effectRef idx="2">
+            <a:schemeClr val="dk1"/>
+          </a:effectRef>
+          <a:fontRef idx="minor">
+            <a:schemeClr val="tx1"/>
+          </a:fontRef>
+        </p:style>
+      </p:cxnSp>
+      <p:cxnSp>
+        <p:nvCxnSpPr>
+          <p:cNvPr id="31" name="Straight Arrow Connector 30"/>
+          <p:cNvCxnSpPr>
+            <a:stCxn id="19" idx="1"/>
+          </p:cNvCxnSpPr>
+          <p:nvPr/>
+        </p:nvCxnSpPr>
+        <p:spPr>
+          <a:xfrm flipH="1">
+            <a:off x="2447499" y="2250029"/>
+            <a:ext cx="1103193" cy="0"/>
+          </a:xfrm>
+          <a:prstGeom prst="straightConnector1">
+            <a:avLst/>
+          </a:prstGeom>
+          <a:ln>
+            <a:tailEnd type="arrow"/>
+          </a:ln>
+        </p:spPr>
+        <p:style>
+          <a:lnRef idx="3">
+            <a:schemeClr val="dk1"/>
+          </a:lnRef>
+          <a:fillRef idx="0">
+            <a:schemeClr val="dk1"/>
+          </a:fillRef>
+          <a:effectRef idx="2">
+            <a:schemeClr val="dk1"/>
+          </a:effectRef>
+          <a:fontRef idx="minor">
+            <a:schemeClr val="tx1"/>
+          </a:fontRef>
+        </p:style>
+      </p:cxnSp>
+      <p:cxnSp>
+        <p:nvCxnSpPr>
+          <p:cNvPr id="37" name="Straight Arrow Connector 36"/>
+          <p:cNvCxnSpPr>
+            <a:endCxn id="18" idx="3"/>
+          </p:cNvCxnSpPr>
+          <p:nvPr/>
+        </p:nvCxnSpPr>
+        <p:spPr>
+          <a:xfrm flipH="1">
+            <a:off x="5556913" y="2294173"/>
+            <a:ext cx="1003112" cy="0"/>
+          </a:xfrm>
+          <a:prstGeom prst="straightConnector1">
+            <a:avLst/>
+          </a:prstGeom>
+          <a:ln>
+            <a:tailEnd type="arrow"/>
+          </a:ln>
+        </p:spPr>
+        <p:style>
+          <a:lnRef idx="3">
+            <a:schemeClr val="dk1"/>
+          </a:lnRef>
+          <a:fillRef idx="0">
+            <a:schemeClr val="dk1"/>
+          </a:fillRef>
+          <a:effectRef idx="2">
+            <a:schemeClr val="dk1"/>
+          </a:effectRef>
+          <a:fontRef idx="minor">
+            <a:schemeClr val="tx1"/>
+          </a:fontRef>
+        </p:style>
+      </p:cxnSp>
+      <p:cxnSp>
+        <p:nvCxnSpPr>
+          <p:cNvPr id="38" name="Straight Arrow Connector 37"/>
+          <p:cNvCxnSpPr/>
+          <p:nvPr/>
+        </p:nvCxnSpPr>
+        <p:spPr>
+          <a:xfrm flipH="1">
+            <a:off x="2413381" y="4571949"/>
+            <a:ext cx="1103193" cy="0"/>
+          </a:xfrm>
+          <a:prstGeom prst="straightConnector1">
+            <a:avLst/>
+          </a:prstGeom>
+          <a:ln>
+            <a:tailEnd type="arrow"/>
+          </a:ln>
+        </p:spPr>
+        <p:style>
+          <a:lnRef idx="3">
+            <a:schemeClr val="dk1"/>
+          </a:lnRef>
+          <a:fillRef idx="0">
+            <a:schemeClr val="dk1"/>
+          </a:fillRef>
+          <a:effectRef idx="2">
+            <a:schemeClr val="dk1"/>
+          </a:effectRef>
+          <a:fontRef idx="minor">
+            <a:schemeClr val="tx1"/>
+          </a:fontRef>
+        </p:style>
+      </p:cxnSp>
+      <p:cxnSp>
+        <p:nvCxnSpPr>
+          <p:cNvPr id="39" name="Straight Arrow Connector 38"/>
+          <p:cNvCxnSpPr/>
+          <p:nvPr/>
+        </p:nvCxnSpPr>
+        <p:spPr>
+          <a:xfrm flipH="1">
+            <a:off x="5522795" y="4599244"/>
+            <a:ext cx="1103193" cy="0"/>
+          </a:xfrm>
+          <a:prstGeom prst="straightConnector1">
+            <a:avLst/>
+          </a:prstGeom>
+          <a:ln>
+            <a:tailEnd type="arrow"/>
+          </a:ln>
+        </p:spPr>
+        <p:style>
+          <a:lnRef idx="3">
+            <a:schemeClr val="dk1"/>
+          </a:lnRef>
+          <a:fillRef idx="0">
+            <a:schemeClr val="dk1"/>
+          </a:fillRef>
+          <a:effectRef idx="2">
+            <a:schemeClr val="dk1"/>
+          </a:effectRef>
+          <a:fontRef idx="minor">
+            <a:schemeClr val="tx1"/>
+          </a:fontRef>
+        </p:style>
+      </p:cxnSp>
+      <p:cxnSp>
+        <p:nvCxnSpPr>
+          <p:cNvPr id="41" name="Straight Arrow Connector 40"/>
+          <p:cNvCxnSpPr/>
+          <p:nvPr/>
+        </p:nvCxnSpPr>
+        <p:spPr>
+          <a:xfrm>
+            <a:off x="2447499" y="3476083"/>
+            <a:ext cx="1103194" cy="0"/>
+          </a:xfrm>
+          <a:prstGeom prst="straightConnector1">
+            <a:avLst/>
+          </a:prstGeom>
+          <a:ln>
+            <a:tailEnd type="arrow"/>
+          </a:ln>
+        </p:spPr>
+        <p:style>
+          <a:lnRef idx="3">
+            <a:schemeClr val="dk1"/>
+          </a:lnRef>
+          <a:fillRef idx="0">
+            <a:schemeClr val="dk1"/>
+          </a:fillRef>
+          <a:effectRef idx="2">
+            <a:schemeClr val="dk1"/>
+          </a:effectRef>
+          <a:fontRef idx="minor">
+            <a:schemeClr val="tx1"/>
+          </a:fontRef>
+        </p:style>
+      </p:cxnSp>
+      <p:cxnSp>
+        <p:nvCxnSpPr>
+          <p:cNvPr id="257" name="Straight Arrow Connector 256"/>
+          <p:cNvCxnSpPr>
+            <a:stCxn id="22" idx="2"/>
+            <a:endCxn id="24" idx="0"/>
+          </p:cNvCxnSpPr>
+          <p:nvPr/>
+        </p:nvCxnSpPr>
+        <p:spPr>
+          <a:xfrm>
+            <a:off x="7563136" y="1603135"/>
+            <a:ext cx="0" cy="292558"/>
+          </a:xfrm>
+          <a:prstGeom prst="straightConnector1">
+            <a:avLst/>
+          </a:prstGeom>
+          <a:ln>
+            <a:tailEnd type="arrow"/>
+          </a:ln>
+        </p:spPr>
+        <p:style>
+          <a:lnRef idx="3">
+            <a:schemeClr val="dk1"/>
+          </a:lnRef>
+          <a:fillRef idx="0">
+            <a:schemeClr val="dk1"/>
+          </a:fillRef>
+          <a:effectRef idx="2">
+            <a:schemeClr val="dk1"/>
+          </a:effectRef>
+          <a:fontRef idx="minor">
+            <a:schemeClr val="tx1"/>
+          </a:fontRef>
+        </p:style>
+      </p:cxnSp>
+      <p:cxnSp>
+        <p:nvCxnSpPr>
+          <p:cNvPr id="44" name="Straight Arrow Connector 43"/>
+          <p:cNvCxnSpPr/>
+          <p:nvPr/>
+        </p:nvCxnSpPr>
+        <p:spPr>
+          <a:xfrm>
+            <a:off x="7563134" y="3876359"/>
+            <a:ext cx="0" cy="292558"/>
+          </a:xfrm>
+          <a:prstGeom prst="straightConnector1">
+            <a:avLst/>
+          </a:prstGeom>
+          <a:ln>
+            <a:tailEnd type="arrow"/>
+          </a:ln>
+        </p:spPr>
+        <p:style>
+          <a:lnRef idx="3">
+            <a:schemeClr val="dk1"/>
+          </a:lnRef>
+          <a:fillRef idx="0">
+            <a:schemeClr val="dk1"/>
+          </a:fillRef>
+          <a:effectRef idx="2">
+            <a:schemeClr val="dk1"/>
+          </a:effectRef>
+          <a:fontRef idx="minor">
+            <a:schemeClr val="tx1"/>
+          </a:fontRef>
+        </p:style>
+      </p:cxnSp>
+      <p:cxnSp>
+        <p:nvCxnSpPr>
+          <p:cNvPr id="45" name="Straight Arrow Connector 44"/>
+          <p:cNvCxnSpPr/>
+          <p:nvPr/>
+        </p:nvCxnSpPr>
+        <p:spPr>
+          <a:xfrm>
+            <a:off x="1444388" y="2724077"/>
+            <a:ext cx="0" cy="292558"/>
+          </a:xfrm>
+          <a:prstGeom prst="straightConnector1">
+            <a:avLst/>
+          </a:prstGeom>
+          <a:ln>
+            <a:tailEnd type="arrow"/>
+          </a:ln>
+        </p:spPr>
+        <p:style>
+          <a:lnRef idx="3">
+            <a:schemeClr val="dk1"/>
+          </a:lnRef>
+          <a:fillRef idx="0">
+            <a:schemeClr val="dk1"/>
+          </a:fillRef>
+          <a:effectRef idx="2">
+            <a:schemeClr val="dk1"/>
+          </a:effectRef>
+          <a:fontRef idx="minor">
+            <a:schemeClr val="tx1"/>
+          </a:fontRef>
+        </p:style>
+      </p:cxnSp>
+    </p:spTree>
+    <p:extLst>
+      <p:ext uri="{BB962C8B-B14F-4D97-AF65-F5344CB8AC3E}">
+        <p14:creationId xmlns:p14="http://schemas.microsoft.com/office/powerpoint/2010/main" val="20814952"/>
+      </p:ext>
+    </p:extLst>
+  </p:cSld>
+  <p:clrMapOvr>
+    <a:masterClrMapping/>
+  </p:clrMapOvr>
+  <p:transition spd="slow">
+    <p:wipe/>
+  </p:transition>
+  <p:timing>
+    <p:tnLst>
+      <p:par>
+        <p:cTn id="1" dur="indefinite" restart="never" nodeType="tmRoot"/>
+      </p:par>
+    </p:tnLst>
+  </p:timing>
+</p:sld>
+</file>
+
+<file path=ppt/slides/slide9.xml><?xml version="1.0" encoding="utf-8"?>
 <p:sld xmlns:a="http://schemas.openxmlformats.org/drawingml/2006/main" xmlns:r="http://schemas.openxmlformats.org/officeDocument/2006/relationships" xmlns:p="http://schemas.openxmlformats.org/presentationml/2006/main">
   <p:cSld>
     <p:spTree>
@@ -49093,555 +52139,6 @@
       </p:par>
     </p:tnLst>
   </p:timing>
-</p:sld>
-</file>
-
-<file path=ppt/slides/slide9.xml><?xml version="1.0" encoding="utf-8"?>
-<p:sld xmlns:a="http://schemas.openxmlformats.org/drawingml/2006/main" xmlns:r="http://schemas.openxmlformats.org/officeDocument/2006/relationships" xmlns:p="http://schemas.openxmlformats.org/presentationml/2006/main">
-  <p:cSld>
-    <p:spTree>
-      <p:nvGrpSpPr>
-        <p:cNvPr id="1" name="Shape 306"/>
-        <p:cNvGrpSpPr/>
-        <p:nvPr/>
-      </p:nvGrpSpPr>
-      <p:grpSpPr>
-        <a:xfrm>
-          <a:off x="0" y="0"/>
-          <a:ext cx="0" cy="0"/>
-          <a:chOff x="0" y="0"/>
-          <a:chExt cx="0" cy="0"/>
-        </a:xfrm>
-      </p:grpSpPr>
-      <p:sp>
-        <p:nvSpPr>
-          <p:cNvPr id="307" name="Google Shape;307;p10"/>
-          <p:cNvSpPr txBox="1">
-            <a:spLocks noGrp="1"/>
-          </p:cNvSpPr>
-          <p:nvPr>
-            <p:ph type="title"/>
-          </p:nvPr>
-        </p:nvSpPr>
-        <p:spPr>
-          <a:xfrm>
-            <a:off x="1282277" y="90023"/>
-            <a:ext cx="4271700" cy="856650"/>
-          </a:xfrm>
-          <a:prstGeom prst="rect">
-            <a:avLst/>
-          </a:prstGeom>
-          <a:noFill/>
-          <a:ln>
-            <a:noFill/>
-          </a:ln>
-        </p:spPr>
-        <p:txBody>
-          <a:bodyPr spcFirstLastPara="1" wrap="square" lIns="91425" tIns="91425" rIns="91425" bIns="91425" anchor="t" anchorCtr="0">
-            <a:noAutofit/>
-          </a:bodyPr>
-          <a:lstStyle/>
-          <a:p>
-            <a:pPr marL="0" lvl="0" indent="0" algn="l" rtl="0">
-              <a:lnSpc>
-                <a:spcPct val="100000"/>
-              </a:lnSpc>
-              <a:spcBef>
-                <a:spcPts val="0"/>
-              </a:spcBef>
-              <a:spcAft>
-                <a:spcPts val="0"/>
-              </a:spcAft>
-              <a:buSzPts val="3500"/>
-              <a:buNone/>
-            </a:pPr>
-            <a:r>
-              <a:rPr lang="en-US" sz="4400" b="1" i="1">
-                <a:latin typeface="Times New Roman"/>
-                <a:ea typeface="Times New Roman"/>
-                <a:cs typeface="Times New Roman"/>
-                <a:sym typeface="Times New Roman"/>
-              </a:rPr>
-              <a:t>Phân hệ kho</a:t>
-            </a:r>
-            <a:endParaRPr sz="4400" b="1" i="1">
-              <a:latin typeface="Times New Roman"/>
-              <a:ea typeface="Times New Roman"/>
-              <a:cs typeface="Times New Roman"/>
-              <a:sym typeface="Times New Roman"/>
-            </a:endParaRPr>
-          </a:p>
-        </p:txBody>
-      </p:sp>
-      <p:sp>
-        <p:nvSpPr>
-          <p:cNvPr id="308" name="Google Shape;308;p10"/>
-          <p:cNvSpPr txBox="1">
-            <a:spLocks noGrp="1"/>
-          </p:cNvSpPr>
-          <p:nvPr>
-            <p:ph type="subTitle" idx="1"/>
-          </p:nvPr>
-        </p:nvSpPr>
-        <p:spPr>
-          <a:xfrm>
-            <a:off x="240963" y="1567338"/>
-            <a:ext cx="4105126" cy="3112239"/>
-          </a:xfrm>
-          <a:prstGeom prst="rect">
-            <a:avLst/>
-          </a:prstGeom>
-          <a:noFill/>
-          <a:ln>
-            <a:noFill/>
-          </a:ln>
-        </p:spPr>
-        <p:txBody>
-          <a:bodyPr spcFirstLastPara="1" wrap="square" lIns="91425" tIns="91425" rIns="91425" bIns="91425" anchor="t" anchorCtr="0">
-            <a:noAutofit/>
-          </a:bodyPr>
-          <a:lstStyle/>
-          <a:p>
-            <a:pPr marL="457200" lvl="0" indent="-342900" algn="l" rtl="0">
-              <a:lnSpc>
-                <a:spcPct val="100000"/>
-              </a:lnSpc>
-              <a:spcBef>
-                <a:spcPts val="0"/>
-              </a:spcBef>
-              <a:spcAft>
-                <a:spcPts val="0"/>
-              </a:spcAft>
-              <a:buSzPts val="1800"/>
-              <a:buNone/>
-            </a:pPr>
-            <a:r>
-              <a:rPr lang="en-US" sz="2400" b="1" i="1">
-                <a:latin typeface="Times New Roman"/>
-                <a:ea typeface="Times New Roman"/>
-                <a:cs typeface="Times New Roman"/>
-                <a:sym typeface="Times New Roman"/>
-              </a:rPr>
-              <a:t>Quản lý hệ thống kho</a:t>
-            </a:r>
-            <a:endParaRPr/>
-          </a:p>
-          <a:p>
-            <a:pPr marL="457200" lvl="0" indent="-342900" algn="l" rtl="0">
-              <a:lnSpc>
-                <a:spcPct val="100000"/>
-              </a:lnSpc>
-              <a:spcBef>
-                <a:spcPts val="0"/>
-              </a:spcBef>
-              <a:spcAft>
-                <a:spcPts val="0"/>
-              </a:spcAft>
-              <a:buSzPts val="1800"/>
-              <a:buNone/>
-            </a:pPr>
-            <a:endParaRPr sz="2400" b="1">
-              <a:latin typeface="Times New Roman"/>
-              <a:ea typeface="Times New Roman"/>
-              <a:cs typeface="Times New Roman"/>
-              <a:sym typeface="Times New Roman"/>
-            </a:endParaRPr>
-          </a:p>
-          <a:p>
-            <a:pPr marL="457200" lvl="0" indent="-342900" algn="l" rtl="0">
-              <a:lnSpc>
-                <a:spcPct val="100000"/>
-              </a:lnSpc>
-              <a:spcBef>
-                <a:spcPts val="0"/>
-              </a:spcBef>
-              <a:spcAft>
-                <a:spcPts val="0"/>
-              </a:spcAft>
-              <a:buSzPts val="1800"/>
-              <a:buNone/>
-            </a:pPr>
-            <a:r>
-              <a:rPr lang="en-US" sz="2400" b="1" i="1">
-                <a:latin typeface="Times New Roman"/>
-                <a:ea typeface="Times New Roman"/>
-                <a:cs typeface="Times New Roman"/>
-                <a:sym typeface="Times New Roman"/>
-              </a:rPr>
-              <a:t>Bộ mã vật tư, hàng hóa thống nhất</a:t>
-            </a:r>
-            <a:endParaRPr/>
-          </a:p>
-          <a:p>
-            <a:pPr marL="457200" lvl="0" indent="-342900" algn="l" rtl="0">
-              <a:lnSpc>
-                <a:spcPct val="100000"/>
-              </a:lnSpc>
-              <a:spcBef>
-                <a:spcPts val="0"/>
-              </a:spcBef>
-              <a:spcAft>
-                <a:spcPts val="0"/>
-              </a:spcAft>
-              <a:buSzPts val="1800"/>
-              <a:buNone/>
-            </a:pPr>
-            <a:endParaRPr sz="2400" b="1">
-              <a:latin typeface="Times New Roman"/>
-              <a:ea typeface="Times New Roman"/>
-              <a:cs typeface="Times New Roman"/>
-              <a:sym typeface="Times New Roman"/>
-            </a:endParaRPr>
-          </a:p>
-          <a:p>
-            <a:pPr marL="457200" lvl="0" indent="-342900" algn="l" rtl="0">
-              <a:lnSpc>
-                <a:spcPct val="100000"/>
-              </a:lnSpc>
-              <a:spcBef>
-                <a:spcPts val="0"/>
-              </a:spcBef>
-              <a:spcAft>
-                <a:spcPts val="0"/>
-              </a:spcAft>
-              <a:buSzPts val="1800"/>
-              <a:buNone/>
-            </a:pPr>
-            <a:r>
-              <a:rPr lang="en-US" sz="2400" b="1" i="1">
-                <a:latin typeface="Times New Roman"/>
-                <a:ea typeface="Times New Roman"/>
-                <a:cs typeface="Times New Roman"/>
-                <a:sym typeface="Times New Roman"/>
-              </a:rPr>
-              <a:t>Phân nhóm vật tư, hàng hóa nhiều chiều</a:t>
-            </a:r>
-            <a:endParaRPr/>
-          </a:p>
-          <a:p>
-            <a:pPr marL="457200" lvl="0" indent="-342900" algn="l" rtl="0">
-              <a:lnSpc>
-                <a:spcPct val="100000"/>
-              </a:lnSpc>
-              <a:spcBef>
-                <a:spcPts val="0"/>
-              </a:spcBef>
-              <a:spcAft>
-                <a:spcPts val="0"/>
-              </a:spcAft>
-              <a:buSzPts val="1800"/>
-              <a:buNone/>
-            </a:pPr>
-            <a:endParaRPr sz="2400" b="1">
-              <a:latin typeface="Times New Roman"/>
-              <a:ea typeface="Times New Roman"/>
-              <a:cs typeface="Times New Roman"/>
-              <a:sym typeface="Times New Roman"/>
-            </a:endParaRPr>
-          </a:p>
-          <a:p>
-            <a:pPr marL="457200" lvl="0" indent="-342900" algn="l" rtl="0">
-              <a:lnSpc>
-                <a:spcPct val="100000"/>
-              </a:lnSpc>
-              <a:spcBef>
-                <a:spcPts val="0"/>
-              </a:spcBef>
-              <a:spcAft>
-                <a:spcPts val="0"/>
-              </a:spcAft>
-              <a:buSzPts val="1800"/>
-              <a:buNone/>
-            </a:pPr>
-            <a:endParaRPr sz="2400">
-              <a:latin typeface="Times New Roman"/>
-              <a:ea typeface="Times New Roman"/>
-              <a:cs typeface="Times New Roman"/>
-              <a:sym typeface="Times New Roman"/>
-            </a:endParaRPr>
-          </a:p>
-        </p:txBody>
-      </p:sp>
-      <p:sp>
-        <p:nvSpPr>
-          <p:cNvPr id="309" name="Google Shape;309;p10"/>
-          <p:cNvSpPr txBox="1">
-            <a:spLocks noGrp="1"/>
-          </p:cNvSpPr>
-          <p:nvPr>
-            <p:ph type="subTitle" idx="2"/>
-          </p:nvPr>
-        </p:nvSpPr>
-        <p:spPr>
-          <a:xfrm>
-            <a:off x="4596226" y="1529866"/>
-            <a:ext cx="3880800" cy="3149709"/>
-          </a:xfrm>
-          <a:prstGeom prst="rect">
-            <a:avLst/>
-          </a:prstGeom>
-          <a:noFill/>
-          <a:ln>
-            <a:noFill/>
-          </a:ln>
-        </p:spPr>
-        <p:txBody>
-          <a:bodyPr spcFirstLastPara="1" wrap="square" lIns="91425" tIns="91425" rIns="91425" bIns="91425" anchor="t" anchorCtr="0">
-            <a:noAutofit/>
-          </a:bodyPr>
-          <a:lstStyle/>
-          <a:p>
-            <a:pPr marL="457200" lvl="0" indent="-342900" algn="l" rtl="0">
-              <a:lnSpc>
-                <a:spcPct val="100000"/>
-              </a:lnSpc>
-              <a:spcBef>
-                <a:spcPts val="0"/>
-              </a:spcBef>
-              <a:spcAft>
-                <a:spcPts val="0"/>
-              </a:spcAft>
-              <a:buSzPts val="1800"/>
-              <a:buNone/>
-            </a:pPr>
-            <a:r>
-              <a:rPr lang="en-US" sz="2400" b="1" i="1">
-                <a:latin typeface="Times New Roman"/>
-                <a:ea typeface="Times New Roman"/>
-                <a:cs typeface="Times New Roman"/>
-                <a:sym typeface="Times New Roman"/>
-              </a:rPr>
-              <a:t>Lưu trữ một lượng khá lớn thông tin vật tư, hàng hóa</a:t>
-            </a:r>
-            <a:endParaRPr sz="2400" b="1">
-              <a:latin typeface="Times New Roman"/>
-              <a:ea typeface="Times New Roman"/>
-              <a:cs typeface="Times New Roman"/>
-              <a:sym typeface="Times New Roman"/>
-            </a:endParaRPr>
-          </a:p>
-          <a:p>
-            <a:pPr marL="457200" lvl="0" indent="-342900" algn="l" rtl="0">
-              <a:lnSpc>
-                <a:spcPct val="100000"/>
-              </a:lnSpc>
-              <a:spcBef>
-                <a:spcPts val="0"/>
-              </a:spcBef>
-              <a:spcAft>
-                <a:spcPts val="0"/>
-              </a:spcAft>
-              <a:buSzPts val="1800"/>
-              <a:buNone/>
-            </a:pPr>
-            <a:endParaRPr sz="2400" b="1" i="1">
-              <a:latin typeface="Times New Roman"/>
-              <a:ea typeface="Times New Roman"/>
-              <a:cs typeface="Times New Roman"/>
-              <a:sym typeface="Times New Roman"/>
-            </a:endParaRPr>
-          </a:p>
-          <a:p>
-            <a:pPr marL="457200" lvl="0" indent="-342900" algn="l" rtl="0">
-              <a:lnSpc>
-                <a:spcPct val="100000"/>
-              </a:lnSpc>
-              <a:spcBef>
-                <a:spcPts val="0"/>
-              </a:spcBef>
-              <a:spcAft>
-                <a:spcPts val="0"/>
-              </a:spcAft>
-              <a:buSzPts val="1800"/>
-              <a:buNone/>
-            </a:pPr>
-            <a:r>
-              <a:rPr lang="en-US" sz="2400" b="1" i="1">
-                <a:latin typeface="Times New Roman"/>
-                <a:ea typeface="Times New Roman"/>
-                <a:cs typeface="Times New Roman"/>
-                <a:sym typeface="Times New Roman"/>
-              </a:rPr>
-              <a:t>Hệ thống đơn vị tính qui đổi linh động</a:t>
-            </a:r>
-            <a:endParaRPr/>
-          </a:p>
-          <a:p>
-            <a:pPr marL="457200" lvl="0" indent="-342900" algn="l" rtl="0">
-              <a:lnSpc>
-                <a:spcPct val="100000"/>
-              </a:lnSpc>
-              <a:spcBef>
-                <a:spcPts val="0"/>
-              </a:spcBef>
-              <a:spcAft>
-                <a:spcPts val="0"/>
-              </a:spcAft>
-              <a:buSzPts val="1800"/>
-              <a:buNone/>
-            </a:pPr>
-            <a:endParaRPr sz="2400" b="1">
-              <a:latin typeface="Times New Roman"/>
-              <a:ea typeface="Times New Roman"/>
-              <a:cs typeface="Times New Roman"/>
-              <a:sym typeface="Times New Roman"/>
-            </a:endParaRPr>
-          </a:p>
-          <a:p>
-            <a:pPr marL="457200" lvl="0" indent="-342900" algn="l" rtl="0">
-              <a:lnSpc>
-                <a:spcPct val="100000"/>
-              </a:lnSpc>
-              <a:spcBef>
-                <a:spcPts val="0"/>
-              </a:spcBef>
-              <a:spcAft>
-                <a:spcPts val="0"/>
-              </a:spcAft>
-              <a:buSzPts val="1800"/>
-              <a:buNone/>
-            </a:pPr>
-            <a:r>
-              <a:rPr lang="en-US" sz="2400" b="1" i="1">
-                <a:latin typeface="Times New Roman"/>
-                <a:ea typeface="Times New Roman"/>
-                <a:cs typeface="Times New Roman"/>
-                <a:sym typeface="Times New Roman"/>
-              </a:rPr>
-              <a:t>Kiểm soát hàng tồn kho</a:t>
-            </a:r>
-            <a:endParaRPr/>
-          </a:p>
-          <a:p>
-            <a:pPr marL="457200" lvl="0" indent="-342900" algn="l" rtl="0">
-              <a:lnSpc>
-                <a:spcPct val="100000"/>
-              </a:lnSpc>
-              <a:spcBef>
-                <a:spcPts val="0"/>
-              </a:spcBef>
-              <a:spcAft>
-                <a:spcPts val="0"/>
-              </a:spcAft>
-              <a:buSzPts val="1800"/>
-              <a:buNone/>
-            </a:pPr>
-            <a:endParaRPr sz="2400" b="1">
-              <a:latin typeface="Times New Roman"/>
-              <a:ea typeface="Times New Roman"/>
-              <a:cs typeface="Times New Roman"/>
-              <a:sym typeface="Times New Roman"/>
-            </a:endParaRPr>
-          </a:p>
-          <a:p>
-            <a:pPr marL="457200" lvl="0" indent="-342900" algn="l" rtl="0">
-              <a:lnSpc>
-                <a:spcPct val="100000"/>
-              </a:lnSpc>
-              <a:spcBef>
-                <a:spcPts val="0"/>
-              </a:spcBef>
-              <a:spcAft>
-                <a:spcPts val="0"/>
-              </a:spcAft>
-              <a:buSzPts val="1800"/>
-              <a:buNone/>
-            </a:pPr>
-            <a:endParaRPr sz="2400" b="1" i="1">
-              <a:latin typeface="Times New Roman"/>
-              <a:ea typeface="Times New Roman"/>
-              <a:cs typeface="Times New Roman"/>
-              <a:sym typeface="Times New Roman"/>
-            </a:endParaRPr>
-          </a:p>
-          <a:p>
-            <a:pPr marL="457200" lvl="0" indent="-342900" algn="l" rtl="0">
-              <a:lnSpc>
-                <a:spcPct val="100000"/>
-              </a:lnSpc>
-              <a:spcBef>
-                <a:spcPts val="0"/>
-              </a:spcBef>
-              <a:spcAft>
-                <a:spcPts val="0"/>
-              </a:spcAft>
-              <a:buSzPts val="1800"/>
-              <a:buNone/>
-            </a:pPr>
-            <a:endParaRPr sz="2400">
-              <a:latin typeface="Times New Roman"/>
-              <a:ea typeface="Times New Roman"/>
-              <a:cs typeface="Times New Roman"/>
-              <a:sym typeface="Times New Roman"/>
-            </a:endParaRPr>
-          </a:p>
-        </p:txBody>
-      </p:sp>
-      <p:sp>
-        <p:nvSpPr>
-          <p:cNvPr id="310" name="Google Shape;310;p10"/>
-          <p:cNvSpPr txBox="1">
-            <a:spLocks noGrp="1"/>
-          </p:cNvSpPr>
-          <p:nvPr>
-            <p:ph type="subTitle" idx="4"/>
-          </p:nvPr>
-        </p:nvSpPr>
-        <p:spPr>
-          <a:xfrm>
-            <a:off x="2241884" y="947046"/>
-            <a:ext cx="2416177" cy="425700"/>
-          </a:xfrm>
-          <a:prstGeom prst="rect">
-            <a:avLst/>
-          </a:prstGeom>
-          <a:noFill/>
-          <a:ln>
-            <a:noFill/>
-          </a:ln>
-        </p:spPr>
-        <p:txBody>
-          <a:bodyPr spcFirstLastPara="1" wrap="square" lIns="91425" tIns="91425" rIns="91425" bIns="91425" anchor="t" anchorCtr="0">
-            <a:noAutofit/>
-          </a:bodyPr>
-          <a:lstStyle/>
-          <a:p>
-            <a:pPr marL="457200" lvl="0" indent="-342900" algn="l" rtl="0">
-              <a:lnSpc>
-                <a:spcPct val="100000"/>
-              </a:lnSpc>
-              <a:spcBef>
-                <a:spcPts val="0"/>
-              </a:spcBef>
-              <a:spcAft>
-                <a:spcPts val="0"/>
-              </a:spcAft>
-              <a:buSzPts val="1800"/>
-              <a:buNone/>
-            </a:pPr>
-            <a:r>
-              <a:rPr lang="en-US" sz="2800" b="1">
-                <a:latin typeface="Times New Roman"/>
-                <a:ea typeface="Times New Roman"/>
-                <a:cs typeface="Times New Roman"/>
-                <a:sym typeface="Times New Roman"/>
-              </a:rPr>
-              <a:t>Chức năng</a:t>
-            </a:r>
-            <a:endParaRPr sz="2800" b="1">
-              <a:latin typeface="Times New Roman"/>
-              <a:ea typeface="Times New Roman"/>
-              <a:cs typeface="Times New Roman"/>
-              <a:sym typeface="Times New Roman"/>
-            </a:endParaRPr>
-          </a:p>
-        </p:txBody>
-      </p:sp>
-    </p:spTree>
-  </p:cSld>
-  <p:clrMapOvr>
-    <a:masterClrMapping/>
-  </p:clrMapOvr>
 </p:sld>
 </file>
 
